--- a/CPE495 Slides.pptx
+++ b/CPE495 Slides.pptx
@@ -128,7 +128,7 @@
   </p:defaultTextStyle>
   <p:extLst>
     <p:ext uri="{EFAFB233-063F-42B5-8137-9DF3F51BA10A}">
-      <p15:sldGuideLst xmlns:p15="http://schemas.microsoft.com/office/powerpoint/2012/main" xmlns="">
+      <p15:sldGuideLst xmlns:p15="http://schemas.microsoft.com/office/powerpoint/2012/main">
         <p15:guide id="1" orient="horz" pos="2381">
           <p15:clr>
             <a:srgbClr val="A4A3A4"/>
@@ -4428,7 +4428,7 @@
           <a:p>
             <a:fld id="{48A87A34-81AB-432B-8DAE-1953F412C126}" type="datetimeFigureOut">
               <a:rPr lang="en-US" dirty="0"/>
-              <a:t>11/3/2016</a:t>
+              <a:t>11/4/2016</a:t>
             </a:fld>
             <a:endParaRPr lang="en-US" dirty="0"/>
           </a:p>
@@ -8528,7 +8528,7 @@
           <a:p>
             <a:fld id="{48A87A34-81AB-432B-8DAE-1953F412C126}" type="datetimeFigureOut">
               <a:rPr lang="en-US" dirty="0"/>
-              <a:t>11/3/2016</a:t>
+              <a:t>11/4/2016</a:t>
             </a:fld>
             <a:endParaRPr lang="en-US" dirty="0"/>
           </a:p>
@@ -12769,13 +12769,7 @@
               <a:rPr lang="en-US" sz="2400" dirty="0" smtClean="0">
                 <a:latin typeface="Arial"/>
               </a:rPr>
-              <a:t>      	     </a:t>
-            </a:r>
-            <a:r>
-              <a:rPr lang="en-US" sz="2400" dirty="0" smtClean="0">
-                <a:latin typeface="Arial"/>
-              </a:rPr>
-              <a:t>Jairo Arreola     (</a:t>
+              <a:t>      	     Jairo Arreola     (</a:t>
             </a:r>
             <a:r>
               <a:rPr lang="en-US" sz="2400" dirty="0" smtClean="0">
@@ -12860,13 +12854,7 @@
               <a:rPr lang="en-US" sz="2400" dirty="0" smtClean="0">
                 <a:latin typeface="Arial"/>
               </a:rPr>
-              <a:t>)</a:t>
-            </a:r>
-            <a:r>
-              <a:rPr lang="en-US" sz="2400" dirty="0" smtClean="0">
-                <a:latin typeface="Arial"/>
-              </a:rPr>
-              <a:t> </a:t>
+              <a:t>) </a:t>
             </a:r>
           </a:p>
           <a:p>
@@ -13830,33 +13818,36 @@
           </a:p>
         </p:txBody>
       </p:sp>
-      <p:sp>
-        <p:nvSpPr>
-          <p:cNvPr id="68" name="TextShape 2"/>
-          <p:cNvSpPr txBox="1"/>
+      <p:pic>
+        <p:nvPicPr>
+          <p:cNvPr id="3" name="Picture 2"/>
+          <p:cNvPicPr>
+            <a:picLocks noChangeAspect="1"/>
+          </p:cNvPicPr>
           <p:nvPr/>
-        </p:nvSpPr>
+        </p:nvPicPr>
+        <p:blipFill>
+          <a:blip r:embed="rId2">
+            <a:extLst>
+              <a:ext uri="{28A0092B-C50C-407E-A947-70E740481C1C}">
+                <a14:useLocalDpi xmlns:a14="http://schemas.microsoft.com/office/drawing/2010/main" val="0"/>
+              </a:ext>
+            </a:extLst>
+          </a:blip>
+          <a:stretch>
+            <a:fillRect/>
+          </a:stretch>
+        </p:blipFill>
         <p:spPr>
           <a:xfrm>
-            <a:off x="504000" y="1769040"/>
-            <a:ext cx="9071640" cy="4384440"/>
+            <a:off x="1886708" y="1438320"/>
+            <a:ext cx="6306224" cy="5190174"/>
           </a:xfrm>
           <a:prstGeom prst="rect">
             <a:avLst/>
           </a:prstGeom>
-          <a:noFill/>
-          <a:ln>
-            <a:noFill/>
-          </a:ln>
         </p:spPr>
-        <p:txBody>
-          <a:bodyPr lIns="0" tIns="0" rIns="0" bIns="0"/>
-          <a:lstStyle/>
-          <a:p>
-            <a:endParaRPr/>
-          </a:p>
-        </p:txBody>
-      </p:sp>
+      </p:pic>
     </p:spTree>
   </p:cSld>
   <p:clrMapOvr>
@@ -14168,17 +14159,8 @@
               <a:rPr lang="en-US" sz="3200" dirty="0" smtClean="0">
                 <a:latin typeface="Arial"/>
               </a:rPr>
-              <a:t>Test-Driven Development </a:t>
-            </a:r>
-            <a:r>
-              <a:rPr lang="en-US" sz="3200" dirty="0" smtClean="0">
-                <a:latin typeface="Arial"/>
-              </a:rPr>
-              <a:t>Approach</a:t>
-            </a:r>
-            <a:endParaRPr lang="en-US" sz="3200" dirty="0" smtClean="0">
-              <a:latin typeface="Arial"/>
-            </a:endParaRPr>
+              <a:t>Test-Driven Development Approach</a:t>
+            </a:r>
           </a:p>
           <a:p>
             <a:pPr marL="457200" indent="-457200">
@@ -14190,13 +14172,7 @@
               <a:rPr lang="en-US" sz="3200" dirty="0" smtClean="0">
                 <a:latin typeface="Arial"/>
               </a:rPr>
-              <a:t>Unit </a:t>
-            </a:r>
-            <a:r>
-              <a:rPr lang="en-US" sz="3200" dirty="0" smtClean="0">
-                <a:latin typeface="Arial"/>
-              </a:rPr>
-              <a:t>Tests</a:t>
+              <a:t>Unit Tests</a:t>
             </a:r>
           </a:p>
           <a:p>
@@ -14601,7 +14577,7 @@
                 </a:ln>
                 <a:latin typeface="Arial"/>
               </a:rPr>
-              <a:t>CPE 495 </a:t>
+              <a:t>CPE </a:t>
             </a:r>
             <a:r>
               <a:rPr lang="en-US" sz="4400" dirty="0" smtClean="0">
@@ -14612,6 +14588,17 @@
                 </a:ln>
                 <a:latin typeface="Arial"/>
               </a:rPr>
+              <a:t>495/496 </a:t>
+            </a:r>
+            <a:r>
+              <a:rPr lang="en-US" sz="4400" dirty="0" smtClean="0">
+                <a:ln>
+                  <a:solidFill>
+                    <a:schemeClr val="bg1"/>
+                  </a:solidFill>
+                </a:ln>
+                <a:latin typeface="Arial"/>
+              </a:rPr>
               <a:t>Timeline</a:t>
             </a:r>
             <a:endParaRPr dirty="0">
@@ -14624,44 +14611,36 @@
           </a:p>
         </p:txBody>
       </p:sp>
-      <p:sp>
-        <p:nvSpPr>
-          <p:cNvPr id="74" name="TextShape 2"/>
-          <p:cNvSpPr txBox="1"/>
+      <p:pic>
+        <p:nvPicPr>
+          <p:cNvPr id="3" name="Picture 2"/>
+          <p:cNvPicPr>
+            <a:picLocks noChangeAspect="1"/>
+          </p:cNvPicPr>
           <p:nvPr/>
-        </p:nvSpPr>
+        </p:nvPicPr>
+        <p:blipFill>
+          <a:blip r:embed="rId2">
+            <a:extLst>
+              <a:ext uri="{28A0092B-C50C-407E-A947-70E740481C1C}">
+                <a14:useLocalDpi xmlns:a14="http://schemas.microsoft.com/office/drawing/2010/main" val="0"/>
+              </a:ext>
+            </a:extLst>
+          </a:blip>
+          <a:stretch>
+            <a:fillRect/>
+          </a:stretch>
+        </p:blipFill>
         <p:spPr>
           <a:xfrm>
-            <a:off x="504000" y="1769040"/>
-            <a:ext cx="9071640" cy="4384440"/>
+            <a:off x="504000" y="2073145"/>
+            <a:ext cx="9076969" cy="3952901"/>
           </a:xfrm>
           <a:prstGeom prst="rect">
             <a:avLst/>
           </a:prstGeom>
-          <a:noFill/>
-          <a:ln>
-            <a:noFill/>
-          </a:ln>
         </p:spPr>
-        <p:txBody>
-          <a:bodyPr lIns="0" tIns="0" rIns="0" bIns="0"/>
-          <a:lstStyle/>
-          <a:p>
-            <a:pPr marL="457200" indent="-457200">
-              <a:buSzPct val="65000"/>
-              <a:buFont typeface="Wingdings" panose="05000000000000000000" pitchFamily="2" charset="2"/>
-              <a:buChar char="Ø"/>
-            </a:pPr>
-            <a:r>
-              <a:rPr lang="en-US" sz="3200" dirty="0" smtClean="0">
-                <a:latin typeface="Arial"/>
-              </a:rPr>
-              <a:t>“Insert timeline @Adam”</a:t>
-            </a:r>
-            <a:endParaRPr dirty="0"/>
-          </a:p>
-        </p:txBody>
-      </p:sp>
+      </p:pic>
     </p:spTree>
     <p:extLst>
       <p:ext uri="{BB962C8B-B14F-4D97-AF65-F5344CB8AC3E}">
@@ -16034,11 +16013,11 @@
   <p:clrMapOvr>
     <a:masterClrMapping/>
   </p:clrMapOvr>
-  <mc:AlternateContent xmlns:mc="http://schemas.openxmlformats.org/markup-compatibility/2006">
-    <mc:Choice xmlns:p14="http://schemas.microsoft.com/office/powerpoint/2010/main" Requires="p14">
+  <mc:AlternateContent xmlns:mc="http://schemas.openxmlformats.org/markup-compatibility/2006" xmlns:p14="http://schemas.microsoft.com/office/powerpoint/2010/main">
+    <mc:Choice Requires="p14">
       <p:transition spd="slow" p14:dur="2000"/>
     </mc:Choice>
-    <mc:Fallback>
+    <mc:Fallback xmlns="">
       <p:transition spd="slow"/>
     </mc:Fallback>
   </mc:AlternateContent>
@@ -16498,19 +16477,7 @@
               <a:rPr lang="en-US" sz="3200" dirty="0" smtClean="0">
                 <a:latin typeface="Arial"/>
               </a:rPr>
-              <a:t>Administrator, </a:t>
-            </a:r>
-            <a:r>
-              <a:rPr lang="en-US" sz="3200" dirty="0" smtClean="0">
-                <a:latin typeface="Arial"/>
-              </a:rPr>
-              <a:t>Fall </a:t>
-            </a:r>
-            <a:r>
-              <a:rPr lang="en-US" sz="3200" dirty="0" smtClean="0">
-                <a:latin typeface="Arial"/>
-              </a:rPr>
-              <a:t>Intern</a:t>
+              <a:t>Administrator, Fall Intern</a:t>
             </a:r>
             <a:endParaRPr dirty="0"/>
           </a:p>
@@ -16918,7 +16885,7 @@
         </p:nvSpPr>
         <p:spPr>
           <a:xfrm rot="658200">
-            <a:off x="3612240" y="1551960"/>
+            <a:off x="3478319" y="1745820"/>
             <a:ext cx="2774160" cy="751320"/>
           </a:xfrm>
           <a:prstGeom prst="rightArrow">
@@ -17017,52 +16984,62 @@
       </p:pic>
       <p:pic>
         <p:nvPicPr>
-          <p:cNvPr id="51" name="Picture 50"/>
-          <p:cNvPicPr/>
+          <p:cNvPr id="2" name="Picture 1"/>
+          <p:cNvPicPr>
+            <a:picLocks noChangeAspect="1"/>
+          </p:cNvPicPr>
           <p:nvPr/>
         </p:nvPicPr>
         <p:blipFill>
-          <a:blip r:embed="rId3"/>
-          <a:stretch/>
+          <a:blip r:embed="rId3">
+            <a:extLst>
+              <a:ext uri="{28A0092B-C50C-407E-A947-70E740481C1C}">
+                <a14:useLocalDpi xmlns:a14="http://schemas.microsoft.com/office/drawing/2010/main" val="0"/>
+              </a:ext>
+            </a:extLst>
+          </a:blip>
+          <a:stretch>
+            <a:fillRect/>
+          </a:stretch>
         </p:blipFill>
         <p:spPr>
           <a:xfrm>
-            <a:off x="7077240" y="1474200"/>
-            <a:ext cx="2651760" cy="3646440"/>
+            <a:off x="442951" y="1106478"/>
+            <a:ext cx="2155735" cy="4381884"/>
           </a:xfrm>
           <a:prstGeom prst="rect">
             <a:avLst/>
           </a:prstGeom>
-          <a:ln>
-            <a:solidFill>
-              <a:srgbClr val="000000"/>
-            </a:solidFill>
-          </a:ln>
         </p:spPr>
       </p:pic>
       <p:pic>
         <p:nvPicPr>
-          <p:cNvPr id="52" name="Picture 51"/>
-          <p:cNvPicPr/>
+          <p:cNvPr id="3" name="Picture 2"/>
+          <p:cNvPicPr>
+            <a:picLocks noChangeAspect="1"/>
+          </p:cNvPicPr>
           <p:nvPr/>
         </p:nvPicPr>
         <p:blipFill>
-          <a:blip r:embed="rId4"/>
-          <a:stretch/>
+          <a:blip r:embed="rId4">
+            <a:extLst>
+              <a:ext uri="{28A0092B-C50C-407E-A947-70E740481C1C}">
+                <a14:useLocalDpi xmlns:a14="http://schemas.microsoft.com/office/drawing/2010/main" val="0"/>
+              </a:ext>
+            </a:extLst>
+          </a:blip>
+          <a:stretch>
+            <a:fillRect/>
+          </a:stretch>
         </p:blipFill>
         <p:spPr>
           <a:xfrm>
-            <a:off x="457200" y="1291320"/>
-            <a:ext cx="2596680" cy="3646440"/>
+            <a:off x="7132116" y="1106478"/>
+            <a:ext cx="2155735" cy="4381183"/>
           </a:xfrm>
           <a:prstGeom prst="rect">
             <a:avLst/>
           </a:prstGeom>
-          <a:ln>
-            <a:solidFill>
-              <a:srgbClr val="000000"/>
-            </a:solidFill>
-          </a:ln>
         </p:spPr>
       </p:pic>
     </p:spTree>
@@ -17934,7 +17911,7 @@
   <a:extraClrSchemeLst/>
   <a:extLst>
     <a:ext uri="{05A4C25C-085E-4340-85A3-A5531E510DB2}">
-      <thm15:themeFamily xmlns:thm15="http://schemas.microsoft.com/office/thememl/2012/main" xmlns="" name="Circuit" id="{0AC2F7E7-15F5-431C-B2A2-456FE929F56C}" vid="{0911B802-464C-4241-8DD9-B60FF88E379F}"/>
+      <thm15:themeFamily xmlns:thm15="http://schemas.microsoft.com/office/thememl/2012/main" name="Circuit" id="{0AC2F7E7-15F5-431C-B2A2-456FE929F56C}" vid="{0911B802-464C-4241-8DD9-B60FF88E379F}"/>
     </a:ext>
   </a:extLst>
 </a:theme>

--- a/CPE495 Slides.pptx
+++ b/CPE495 Slides.pptx
@@ -6,28 +6,27 @@
   </p:sldMasterIdLst>
   <p:sldIdLst>
     <p:sldId id="256" r:id="rId2"/>
-    <p:sldId id="266" r:id="rId3"/>
+    <p:sldId id="282" r:id="rId3"/>
     <p:sldId id="281" r:id="rId4"/>
-    <p:sldId id="257" r:id="rId5"/>
-    <p:sldId id="272" r:id="rId6"/>
-    <p:sldId id="259" r:id="rId7"/>
-    <p:sldId id="260" r:id="rId8"/>
-    <p:sldId id="261" r:id="rId9"/>
-    <p:sldId id="262" r:id="rId10"/>
-    <p:sldId id="263" r:id="rId11"/>
-    <p:sldId id="279" r:id="rId12"/>
-    <p:sldId id="264" r:id="rId13"/>
-    <p:sldId id="265" r:id="rId14"/>
-    <p:sldId id="267" r:id="rId15"/>
-    <p:sldId id="268" r:id="rId16"/>
-    <p:sldId id="269" r:id="rId17"/>
-    <p:sldId id="270" r:id="rId18"/>
-    <p:sldId id="280" r:id="rId19"/>
-    <p:sldId id="271" r:id="rId20"/>
-    <p:sldId id="273" r:id="rId21"/>
-    <p:sldId id="274" r:id="rId22"/>
-    <p:sldId id="275" r:id="rId23"/>
-    <p:sldId id="278" r:id="rId24"/>
+    <p:sldId id="272" r:id="rId5"/>
+    <p:sldId id="259" r:id="rId6"/>
+    <p:sldId id="260" r:id="rId7"/>
+    <p:sldId id="261" r:id="rId8"/>
+    <p:sldId id="262" r:id="rId9"/>
+    <p:sldId id="263" r:id="rId10"/>
+    <p:sldId id="265" r:id="rId11"/>
+    <p:sldId id="267" r:id="rId12"/>
+    <p:sldId id="268" r:id="rId13"/>
+    <p:sldId id="279" r:id="rId14"/>
+    <p:sldId id="264" r:id="rId15"/>
+    <p:sldId id="269" r:id="rId16"/>
+    <p:sldId id="270" r:id="rId17"/>
+    <p:sldId id="280" r:id="rId18"/>
+    <p:sldId id="271" r:id="rId19"/>
+    <p:sldId id="273" r:id="rId20"/>
+    <p:sldId id="274" r:id="rId21"/>
+    <p:sldId id="275" r:id="rId22"/>
+    <p:sldId id="278" r:id="rId23"/>
   </p:sldIdLst>
   <p:sldSz cx="10080625" cy="7559675"/>
   <p:notesSz cx="7772400" cy="10058400"/>
@@ -12817,31 +12816,7 @@
               <a:rPr lang="en-US" sz="2400" dirty="0" smtClean="0">
                 <a:latin typeface="Arial"/>
               </a:rPr>
-              <a:t>    		     </a:t>
-            </a:r>
-            <a:r>
-              <a:rPr lang="en-US" sz="2400" dirty="0" err="1" smtClean="0">
-                <a:latin typeface="Arial"/>
-              </a:rPr>
-              <a:t>Komlan</a:t>
-            </a:r>
-            <a:r>
-              <a:rPr lang="en-US" sz="2400" dirty="0" smtClean="0">
-                <a:latin typeface="Arial"/>
-              </a:rPr>
-              <a:t> </a:t>
-            </a:r>
-            <a:r>
-              <a:rPr lang="en-US" sz="2400" dirty="0" err="1" smtClean="0">
-                <a:latin typeface="Arial"/>
-              </a:rPr>
-              <a:t>Maglo</a:t>
-            </a:r>
-            <a:r>
-              <a:rPr lang="en-US" sz="2400" dirty="0" smtClean="0">
-                <a:latin typeface="Arial"/>
-              </a:rPr>
-              <a:t>  (</a:t>
+              <a:t>    		     Komlan Maglo  (</a:t>
             </a:r>
             <a:r>
               <a:rPr lang="en-US" sz="2400" dirty="0" smtClean="0">
@@ -13028,6 +13003,30 @@
 <file path=ppt/slides/slide10.xml><?xml version="1.0" encoding="utf-8"?>
 <p:sld xmlns:a="http://schemas.openxmlformats.org/drawingml/2006/main" xmlns:r="http://schemas.openxmlformats.org/officeDocument/2006/relationships" xmlns:p="http://schemas.openxmlformats.org/presentationml/2006/main">
   <p:cSld>
+    <p:bg>
+      <p:bgPr>
+        <a:blipFill>
+          <a:blip r:embed="rId2">
+            <a:duotone>
+              <a:schemeClr val="bg2">
+                <a:shade val="88000"/>
+                <a:hueMod val="106000"/>
+                <a:satMod val="140000"/>
+                <a:lumMod val="54000"/>
+              </a:schemeClr>
+              <a:schemeClr val="bg2">
+                <a:tint val="98000"/>
+                <a:hueMod val="90000"/>
+                <a:satMod val="150000"/>
+                <a:lumMod val="160000"/>
+              </a:schemeClr>
+            </a:duotone>
+          </a:blip>
+          <a:stretch/>
+        </a:blipFill>
+        <a:effectLst/>
+      </p:bgPr>
+    </p:bg>
     <p:spTree>
       <p:nvGrpSpPr>
         <p:cNvPr id="1" name=""/>
@@ -13044,7 +13043,7 @@
       </p:grpSpPr>
       <p:sp>
         <p:nvSpPr>
-          <p:cNvPr id="59" name="TextShape 1"/>
+          <p:cNvPr id="63" name="TextShape 1"/>
           <p:cNvSpPr txBox="1"/>
           <p:nvPr/>
         </p:nvSpPr>
@@ -13070,17 +13069,17 @@
               <a:rPr lang="en-US" sz="4400" dirty="0">
                 <a:ln>
                   <a:solidFill>
-                    <a:schemeClr val="bg1"/>
+                    <a:schemeClr val="tx1"/>
                   </a:solidFill>
                 </a:ln>
                 <a:latin typeface="Arial"/>
               </a:rPr>
-              <a:t>Existing Projects</a:t>
+              <a:t>Proposed Approach</a:t>
             </a:r>
             <a:endParaRPr dirty="0">
               <a:ln>
                 <a:solidFill>
-                  <a:schemeClr val="bg1"/>
+                  <a:schemeClr val="tx1"/>
                 </a:solidFill>
               </a:ln>
             </a:endParaRPr>
@@ -13089,13 +13088,13 @@
       </p:sp>
       <p:sp>
         <p:nvSpPr>
-          <p:cNvPr id="60" name="TextShape 2"/>
+          <p:cNvPr id="64" name="TextShape 2"/>
           <p:cNvSpPr txBox="1"/>
           <p:nvPr/>
         </p:nvSpPr>
         <p:spPr>
           <a:xfrm>
-            <a:off x="504000" y="1769040"/>
+            <a:off x="504000" y="2143794"/>
             <a:ext cx="9071640" cy="4384440"/>
           </a:xfrm>
           <a:prstGeom prst="rect">
@@ -13110,8 +13109,8 @@
           <a:bodyPr lIns="0" tIns="0" rIns="0" bIns="0"/>
           <a:lstStyle/>
           <a:p>
-            <a:pPr marL="457200" indent="-457200" algn="ctr">
-              <a:buSzPct val="65000"/>
+            <a:pPr marL="457200" indent="-457200">
+              <a:buSzPct val="100000"/>
               <a:buFont typeface="Wingdings" panose="05000000000000000000" pitchFamily="2" charset="2"/>
               <a:buChar char="Ø"/>
             </a:pPr>
@@ -13119,27 +13118,65 @@
               <a:rPr lang="en-US" sz="3200" dirty="0">
                 <a:latin typeface="Arial"/>
               </a:rPr>
-              <a:t>There was a UAH App Project that would give the history of the buildings at UAH. It would process the building using the phones camera. Then pull up the related info. However, this App was never released and is suspected to be inactive. </a:t>
-            </a:r>
-            <a:endParaRPr lang="en-US" dirty="0"/>
-          </a:p>
-          <a:p>
-            <a:pPr marL="457200" indent="-457200" algn="ctr">
-              <a:buSzPct val="65000"/>
+              <a:t>Interface with Google Maps to handle exterior navigation.</a:t>
+            </a:r>
+            <a:endParaRPr dirty="0"/>
+          </a:p>
+          <a:p>
+            <a:pPr marL="457200" indent="-457200">
+              <a:buSzPct val="100000"/>
               <a:buFont typeface="Wingdings" panose="05000000000000000000" pitchFamily="2" charset="2"/>
               <a:buChar char="Ø"/>
             </a:pPr>
             <a:r>
+              <a:rPr lang="en-US" sz="3200" dirty="0">
+                <a:latin typeface="Arial"/>
+              </a:rPr>
+              <a:t>When GPS fails </a:t>
+            </a:r>
+            <a:r>
               <a:rPr lang="en-US" sz="3200" dirty="0" smtClean="0">
                 <a:latin typeface="Arial"/>
               </a:rPr>
-              <a:t>UAH </a:t>
+              <a:t>a </a:t>
             </a:r>
             <a:r>
               <a:rPr lang="en-US" sz="3200" dirty="0">
                 <a:latin typeface="Arial"/>
               </a:rPr>
-              <a:t>Events App: Targets events specific to UAH Campus Life.</a:t>
+              <a:t>text-based navigation system will </a:t>
+            </a:r>
+            <a:r>
+              <a:rPr lang="en-US" sz="3200" dirty="0" smtClean="0">
+                <a:latin typeface="Arial"/>
+              </a:rPr>
+              <a:t>take over.</a:t>
+            </a:r>
+            <a:endParaRPr dirty="0"/>
+          </a:p>
+          <a:p>
+            <a:pPr marL="457200" indent="-457200">
+              <a:buSzPct val="100000"/>
+              <a:buFont typeface="Wingdings" panose="05000000000000000000" pitchFamily="2" charset="2"/>
+              <a:buChar char="Ø"/>
+            </a:pPr>
+            <a:r>
+              <a:rPr lang="en-US" sz="3200" dirty="0">
+                <a:latin typeface="Arial"/>
+              </a:rPr>
+              <a:t>Search bar will suggest auto-completion of popular </a:t>
+            </a:r>
+            <a:r>
+              <a:rPr lang="en-US" sz="3200" dirty="0" smtClean="0">
+                <a:latin typeface="Arial"/>
+              </a:rPr>
+              <a:t>search </a:t>
+            </a:r>
+            <a:r>
+              <a:rPr lang="en-US" sz="3200" dirty="0">
+                <a:latin typeface="Arial"/>
+              </a:rPr>
+              <a:t>terms. </a:t>
             </a:r>
             <a:endParaRPr dirty="0"/>
           </a:p>
@@ -13183,6 +13220,414 @@
 <file path=ppt/slides/slide11.xml><?xml version="1.0" encoding="utf-8"?>
 <p:sld xmlns:a="http://schemas.openxmlformats.org/drawingml/2006/main" xmlns:r="http://schemas.openxmlformats.org/officeDocument/2006/relationships" xmlns:p="http://schemas.openxmlformats.org/presentationml/2006/main">
   <p:cSld>
+    <p:bg>
+      <p:bgPr>
+        <a:blipFill>
+          <a:blip r:embed="rId2">
+            <a:duotone>
+              <a:schemeClr val="bg2">
+                <a:shade val="88000"/>
+                <a:hueMod val="106000"/>
+                <a:satMod val="140000"/>
+                <a:lumMod val="54000"/>
+              </a:schemeClr>
+              <a:schemeClr val="bg2">
+                <a:tint val="98000"/>
+                <a:hueMod val="90000"/>
+                <a:satMod val="150000"/>
+                <a:lumMod val="160000"/>
+              </a:schemeClr>
+            </a:duotone>
+          </a:blip>
+          <a:stretch/>
+        </a:blipFill>
+        <a:effectLst/>
+      </p:bgPr>
+    </p:bg>
+    <p:spTree>
+      <p:nvGrpSpPr>
+        <p:cNvPr id="1" name=""/>
+        <p:cNvGrpSpPr/>
+        <p:nvPr/>
+      </p:nvGrpSpPr>
+      <p:grpSpPr>
+        <a:xfrm>
+          <a:off x="0" y="0"/>
+          <a:ext cx="0" cy="0"/>
+          <a:chOff x="0" y="0"/>
+          <a:chExt cx="0" cy="0"/>
+        </a:xfrm>
+      </p:grpSpPr>
+      <p:sp>
+        <p:nvSpPr>
+          <p:cNvPr id="67" name="TextShape 1"/>
+          <p:cNvSpPr txBox="1"/>
+          <p:nvPr/>
+        </p:nvSpPr>
+        <p:spPr>
+          <a:xfrm>
+            <a:off x="504000" y="301320"/>
+            <a:ext cx="9071640" cy="1262160"/>
+          </a:xfrm>
+          <a:prstGeom prst="rect">
+            <a:avLst/>
+          </a:prstGeom>
+          <a:noFill/>
+          <a:ln>
+            <a:noFill/>
+          </a:ln>
+        </p:spPr>
+        <p:txBody>
+          <a:bodyPr lIns="0" tIns="0" rIns="0" bIns="0" anchor="ctr"/>
+          <a:lstStyle/>
+          <a:p>
+            <a:pPr algn="ctr"/>
+            <a:r>
+              <a:rPr lang="en-US" sz="4400" dirty="0">
+                <a:ln>
+                  <a:solidFill>
+                    <a:schemeClr val="tx1"/>
+                  </a:solidFill>
+                </a:ln>
+                <a:latin typeface="Arial"/>
+              </a:rPr>
+              <a:t>System Design Description</a:t>
+            </a:r>
+            <a:endParaRPr dirty="0">
+              <a:ln>
+                <a:solidFill>
+                  <a:schemeClr val="tx1"/>
+                </a:solidFill>
+              </a:ln>
+            </a:endParaRPr>
+          </a:p>
+        </p:txBody>
+      </p:sp>
+      <p:pic>
+        <p:nvPicPr>
+          <p:cNvPr id="5" name="Picture 4"/>
+          <p:cNvPicPr>
+            <a:picLocks noChangeAspect="1"/>
+          </p:cNvPicPr>
+          <p:nvPr/>
+        </p:nvPicPr>
+        <p:blipFill>
+          <a:blip r:embed="rId3"/>
+          <a:stretch>
+            <a:fillRect/>
+          </a:stretch>
+        </p:blipFill>
+        <p:spPr>
+          <a:xfrm>
+            <a:off x="1501698" y="1438320"/>
+            <a:ext cx="7035147" cy="5163082"/>
+          </a:xfrm>
+          <a:prstGeom prst="rect">
+            <a:avLst/>
+          </a:prstGeom>
+        </p:spPr>
+      </p:pic>
+    </p:spTree>
+  </p:cSld>
+  <p:clrMapOvr>
+    <a:masterClrMapping/>
+  </p:clrMapOvr>
+  <p:timing>
+    <p:tnLst>
+      <p:par>
+        <p:cTn id="1" dur="indefinite" restart="never" nodeType="tmRoot">
+          <p:childTnLst>
+            <p:seq>
+              <p:cTn id="2" nodeType="mainSeq"/>
+              <p:prevCondLst>
+                <p:cond evt="onPrev" delay="0">
+                  <p:tgtEl>
+                    <p:sldTgt/>
+                  </p:tgtEl>
+                </p:cond>
+              </p:prevCondLst>
+              <p:nextCondLst>
+                <p:cond evt="onNext" delay="0">
+                  <p:tgtEl>
+                    <p:sldTgt/>
+                  </p:tgtEl>
+                </p:cond>
+              </p:nextCondLst>
+            </p:seq>
+          </p:childTnLst>
+        </p:cTn>
+      </p:par>
+    </p:tnLst>
+  </p:timing>
+</p:sld>
+</file>
+
+<file path=ppt/slides/slide12.xml><?xml version="1.0" encoding="utf-8"?>
+<p:sld xmlns:a="http://schemas.openxmlformats.org/drawingml/2006/main" xmlns:r="http://schemas.openxmlformats.org/officeDocument/2006/relationships" xmlns:p="http://schemas.openxmlformats.org/presentationml/2006/main">
+  <p:cSld>
+    <p:bg>
+      <p:bgPr>
+        <a:blipFill>
+          <a:blip r:embed="rId2">
+            <a:duotone>
+              <a:schemeClr val="bg2">
+                <a:shade val="88000"/>
+                <a:hueMod val="106000"/>
+                <a:satMod val="140000"/>
+                <a:lumMod val="54000"/>
+              </a:schemeClr>
+              <a:schemeClr val="bg2">
+                <a:tint val="98000"/>
+                <a:hueMod val="90000"/>
+                <a:satMod val="150000"/>
+                <a:lumMod val="160000"/>
+              </a:schemeClr>
+            </a:duotone>
+          </a:blip>
+          <a:stretch/>
+        </a:blipFill>
+        <a:effectLst/>
+      </p:bgPr>
+    </p:bg>
+    <p:spTree>
+      <p:nvGrpSpPr>
+        <p:cNvPr id="1" name=""/>
+        <p:cNvGrpSpPr/>
+        <p:nvPr/>
+      </p:nvGrpSpPr>
+      <p:grpSpPr>
+        <a:xfrm>
+          <a:off x="0" y="0"/>
+          <a:ext cx="0" cy="0"/>
+          <a:chOff x="0" y="0"/>
+          <a:chExt cx="0" cy="0"/>
+        </a:xfrm>
+      </p:grpSpPr>
+      <p:sp>
+        <p:nvSpPr>
+          <p:cNvPr id="69" name="TextShape 1"/>
+          <p:cNvSpPr txBox="1"/>
+          <p:nvPr/>
+        </p:nvSpPr>
+        <p:spPr>
+          <a:xfrm>
+            <a:off x="504000" y="301320"/>
+            <a:ext cx="9071640" cy="1262160"/>
+          </a:xfrm>
+          <a:prstGeom prst="rect">
+            <a:avLst/>
+          </a:prstGeom>
+          <a:noFill/>
+          <a:ln>
+            <a:noFill/>
+          </a:ln>
+        </p:spPr>
+        <p:txBody>
+          <a:bodyPr lIns="0" tIns="0" rIns="0" bIns="0" anchor="ctr"/>
+          <a:lstStyle/>
+          <a:p>
+            <a:pPr algn="ctr"/>
+            <a:r>
+              <a:rPr lang="en-US" sz="4400" dirty="0">
+                <a:ln>
+                  <a:solidFill>
+                    <a:schemeClr val="tx1"/>
+                  </a:solidFill>
+                </a:ln>
+                <a:latin typeface="Arial"/>
+              </a:rPr>
+              <a:t>CPE 495 </a:t>
+            </a:r>
+            <a:r>
+              <a:rPr lang="en-US" sz="4400" dirty="0" smtClean="0">
+                <a:ln>
+                  <a:solidFill>
+                    <a:schemeClr val="tx1"/>
+                  </a:solidFill>
+                </a:ln>
+                <a:latin typeface="Arial"/>
+              </a:rPr>
+              <a:t>Go/No-Go Milestones</a:t>
+            </a:r>
+            <a:endParaRPr dirty="0">
+              <a:ln>
+                <a:solidFill>
+                  <a:schemeClr val="tx1"/>
+                </a:solidFill>
+              </a:ln>
+            </a:endParaRPr>
+          </a:p>
+        </p:txBody>
+      </p:sp>
+      <p:sp>
+        <p:nvSpPr>
+          <p:cNvPr id="70" name="TextShape 2"/>
+          <p:cNvSpPr txBox="1"/>
+          <p:nvPr/>
+        </p:nvSpPr>
+        <p:spPr>
+          <a:xfrm>
+            <a:off x="504000" y="2053853"/>
+            <a:ext cx="9071640" cy="4384440"/>
+          </a:xfrm>
+          <a:prstGeom prst="rect">
+            <a:avLst/>
+          </a:prstGeom>
+          <a:noFill/>
+          <a:ln>
+            <a:noFill/>
+          </a:ln>
+        </p:spPr>
+        <p:txBody>
+          <a:bodyPr lIns="0" tIns="0" rIns="0" bIns="0"/>
+          <a:lstStyle/>
+          <a:p>
+            <a:pPr marL="457200" indent="-457200">
+              <a:buSzPct val="100000"/>
+              <a:buFont typeface="Wingdings" panose="05000000000000000000" pitchFamily="2" charset="2"/>
+              <a:buChar char="Ø"/>
+            </a:pPr>
+            <a:r>
+              <a:rPr lang="en-US" sz="3200" dirty="0" smtClean="0">
+                <a:latin typeface="Arial"/>
+              </a:rPr>
+              <a:t>Interfaced </a:t>
+            </a:r>
+            <a:r>
+              <a:rPr lang="en-US" sz="3200" dirty="0">
+                <a:latin typeface="Arial"/>
+              </a:rPr>
+              <a:t>with Google Maps to lead </a:t>
+            </a:r>
+            <a:r>
+              <a:rPr lang="en-US" sz="3200" dirty="0" smtClean="0">
+                <a:latin typeface="Arial"/>
+              </a:rPr>
+              <a:t>users </a:t>
+            </a:r>
+            <a:r>
+              <a:rPr lang="en-US" sz="3200" dirty="0">
+                <a:latin typeface="Arial"/>
+              </a:rPr>
+              <a:t>to </a:t>
+            </a:r>
+            <a:r>
+              <a:rPr lang="en-US" sz="3200" dirty="0" smtClean="0">
+                <a:latin typeface="Arial"/>
+              </a:rPr>
+              <a:t>buildings</a:t>
+            </a:r>
+            <a:r>
+              <a:rPr lang="en-US" sz="3200" dirty="0">
+                <a:latin typeface="Arial"/>
+              </a:rPr>
+              <a:t>.</a:t>
+            </a:r>
+            <a:endParaRPr dirty="0"/>
+          </a:p>
+          <a:p>
+            <a:pPr marL="457200" indent="-457200">
+              <a:buSzPct val="100000"/>
+              <a:buFont typeface="Wingdings" panose="05000000000000000000" pitchFamily="2" charset="2"/>
+              <a:buChar char="Ø"/>
+            </a:pPr>
+            <a:r>
+              <a:rPr lang="en-US" sz="3200" dirty="0" smtClean="0">
+                <a:latin typeface="Arial"/>
+              </a:rPr>
+              <a:t>Proof </a:t>
+            </a:r>
+            <a:r>
+              <a:rPr lang="en-US" sz="3200" dirty="0">
+                <a:latin typeface="Arial"/>
+              </a:rPr>
+              <a:t>of concept that App can lead to desired classroom</a:t>
+            </a:r>
+            <a:r>
+              <a:rPr lang="en-US" sz="3200" dirty="0" smtClean="0">
+                <a:latin typeface="Arial"/>
+              </a:rPr>
+              <a:t>.</a:t>
+            </a:r>
+          </a:p>
+          <a:p>
+            <a:pPr marL="457200" indent="-457200">
+              <a:buSzPct val="100000"/>
+              <a:buFont typeface="Wingdings" panose="05000000000000000000" pitchFamily="2" charset="2"/>
+              <a:buChar char="Ø"/>
+            </a:pPr>
+            <a:r>
+              <a:rPr lang="en-US" sz="3200" dirty="0" smtClean="0">
+                <a:latin typeface="Arial"/>
+              </a:rPr>
+              <a:t>Created a Test App that can pull info from a database.</a:t>
+            </a:r>
+            <a:endParaRPr sz="3200" dirty="0"/>
+          </a:p>
+        </p:txBody>
+      </p:sp>
+    </p:spTree>
+  </p:cSld>
+  <p:clrMapOvr>
+    <a:masterClrMapping/>
+  </p:clrMapOvr>
+  <p:timing>
+    <p:tnLst>
+      <p:par>
+        <p:cTn id="1" dur="indefinite" restart="never" nodeType="tmRoot">
+          <p:childTnLst>
+            <p:seq>
+              <p:cTn id="2" nodeType="mainSeq"/>
+              <p:prevCondLst>
+                <p:cond evt="onPrev" delay="0">
+                  <p:tgtEl>
+                    <p:sldTgt/>
+                  </p:tgtEl>
+                </p:cond>
+              </p:prevCondLst>
+              <p:nextCondLst>
+                <p:cond evt="onNext" delay="0">
+                  <p:tgtEl>
+                    <p:sldTgt/>
+                  </p:tgtEl>
+                </p:cond>
+              </p:nextCondLst>
+            </p:seq>
+          </p:childTnLst>
+        </p:cTn>
+      </p:par>
+    </p:tnLst>
+  </p:timing>
+</p:sld>
+</file>
+
+<file path=ppt/slides/slide13.xml><?xml version="1.0" encoding="utf-8"?>
+<p:sld xmlns:a="http://schemas.openxmlformats.org/drawingml/2006/main" xmlns:r="http://schemas.openxmlformats.org/officeDocument/2006/relationships" xmlns:p="http://schemas.openxmlformats.org/presentationml/2006/main">
+  <p:cSld>
+    <p:bg>
+      <p:bgPr>
+        <a:blipFill>
+          <a:blip r:embed="rId2">
+            <a:duotone>
+              <a:schemeClr val="bg2">
+                <a:shade val="88000"/>
+                <a:hueMod val="106000"/>
+                <a:satMod val="140000"/>
+                <a:lumMod val="54000"/>
+              </a:schemeClr>
+              <a:schemeClr val="bg2">
+                <a:tint val="98000"/>
+                <a:hueMod val="90000"/>
+                <a:satMod val="150000"/>
+                <a:lumMod val="160000"/>
+              </a:schemeClr>
+            </a:duotone>
+          </a:blip>
+          <a:stretch/>
+        </a:blipFill>
+        <a:effectLst/>
+      </p:bgPr>
+    </p:bg>
     <p:spTree>
       <p:nvGrpSpPr>
         <p:cNvPr id="1" name=""/>
@@ -13225,7 +13670,7 @@
               <a:rPr lang="en-US" sz="4400" dirty="0" smtClean="0">
                 <a:ln>
                   <a:solidFill>
-                    <a:schemeClr val="bg1"/>
+                    <a:schemeClr val="tx1"/>
                   </a:solidFill>
                 </a:ln>
                 <a:latin typeface="Arial"/>
@@ -13235,7 +13680,7 @@
             <a:endParaRPr dirty="0">
               <a:ln>
                 <a:solidFill>
-                  <a:schemeClr val="bg1"/>
+                  <a:schemeClr val="tx1"/>
                 </a:solidFill>
               </a:ln>
             </a:endParaRPr>
@@ -13250,7 +13695,7 @@
         </p:nvSpPr>
         <p:spPr>
           <a:xfrm>
-            <a:off x="504000" y="1769040"/>
+            <a:off x="504000" y="2098824"/>
             <a:ext cx="9071640" cy="4384440"/>
           </a:xfrm>
           <a:prstGeom prst="rect">
@@ -13266,21 +13711,27 @@
           <a:lstStyle/>
           <a:p>
             <a:pPr marL="457200" indent="-457200">
-              <a:buSzPct val="65000"/>
+              <a:buSzPct val="100000"/>
               <a:buFont typeface="Wingdings" panose="05000000000000000000" pitchFamily="2" charset="2"/>
               <a:buChar char="Ø"/>
             </a:pPr>
             <a:r>
+              <a:rPr lang="en-US" sz="3200" dirty="0">
+                <a:latin typeface="Arial"/>
+              </a:rPr>
+              <a:t>Ensure stability </a:t>
+            </a:r>
+            <a:r>
               <a:rPr lang="en-US" sz="3200" dirty="0" smtClean="0">
                 <a:latin typeface="Arial"/>
               </a:rPr>
-              <a:t>Remote database may have stability issues. Could result in un-usable app. </a:t>
+              <a:t>of database. </a:t>
             </a:r>
             <a:endParaRPr lang="en-US" sz="3200" dirty="0" smtClean="0"/>
           </a:p>
           <a:p>
             <a:pPr marL="457200" indent="-457200">
-              <a:buSzPct val="65000"/>
+              <a:buSzPct val="100000"/>
               <a:buFont typeface="Wingdings" panose="05000000000000000000" pitchFamily="2" charset="2"/>
               <a:buChar char="Ø"/>
             </a:pPr>
@@ -13288,13 +13739,25 @@
               <a:rPr lang="en-US" sz="3200" dirty="0" smtClean="0">
                 <a:latin typeface="Arial"/>
               </a:rPr>
-              <a:t>GPS fails indoors. </a:t>
+              <a:t>Indoor navigation </a:t>
+            </a:r>
+            <a:r>
+              <a:rPr lang="en-US" sz="3200" dirty="0">
+                <a:latin typeface="Arial"/>
+              </a:rPr>
+              <a:t>i</a:t>
+            </a:r>
+            <a:r>
+              <a:rPr lang="en-US" sz="3200" dirty="0" smtClean="0">
+                <a:latin typeface="Arial"/>
+              </a:rPr>
+              <a:t>ndependent of GPS.</a:t>
             </a:r>
             <a:endParaRPr lang="en-US" sz="3200" dirty="0"/>
           </a:p>
           <a:p>
             <a:pPr marL="457200" indent="-457200">
-              <a:buSzPct val="65000"/>
+              <a:buSzPct val="100000"/>
               <a:buFont typeface="Wingdings" panose="05000000000000000000" pitchFamily="2" charset="2"/>
               <a:buChar char="Ø"/>
             </a:pPr>
@@ -13302,7 +13765,7 @@
               <a:rPr lang="en-US" sz="3200" dirty="0" smtClean="0">
                 <a:latin typeface="Arial"/>
               </a:rPr>
-              <a:t>Application can be out of date with current course listings. </a:t>
+              <a:t>Update to keep current with course listings. </a:t>
             </a:r>
             <a:endParaRPr lang="en-US" sz="3200" dirty="0">
               <a:latin typeface="Arial"/>
@@ -13310,7 +13773,7 @@
           </a:p>
           <a:p>
             <a:pPr marL="457200" indent="-457200">
-              <a:buSzPct val="65000"/>
+              <a:buSzPct val="100000"/>
               <a:buFont typeface="Wingdings" panose="05000000000000000000" pitchFamily="2" charset="2"/>
               <a:buChar char="Ø"/>
             </a:pPr>
@@ -13318,15 +13781,12 @@
               <a:rPr lang="en-US" sz="3200" dirty="0" smtClean="0">
                 <a:latin typeface="Arial"/>
               </a:rPr>
-              <a:t>Course listing page goes private.</a:t>
-            </a:r>
-            <a:endParaRPr lang="en-US" sz="3200" dirty="0">
-              <a:latin typeface="Arial"/>
-            </a:endParaRPr>
+              <a:t>Gain access to course listings database.</a:t>
+            </a:r>
           </a:p>
           <a:p>
             <a:pPr marL="457200" indent="-457200">
-              <a:buSzPct val="65000"/>
+              <a:buSzPct val="100000"/>
               <a:buFont typeface="Wingdings" panose="05000000000000000000" pitchFamily="2" charset="2"/>
               <a:buChar char="Ø"/>
             </a:pPr>
@@ -13374,9 +13834,33 @@
 </p:sld>
 </file>
 
-<file path=ppt/slides/slide12.xml><?xml version="1.0" encoding="utf-8"?>
+<file path=ppt/slides/slide14.xml><?xml version="1.0" encoding="utf-8"?>
 <p:sld xmlns:a="http://schemas.openxmlformats.org/drawingml/2006/main" xmlns:r="http://schemas.openxmlformats.org/officeDocument/2006/relationships" xmlns:p="http://schemas.openxmlformats.org/presentationml/2006/main">
   <p:cSld>
+    <p:bg>
+      <p:bgPr>
+        <a:blipFill>
+          <a:blip r:embed="rId2">
+            <a:duotone>
+              <a:schemeClr val="bg2">
+                <a:shade val="88000"/>
+                <a:hueMod val="106000"/>
+                <a:satMod val="140000"/>
+                <a:lumMod val="54000"/>
+              </a:schemeClr>
+              <a:schemeClr val="bg2">
+                <a:tint val="98000"/>
+                <a:hueMod val="90000"/>
+                <a:satMod val="150000"/>
+                <a:lumMod val="160000"/>
+              </a:schemeClr>
+            </a:duotone>
+          </a:blip>
+          <a:stretch/>
+        </a:blipFill>
+        <a:effectLst/>
+      </p:bgPr>
+    </p:bg>
     <p:spTree>
       <p:nvGrpSpPr>
         <p:cNvPr id="1" name=""/>
@@ -13416,20 +13900,20 @@
           <a:p>
             <a:pPr algn="ctr"/>
             <a:r>
-              <a:rPr lang="en-US" sz="4400" dirty="0">
+              <a:rPr lang="en-US" sz="4400" dirty="0" smtClean="0">
                 <a:ln>
                   <a:solidFill>
-                    <a:schemeClr val="bg1"/>
+                    <a:schemeClr val="tx1"/>
                   </a:solidFill>
                 </a:ln>
                 <a:latin typeface="Arial"/>
               </a:rPr>
-              <a:t>Alternative Approaches</a:t>
+              <a:t>Analysis of Alternatives</a:t>
             </a:r>
             <a:endParaRPr dirty="0">
               <a:ln>
                 <a:solidFill>
-                  <a:schemeClr val="bg1"/>
+                  <a:schemeClr val="tx1"/>
                 </a:solidFill>
               </a:ln>
             </a:endParaRPr>
@@ -13444,7 +13928,7 @@
         </p:nvSpPr>
         <p:spPr>
           <a:xfrm>
-            <a:off x="504000" y="1769040"/>
+            <a:off x="504000" y="2098823"/>
             <a:ext cx="9071640" cy="4384440"/>
           </a:xfrm>
           <a:prstGeom prst="rect">
@@ -13460,394 +13944,118 @@
           <a:lstStyle/>
           <a:p>
             <a:pPr marL="457200" indent="-457200">
-              <a:buSzPct val="65000"/>
+              <a:buSzPct val="100000"/>
               <a:buFont typeface="Wingdings" panose="05000000000000000000" pitchFamily="2" charset="2"/>
               <a:buChar char="Ø"/>
             </a:pPr>
             <a:r>
+              <a:rPr lang="en-US" sz="3200" dirty="0" smtClean="0">
+                <a:latin typeface="Arial"/>
+              </a:rPr>
+              <a:t>GPS Alternatives</a:t>
+            </a:r>
+          </a:p>
+          <a:p>
+            <a:pPr marL="914400" lvl="1" indent="-457200">
+              <a:buSzPct val="100000"/>
+              <a:buFont typeface="Arial" panose="020B0604020202020204" pitchFamily="34" charset="0"/>
+              <a:buChar char="•"/>
+            </a:pPr>
+            <a:r>
+              <a:rPr lang="en-US" sz="3200" dirty="0" smtClean="0">
+                <a:latin typeface="Arial"/>
+              </a:rPr>
+              <a:t>Purely Text-based Navigation.</a:t>
+            </a:r>
+          </a:p>
+          <a:p>
+            <a:pPr marL="914400" lvl="1" indent="-457200">
+              <a:buSzPct val="100000"/>
+              <a:buFont typeface="Arial" panose="020B0604020202020204" pitchFamily="34" charset="0"/>
+              <a:buChar char="•"/>
+            </a:pPr>
+            <a:r>
+              <a:rPr lang="en-US" sz="3200" dirty="0" smtClean="0">
+                <a:latin typeface="Arial"/>
+              </a:rPr>
+              <a:t>Pops up Interior </a:t>
+            </a:r>
+            <a:r>
               <a:rPr lang="en-US" sz="3200" dirty="0">
                 <a:latin typeface="Arial"/>
               </a:rPr>
-              <a:t>Purely Text based Navigation(MapQuest style)</a:t>
+              <a:t>Map </a:t>
+            </a:r>
+            <a:r>
+              <a:rPr lang="en-US" sz="3200" dirty="0" smtClean="0">
+                <a:latin typeface="Arial"/>
+              </a:rPr>
+              <a:t>of Building</a:t>
             </a:r>
             <a:endParaRPr dirty="0"/>
           </a:p>
           <a:p>
             <a:pPr marL="457200" indent="-457200">
-              <a:buSzPct val="65000"/>
+              <a:buSzPct val="100000"/>
               <a:buFont typeface="Wingdings" panose="05000000000000000000" pitchFamily="2" charset="2"/>
               <a:buChar char="Ø"/>
             </a:pPr>
             <a:r>
+              <a:rPr lang="en-US" sz="3200" dirty="0" smtClean="0">
+                <a:latin typeface="Arial"/>
+              </a:rPr>
+              <a:t>Database Alternatives. </a:t>
+            </a:r>
+          </a:p>
+          <a:p>
+            <a:pPr marL="914400" lvl="1" indent="-457200">
+              <a:buSzPct val="100000"/>
+              <a:buFont typeface="Arial" panose="020B0604020202020204" pitchFamily="34" charset="0"/>
+              <a:buChar char="•"/>
+            </a:pPr>
+            <a:r>
+              <a:rPr lang="en-US" sz="3200" dirty="0" smtClean="0">
+                <a:latin typeface="Arial"/>
+              </a:rPr>
+              <a:t>SQLite </a:t>
+            </a:r>
+            <a:r>
               <a:rPr lang="en-US" sz="3200" dirty="0">
                 <a:latin typeface="Arial"/>
               </a:rPr>
-              <a:t>Custom-Made GPS API.</a:t>
-            </a:r>
-            <a:endParaRPr dirty="0"/>
-          </a:p>
-          <a:p>
-            <a:pPr marL="457200" indent="-457200">
-              <a:buSzPct val="65000"/>
-              <a:buFont typeface="Wingdings" panose="05000000000000000000" pitchFamily="2" charset="2"/>
-              <a:buChar char="Ø"/>
+              <a:t>database</a:t>
+            </a:r>
+            <a:r>
+              <a:rPr lang="en-US" sz="3200" dirty="0" smtClean="0">
+                <a:latin typeface="Arial"/>
+              </a:rPr>
+              <a:t>.</a:t>
+            </a:r>
+          </a:p>
+          <a:p>
+            <a:pPr marL="914400" lvl="1" indent="-457200">
+              <a:buSzPct val="100000"/>
+              <a:buFont typeface="Arial" panose="020B0604020202020204" pitchFamily="34" charset="0"/>
+              <a:buChar char="•"/>
             </a:pPr>
             <a:r>
-              <a:rPr lang="en-US" sz="3200" dirty="0">
-                <a:latin typeface="Arial"/>
-              </a:rPr>
-              <a:t>Implementation of GPS chips into buildings to boost GPS signal.</a:t>
-            </a:r>
-            <a:endParaRPr dirty="0"/>
-          </a:p>
-          <a:p>
-            <a:pPr marL="457200" indent="-457200">
-              <a:buSzPct val="65000"/>
-              <a:buFont typeface="Wingdings" panose="05000000000000000000" pitchFamily="2" charset="2"/>
-              <a:buChar char="Ø"/>
-            </a:pPr>
-            <a:r>
-              <a:rPr lang="en-US" sz="3200" dirty="0">
-                <a:latin typeface="Arial"/>
-              </a:rPr>
-              <a:t>AR style Over-The-Shoulder building navigation</a:t>
-            </a:r>
-            <a:r>
               <a:rPr lang="en-US" sz="3200" dirty="0" smtClean="0">
                 <a:latin typeface="Arial"/>
               </a:rPr>
-              <a:t>.</a:t>
-            </a:r>
-          </a:p>
-          <a:p>
-            <a:pPr marL="457200" indent="-457200">
-              <a:buSzPct val="65000"/>
-              <a:buFont typeface="Wingdings" panose="05000000000000000000" pitchFamily="2" charset="2"/>
-              <a:buChar char="Ø"/>
-            </a:pPr>
-            <a:r>
-              <a:rPr lang="en-US" sz="3200" dirty="0" smtClean="0">
-                <a:latin typeface="Arial"/>
-              </a:rPr>
-              <a:t>Indoor Maps with Google Maps instead of text-based / floor plans. </a:t>
-            </a:r>
-            <a:endParaRPr lang="en-US" sz="3200" dirty="0">
+              <a:t>MySQL hosted on </a:t>
+            </a:r>
+            <a:r>
+              <a:rPr lang="en-US" sz="3200" dirty="0" err="1" smtClean="0">
+                <a:latin typeface="Arial"/>
+              </a:rPr>
+              <a:t>RasPi</a:t>
+            </a:r>
+            <a:endParaRPr lang="en-US" sz="3200" dirty="0" smtClean="0">
               <a:latin typeface="Arial"/>
             </a:endParaRPr>
           </a:p>
-          <a:p>
-            <a:pPr marL="457200" indent="-457200">
-              <a:buSzPct val="65000"/>
-              <a:buFont typeface="Wingdings" panose="05000000000000000000" pitchFamily="2" charset="2"/>
-              <a:buChar char="Ø"/>
-            </a:pPr>
-            <a:r>
-              <a:rPr lang="en-US" sz="3200" dirty="0" smtClean="0">
-                <a:latin typeface="Arial"/>
-              </a:rPr>
-              <a:t>Local file system based database. </a:t>
-            </a:r>
-          </a:p>
-          <a:p>
-            <a:pPr marL="457200" indent="-457200">
-              <a:buSzPct val="65000"/>
-              <a:buFont typeface="Wingdings" panose="05000000000000000000" pitchFamily="2" charset="2"/>
-              <a:buChar char="Ø"/>
-            </a:pPr>
-            <a:endParaRPr dirty="0"/>
-          </a:p>
         </p:txBody>
       </p:sp>
-    </p:spTree>
-  </p:cSld>
-  <p:clrMapOvr>
-    <a:masterClrMapping/>
-  </p:clrMapOvr>
-  <p:timing>
-    <p:tnLst>
-      <p:par>
-        <p:cTn id="1" dur="indefinite" restart="never" nodeType="tmRoot">
-          <p:childTnLst>
-            <p:seq>
-              <p:cTn id="2" nodeType="mainSeq"/>
-              <p:prevCondLst>
-                <p:cond evt="onPrev" delay="0">
-                  <p:tgtEl>
-                    <p:sldTgt/>
-                  </p:tgtEl>
-                </p:cond>
-              </p:prevCondLst>
-              <p:nextCondLst>
-                <p:cond evt="onNext" delay="0">
-                  <p:tgtEl>
-                    <p:sldTgt/>
-                  </p:tgtEl>
-                </p:cond>
-              </p:nextCondLst>
-            </p:seq>
-          </p:childTnLst>
-        </p:cTn>
-      </p:par>
-    </p:tnLst>
-  </p:timing>
-</p:sld>
-</file>
-
-<file path=ppt/slides/slide13.xml><?xml version="1.0" encoding="utf-8"?>
-<p:sld xmlns:a="http://schemas.openxmlformats.org/drawingml/2006/main" xmlns:r="http://schemas.openxmlformats.org/officeDocument/2006/relationships" xmlns:p="http://schemas.openxmlformats.org/presentationml/2006/main">
-  <p:cSld>
-    <p:spTree>
-      <p:nvGrpSpPr>
-        <p:cNvPr id="1" name=""/>
-        <p:cNvGrpSpPr/>
-        <p:nvPr/>
-      </p:nvGrpSpPr>
-      <p:grpSpPr>
-        <a:xfrm>
-          <a:off x="0" y="0"/>
-          <a:ext cx="0" cy="0"/>
-          <a:chOff x="0" y="0"/>
-          <a:chExt cx="0" cy="0"/>
-        </a:xfrm>
-      </p:grpSpPr>
-      <p:sp>
-        <p:nvSpPr>
-          <p:cNvPr id="63" name="TextShape 1"/>
-          <p:cNvSpPr txBox="1"/>
-          <p:nvPr/>
-        </p:nvSpPr>
-        <p:spPr>
-          <a:xfrm>
-            <a:off x="504000" y="301320"/>
-            <a:ext cx="9071640" cy="1262160"/>
-          </a:xfrm>
-          <a:prstGeom prst="rect">
-            <a:avLst/>
-          </a:prstGeom>
-          <a:noFill/>
-          <a:ln>
-            <a:noFill/>
-          </a:ln>
-        </p:spPr>
-        <p:txBody>
-          <a:bodyPr lIns="0" tIns="0" rIns="0" bIns="0" anchor="ctr"/>
-          <a:lstStyle/>
-          <a:p>
-            <a:pPr algn="ctr"/>
-            <a:r>
-              <a:rPr lang="en-US" sz="4400" dirty="0">
-                <a:ln>
-                  <a:solidFill>
-                    <a:schemeClr val="bg1"/>
-                  </a:solidFill>
-                </a:ln>
-                <a:latin typeface="Arial"/>
-              </a:rPr>
-              <a:t>Proposed Approach</a:t>
-            </a:r>
-            <a:endParaRPr dirty="0">
-              <a:ln>
-                <a:solidFill>
-                  <a:schemeClr val="bg1"/>
-                </a:solidFill>
-              </a:ln>
-            </a:endParaRPr>
-          </a:p>
-        </p:txBody>
-      </p:sp>
-      <p:sp>
-        <p:nvSpPr>
-          <p:cNvPr id="64" name="TextShape 2"/>
-          <p:cNvSpPr txBox="1"/>
-          <p:nvPr/>
-        </p:nvSpPr>
-        <p:spPr>
-          <a:xfrm>
-            <a:off x="504000" y="1769040"/>
-            <a:ext cx="9071640" cy="4384440"/>
-          </a:xfrm>
-          <a:prstGeom prst="rect">
-            <a:avLst/>
-          </a:prstGeom>
-          <a:noFill/>
-          <a:ln>
-            <a:noFill/>
-          </a:ln>
-        </p:spPr>
-        <p:txBody>
-          <a:bodyPr lIns="0" tIns="0" rIns="0" bIns="0"/>
-          <a:lstStyle/>
-          <a:p>
-            <a:pPr marL="457200" indent="-457200">
-              <a:buSzPct val="65000"/>
-              <a:buFont typeface="Wingdings" panose="05000000000000000000" pitchFamily="2" charset="2"/>
-              <a:buChar char="Ø"/>
-            </a:pPr>
-            <a:r>
-              <a:rPr lang="en-US" sz="3200" dirty="0">
-                <a:latin typeface="Arial"/>
-              </a:rPr>
-              <a:t>Interface with Google Maps to handle exterior navigation.</a:t>
-            </a:r>
-            <a:endParaRPr dirty="0"/>
-          </a:p>
-          <a:p>
-            <a:pPr marL="457200" indent="-457200">
-              <a:buSzPct val="65000"/>
-              <a:buFont typeface="Wingdings" panose="05000000000000000000" pitchFamily="2" charset="2"/>
-              <a:buChar char="Ø"/>
-            </a:pPr>
-            <a:r>
-              <a:rPr lang="en-US" sz="3200" dirty="0">
-                <a:latin typeface="Arial"/>
-              </a:rPr>
-              <a:t>When GPS fails (i.e. entering a building) a text-based navigation system will enable.</a:t>
-            </a:r>
-            <a:endParaRPr dirty="0"/>
-          </a:p>
-          <a:p>
-            <a:pPr marL="457200" indent="-457200">
-              <a:buSzPct val="65000"/>
-              <a:buFont typeface="Wingdings" panose="05000000000000000000" pitchFamily="2" charset="2"/>
-              <a:buChar char="Ø"/>
-            </a:pPr>
-            <a:r>
-              <a:rPr lang="en-US" sz="3200" dirty="0">
-                <a:latin typeface="Arial"/>
-              </a:rPr>
-              <a:t>Search bar will suggest auto-completion of popular and recent search terms. </a:t>
-            </a:r>
-            <a:endParaRPr dirty="0"/>
-          </a:p>
-        </p:txBody>
-      </p:sp>
-    </p:spTree>
-  </p:cSld>
-  <p:clrMapOvr>
-    <a:masterClrMapping/>
-  </p:clrMapOvr>
-  <p:timing>
-    <p:tnLst>
-      <p:par>
-        <p:cTn id="1" dur="indefinite" restart="never" nodeType="tmRoot">
-          <p:childTnLst>
-            <p:seq>
-              <p:cTn id="2" nodeType="mainSeq"/>
-              <p:prevCondLst>
-                <p:cond evt="onPrev" delay="0">
-                  <p:tgtEl>
-                    <p:sldTgt/>
-                  </p:tgtEl>
-                </p:cond>
-              </p:prevCondLst>
-              <p:nextCondLst>
-                <p:cond evt="onNext" delay="0">
-                  <p:tgtEl>
-                    <p:sldTgt/>
-                  </p:tgtEl>
-                </p:cond>
-              </p:nextCondLst>
-            </p:seq>
-          </p:childTnLst>
-        </p:cTn>
-      </p:par>
-    </p:tnLst>
-  </p:timing>
-</p:sld>
-</file>
-
-<file path=ppt/slides/slide14.xml><?xml version="1.0" encoding="utf-8"?>
-<p:sld xmlns:a="http://schemas.openxmlformats.org/drawingml/2006/main" xmlns:r="http://schemas.openxmlformats.org/officeDocument/2006/relationships" xmlns:p="http://schemas.openxmlformats.org/presentationml/2006/main">
-  <p:cSld>
-    <p:spTree>
-      <p:nvGrpSpPr>
-        <p:cNvPr id="1" name=""/>
-        <p:cNvGrpSpPr/>
-        <p:nvPr/>
-      </p:nvGrpSpPr>
-      <p:grpSpPr>
-        <a:xfrm>
-          <a:off x="0" y="0"/>
-          <a:ext cx="0" cy="0"/>
-          <a:chOff x="0" y="0"/>
-          <a:chExt cx="0" cy="0"/>
-        </a:xfrm>
-      </p:grpSpPr>
-      <p:sp>
-        <p:nvSpPr>
-          <p:cNvPr id="67" name="TextShape 1"/>
-          <p:cNvSpPr txBox="1"/>
-          <p:nvPr/>
-        </p:nvSpPr>
-        <p:spPr>
-          <a:xfrm>
-            <a:off x="504000" y="301320"/>
-            <a:ext cx="9071640" cy="1262160"/>
-          </a:xfrm>
-          <a:prstGeom prst="rect">
-            <a:avLst/>
-          </a:prstGeom>
-          <a:noFill/>
-          <a:ln>
-            <a:noFill/>
-          </a:ln>
-        </p:spPr>
-        <p:txBody>
-          <a:bodyPr lIns="0" tIns="0" rIns="0" bIns="0" anchor="ctr"/>
-          <a:lstStyle/>
-          <a:p>
-            <a:pPr algn="ctr"/>
-            <a:r>
-              <a:rPr lang="en-US" sz="4400" dirty="0">
-                <a:ln>
-                  <a:solidFill>
-                    <a:schemeClr val="bg1"/>
-                  </a:solidFill>
-                </a:ln>
-                <a:latin typeface="Arial"/>
-              </a:rPr>
-              <a:t>System Design Description</a:t>
-            </a:r>
-            <a:endParaRPr dirty="0">
-              <a:ln>
-                <a:solidFill>
-                  <a:schemeClr val="bg1"/>
-                </a:solidFill>
-              </a:ln>
-            </a:endParaRPr>
-          </a:p>
-        </p:txBody>
-      </p:sp>
-      <p:pic>
-        <p:nvPicPr>
-          <p:cNvPr id="3" name="Picture 2"/>
-          <p:cNvPicPr>
-            <a:picLocks noChangeAspect="1"/>
-          </p:cNvPicPr>
-          <p:nvPr/>
-        </p:nvPicPr>
-        <p:blipFill>
-          <a:blip r:embed="rId2">
-            <a:extLst>
-              <a:ext uri="{28A0092B-C50C-407E-A947-70E740481C1C}">
-                <a14:useLocalDpi xmlns:a14="http://schemas.microsoft.com/office/drawing/2010/main" val="0"/>
-              </a:ext>
-            </a:extLst>
-          </a:blip>
-          <a:stretch>
-            <a:fillRect/>
-          </a:stretch>
-        </p:blipFill>
-        <p:spPr>
-          <a:xfrm>
-            <a:off x="1886708" y="1438320"/>
-            <a:ext cx="6306224" cy="5190174"/>
-          </a:xfrm>
-          <a:prstGeom prst="rect">
-            <a:avLst/>
-          </a:prstGeom>
-        </p:spPr>
-      </p:pic>
     </p:spTree>
   </p:cSld>
   <p:clrMapOvr>
@@ -13886,6 +14094,30 @@
 <file path=ppt/slides/slide15.xml><?xml version="1.0" encoding="utf-8"?>
 <p:sld xmlns:a="http://schemas.openxmlformats.org/drawingml/2006/main" xmlns:r="http://schemas.openxmlformats.org/officeDocument/2006/relationships" xmlns:p="http://schemas.openxmlformats.org/presentationml/2006/main">
   <p:cSld>
+    <p:bg>
+      <p:bgPr>
+        <a:blipFill>
+          <a:blip r:embed="rId2">
+            <a:duotone>
+              <a:schemeClr val="bg2">
+                <a:shade val="88000"/>
+                <a:hueMod val="106000"/>
+                <a:satMod val="140000"/>
+                <a:lumMod val="54000"/>
+              </a:schemeClr>
+              <a:schemeClr val="bg2">
+                <a:tint val="98000"/>
+                <a:hueMod val="90000"/>
+                <a:satMod val="150000"/>
+                <a:lumMod val="160000"/>
+              </a:schemeClr>
+            </a:duotone>
+          </a:blip>
+          <a:stretch/>
+        </a:blipFill>
+        <a:effectLst/>
+      </p:bgPr>
+    </p:bg>
     <p:spTree>
       <p:nvGrpSpPr>
         <p:cNvPr id="1" name=""/>
@@ -13902,7 +14134,7 @@
       </p:grpSpPr>
       <p:sp>
         <p:nvSpPr>
-          <p:cNvPr id="69" name="TextShape 1"/>
+          <p:cNvPr id="71" name="TextShape 1"/>
           <p:cNvSpPr txBox="1"/>
           <p:nvPr/>
         </p:nvSpPr>
@@ -13925,20 +14157,31 @@
           <a:p>
             <a:pPr algn="ctr"/>
             <a:r>
+              <a:rPr lang="en-US" sz="4400" dirty="0" smtClean="0">
+                <a:ln>
+                  <a:solidFill>
+                    <a:schemeClr val="tx1"/>
+                  </a:solidFill>
+                </a:ln>
+                <a:latin typeface="Arial"/>
+              </a:rPr>
+              <a:t>Test </a:t>
+            </a:r>
+            <a:r>
               <a:rPr lang="en-US" sz="4400" dirty="0">
                 <a:ln>
                   <a:solidFill>
-                    <a:schemeClr val="bg1"/>
+                    <a:schemeClr val="tx1"/>
                   </a:solidFill>
                 </a:ln>
                 <a:latin typeface="Arial"/>
               </a:rPr>
-              <a:t>CPE 495 Go/No Go Milestone</a:t>
+              <a:t>Plan</a:t>
             </a:r>
             <a:endParaRPr dirty="0">
               <a:ln>
                 <a:solidFill>
-                  <a:schemeClr val="bg1"/>
+                  <a:schemeClr val="tx1"/>
                 </a:solidFill>
               </a:ln>
             </a:endParaRPr>
@@ -13947,13 +14190,13 @@
       </p:sp>
       <p:sp>
         <p:nvSpPr>
-          <p:cNvPr id="70" name="TextShape 2"/>
+          <p:cNvPr id="72" name="TextShape 2"/>
           <p:cNvSpPr txBox="1"/>
           <p:nvPr/>
         </p:nvSpPr>
         <p:spPr>
           <a:xfrm>
-            <a:off x="504000" y="1769040"/>
+            <a:off x="504000" y="2158784"/>
             <a:ext cx="9071640" cy="4384440"/>
           </a:xfrm>
           <a:prstGeom prst="rect">
@@ -13969,35 +14212,60 @@
           <a:lstStyle/>
           <a:p>
             <a:pPr marL="457200" indent="-457200">
-              <a:buSzPct val="65000"/>
+              <a:buSzPct val="100000"/>
               <a:buFont typeface="Wingdings" panose="05000000000000000000" pitchFamily="2" charset="2"/>
               <a:buChar char="Ø"/>
             </a:pPr>
             <a:r>
-              <a:rPr lang="en-US" sz="3200" dirty="0">
-                <a:latin typeface="Arial"/>
-              </a:rPr>
-              <a:t>Interface with Google Maps to lead Users to Buildings.</a:t>
-            </a:r>
-            <a:endParaRPr dirty="0"/>
+              <a:rPr lang="en-US" sz="3200" dirty="0" smtClean="0">
+                <a:latin typeface="Arial"/>
+              </a:rPr>
+              <a:t>Test-Driven Development Approach</a:t>
+            </a:r>
           </a:p>
           <a:p>
             <a:pPr marL="457200" indent="-457200">
-              <a:buSzPct val="65000"/>
+              <a:buSzPct val="100000"/>
               <a:buFont typeface="Wingdings" panose="05000000000000000000" pitchFamily="2" charset="2"/>
               <a:buChar char="Ø"/>
             </a:pPr>
             <a:r>
-              <a:rPr lang="en-US" sz="3200" dirty="0">
-                <a:latin typeface="Arial"/>
-              </a:rPr>
-              <a:t>Pick the IDE and language that the App will be developed on.</a:t>
-            </a:r>
-            <a:endParaRPr dirty="0"/>
+              <a:rPr lang="en-US" sz="3200" dirty="0" smtClean="0">
+                <a:latin typeface="Arial"/>
+              </a:rPr>
+              <a:t>Unit Tests</a:t>
+            </a:r>
+          </a:p>
+          <a:p>
+            <a:pPr marL="914400" lvl="1" indent="-457200">
+              <a:buSzPct val="100000"/>
+              <a:buFont typeface="Arial" panose="020B0604020202020204" pitchFamily="34" charset="0"/>
+              <a:buChar char="•"/>
+            </a:pPr>
+            <a:r>
+              <a:rPr lang="en-US" sz="2400" dirty="0" smtClean="0">
+                <a:latin typeface="Arial"/>
+              </a:rPr>
+              <a:t>GPS </a:t>
+            </a:r>
+          </a:p>
+          <a:p>
+            <a:pPr marL="914400" lvl="1" indent="-457200">
+              <a:buSzPct val="100000"/>
+              <a:buFont typeface="Arial" panose="020B0604020202020204" pitchFamily="34" charset="0"/>
+              <a:buChar char="•"/>
+            </a:pPr>
+            <a:r>
+              <a:rPr lang="en-US" sz="2400" dirty="0" smtClean="0">
+                <a:latin typeface="Arial"/>
+              </a:rPr>
+              <a:t>Database</a:t>
+            </a:r>
+            <a:endParaRPr sz="2400" dirty="0"/>
           </a:p>
           <a:p>
             <a:pPr marL="457200" indent="-457200">
-              <a:buSzPct val="65000"/>
+              <a:buSzPct val="100000"/>
               <a:buFont typeface="Wingdings" panose="05000000000000000000" pitchFamily="2" charset="2"/>
               <a:buChar char="Ø"/>
             </a:pPr>
@@ -14005,28 +14273,88 @@
               <a:rPr lang="en-US" sz="3200" dirty="0">
                 <a:latin typeface="Arial"/>
               </a:rPr>
-              <a:t>Proof of concept that App can lead to desired classroom</a:t>
-            </a:r>
-            <a:r>
-              <a:rPr lang="en-US" sz="3200" dirty="0" smtClean="0">
-                <a:latin typeface="Arial"/>
-              </a:rPr>
-              <a:t>.</a:t>
-            </a:r>
+              <a:t>Acceptance Tests </a:t>
+            </a:r>
+            <a:endParaRPr lang="en-US" sz="3200" dirty="0" smtClean="0">
+              <a:latin typeface="Arial"/>
+            </a:endParaRPr>
+          </a:p>
+          <a:p>
+            <a:pPr marL="914400" lvl="1" indent="-457200">
+              <a:buSzPct val="100000"/>
+              <a:buFont typeface="Arial" panose="020B0604020202020204" pitchFamily="34" charset="0"/>
+              <a:buChar char="•"/>
+            </a:pPr>
+            <a:r>
+              <a:rPr lang="en-US" sz="2400" dirty="0" smtClean="0">
+                <a:latin typeface="Arial"/>
+              </a:rPr>
+              <a:t>Compatibility on </a:t>
+            </a:r>
+            <a:r>
+              <a:rPr lang="en-US" sz="2400" dirty="0">
+                <a:latin typeface="Arial"/>
+              </a:rPr>
+              <a:t>d</a:t>
+            </a:r>
+            <a:r>
+              <a:rPr lang="en-US" sz="2400" dirty="0" smtClean="0">
+                <a:latin typeface="Arial"/>
+              </a:rPr>
+              <a:t>ifferent </a:t>
+            </a:r>
+            <a:r>
+              <a:rPr lang="en-US" sz="2400" dirty="0">
+                <a:latin typeface="Arial"/>
+              </a:rPr>
+              <a:t>d</a:t>
+            </a:r>
+            <a:r>
+              <a:rPr lang="en-US" sz="2400" dirty="0" smtClean="0">
+                <a:latin typeface="Arial"/>
+              </a:rPr>
+              <a:t>evices.</a:t>
+            </a:r>
+            <a:endParaRPr sz="2400" dirty="0"/>
           </a:p>
           <a:p>
             <a:pPr marL="457200" indent="-457200">
-              <a:buSzPct val="65000"/>
+              <a:buSzPct val="100000"/>
               <a:buFont typeface="Wingdings" panose="05000000000000000000" pitchFamily="2" charset="2"/>
               <a:buChar char="Ø"/>
             </a:pPr>
             <a:r>
+              <a:rPr lang="en-US" sz="3200" dirty="0">
+                <a:latin typeface="Arial"/>
+              </a:rPr>
+              <a:t>GPS </a:t>
+            </a:r>
+            <a:r>
               <a:rPr lang="en-US" sz="3200" dirty="0" smtClean="0">
                 <a:latin typeface="Arial"/>
               </a:rPr>
-              <a:t>Create a Dummy App that can pull info from a database.</a:t>
-            </a:r>
-            <a:endParaRPr sz="3200" dirty="0"/>
+              <a:t>Simulation Testing </a:t>
+            </a:r>
+          </a:p>
+          <a:p>
+            <a:pPr marL="914400" lvl="1" indent="-457200">
+              <a:buSzPct val="100000"/>
+              <a:buFont typeface="Arial" panose="020B0604020202020204" pitchFamily="34" charset="0"/>
+              <a:buChar char="•"/>
+            </a:pPr>
+            <a:r>
+              <a:rPr lang="en-US" sz="2400" dirty="0" smtClean="0">
+                <a:latin typeface="Arial"/>
+              </a:rPr>
+              <a:t>Location/navigation </a:t>
+            </a:r>
+            <a:r>
+              <a:rPr lang="en-US" sz="2400" dirty="0">
+                <a:latin typeface="Arial"/>
+              </a:rPr>
+              <a:t>testing. </a:t>
+            </a:r>
+            <a:endParaRPr sz="2400" dirty="0"/>
           </a:p>
         </p:txBody>
       </p:sp>
@@ -14068,6 +14396,30 @@
 <file path=ppt/slides/slide16.xml><?xml version="1.0" encoding="utf-8"?>
 <p:sld xmlns:a="http://schemas.openxmlformats.org/drawingml/2006/main" xmlns:r="http://schemas.openxmlformats.org/officeDocument/2006/relationships" xmlns:p="http://schemas.openxmlformats.org/presentationml/2006/main">
   <p:cSld>
+    <p:bg>
+      <p:bgPr>
+        <a:blipFill>
+          <a:blip r:embed="rId2">
+            <a:duotone>
+              <a:schemeClr val="bg2">
+                <a:shade val="88000"/>
+                <a:hueMod val="106000"/>
+                <a:satMod val="140000"/>
+                <a:lumMod val="54000"/>
+              </a:schemeClr>
+              <a:schemeClr val="bg2">
+                <a:tint val="98000"/>
+                <a:hueMod val="90000"/>
+                <a:satMod val="150000"/>
+                <a:lumMod val="160000"/>
+              </a:schemeClr>
+            </a:duotone>
+          </a:blip>
+          <a:stretch/>
+        </a:blipFill>
+        <a:effectLst/>
+      </p:bgPr>
+    </p:bg>
     <p:spTree>
       <p:nvGrpSpPr>
         <p:cNvPr id="1" name=""/>
@@ -14084,7 +14436,7 @@
       </p:grpSpPr>
       <p:sp>
         <p:nvSpPr>
-          <p:cNvPr id="71" name="TextShape 1"/>
+          <p:cNvPr id="73" name="TextShape 1"/>
           <p:cNvSpPr txBox="1"/>
           <p:nvPr/>
         </p:nvSpPr>
@@ -14107,20 +14459,20 @@
           <a:p>
             <a:pPr algn="ctr"/>
             <a:r>
-              <a:rPr lang="en-US" sz="4400" dirty="0">
+              <a:rPr lang="en-US" sz="4400" dirty="0" smtClean="0">
                 <a:ln>
                   <a:solidFill>
-                    <a:schemeClr val="bg1"/>
+                    <a:schemeClr val="tx1"/>
                   </a:solidFill>
                 </a:ln>
                 <a:latin typeface="Arial"/>
               </a:rPr>
-              <a:t>Testing Plan</a:t>
+              <a:t>Initial Project Deliverables</a:t>
             </a:r>
             <a:endParaRPr dirty="0">
               <a:ln>
                 <a:solidFill>
-                  <a:schemeClr val="bg1"/>
+                  <a:schemeClr val="tx1"/>
                 </a:solidFill>
               </a:ln>
             </a:endParaRPr>
@@ -14129,13 +14481,13 @@
       </p:sp>
       <p:sp>
         <p:nvSpPr>
-          <p:cNvPr id="72" name="TextShape 2"/>
+          <p:cNvPr id="74" name="TextShape 2"/>
           <p:cNvSpPr txBox="1"/>
           <p:nvPr/>
         </p:nvSpPr>
         <p:spPr>
           <a:xfrm>
-            <a:off x="504000" y="1769040"/>
+            <a:off x="504000" y="2098823"/>
             <a:ext cx="9071640" cy="4384440"/>
           </a:xfrm>
           <a:prstGeom prst="rect">
@@ -14151,119 +14503,136 @@
           <a:lstStyle/>
           <a:p>
             <a:pPr marL="457200" indent="-457200">
-              <a:buSzPct val="65000"/>
+              <a:buSzPct val="100000"/>
               <a:buFont typeface="Wingdings" panose="05000000000000000000" pitchFamily="2" charset="2"/>
               <a:buChar char="Ø"/>
             </a:pPr>
             <a:r>
+              <a:rPr lang="en-US" sz="3200" dirty="0">
+                <a:latin typeface="Arial"/>
+              </a:rPr>
+              <a:t>Deliverable objectives to complete </a:t>
+            </a:r>
+            <a:r>
               <a:rPr lang="en-US" sz="3200" dirty="0" smtClean="0">
                 <a:latin typeface="Arial"/>
               </a:rPr>
-              <a:t>Test-Driven Development Approach</a:t>
-            </a:r>
-          </a:p>
-          <a:p>
-            <a:pPr marL="457200" indent="-457200">
-              <a:buSzPct val="65000"/>
-              <a:buFont typeface="Wingdings" panose="05000000000000000000" pitchFamily="2" charset="2"/>
-              <a:buChar char="Ø"/>
+              <a:t>by the </a:t>
+            </a:r>
+            <a:r>
+              <a:rPr lang="en-US" sz="3200" dirty="0">
+                <a:latin typeface="Arial"/>
+              </a:rPr>
+              <a:t>end of </a:t>
+            </a:r>
+            <a:r>
+              <a:rPr lang="en-US" sz="3200" dirty="0" smtClean="0">
+                <a:latin typeface="Arial"/>
+              </a:rPr>
+              <a:t>fall semester</a:t>
+            </a:r>
+            <a:endParaRPr dirty="0"/>
+          </a:p>
+          <a:p>
+            <a:pPr marL="914400" lvl="1" indent="-457200">
+              <a:buSzPct val="100000"/>
+              <a:buFont typeface="Arial" panose="020B0604020202020204" pitchFamily="34" charset="0"/>
+              <a:buChar char="•"/>
             </a:pPr>
             <a:r>
               <a:rPr lang="en-US" sz="3200" dirty="0" smtClean="0">
                 <a:latin typeface="Arial"/>
               </a:rPr>
-              <a:t>Unit Tests</a:t>
+              <a:t>Create </a:t>
+            </a:r>
+            <a:r>
+              <a:rPr lang="en-US" sz="3200" dirty="0">
+                <a:latin typeface="Arial"/>
+              </a:rPr>
+              <a:t>an e</a:t>
+            </a:r>
+            <a:r>
+              <a:rPr lang="en-US" sz="3200" dirty="0" smtClean="0">
+                <a:latin typeface="Arial"/>
+              </a:rPr>
+              <a:t>xecutable app </a:t>
+            </a:r>
+            <a:r>
+              <a:rPr lang="en-US" sz="3200" dirty="0">
+                <a:latin typeface="Arial"/>
+              </a:rPr>
+              <a:t>for </a:t>
+            </a:r>
+            <a:r>
+              <a:rPr lang="en-US" sz="3200" dirty="0" smtClean="0">
+                <a:latin typeface="Arial"/>
+              </a:rPr>
+              <a:t>smartphones.</a:t>
             </a:r>
           </a:p>
           <a:p>
             <a:pPr marL="914400" lvl="1" indent="-457200">
-              <a:buSzPct val="65000"/>
-              <a:buFont typeface="Wingdings" panose="05000000000000000000" pitchFamily="2" charset="2"/>
-              <a:buChar char="Ø"/>
+              <a:buSzPct val="100000"/>
+              <a:buFont typeface="Arial" panose="020B0604020202020204" pitchFamily="34" charset="0"/>
+              <a:buChar char="•"/>
             </a:pPr>
             <a:r>
-              <a:rPr lang="en-US" sz="2400" dirty="0" smtClean="0">
-                <a:latin typeface="Arial"/>
-              </a:rPr>
-              <a:t>Updating course listings</a:t>
-            </a:r>
+              <a:rPr lang="en-US" sz="3200" dirty="0" smtClean="0">
+                <a:latin typeface="Arial"/>
+              </a:rPr>
+              <a:t>App interfaces </a:t>
+            </a:r>
+            <a:r>
+              <a:rPr lang="en-US" sz="3200" dirty="0">
+                <a:latin typeface="Arial"/>
+              </a:rPr>
+              <a:t>with </a:t>
+            </a:r>
+            <a:r>
+              <a:rPr lang="en-US" sz="3200" dirty="0" smtClean="0">
+                <a:latin typeface="Arial"/>
+              </a:rPr>
+              <a:t>Google Maps.</a:t>
+            </a:r>
+            <a:endParaRPr lang="en-US" sz="3200" dirty="0"/>
           </a:p>
           <a:p>
             <a:pPr marL="914400" lvl="1" indent="-457200">
-              <a:buSzPct val="65000"/>
-              <a:buFont typeface="Wingdings" panose="05000000000000000000" pitchFamily="2" charset="2"/>
-              <a:buChar char="Ø"/>
+              <a:buSzPct val="100000"/>
+              <a:buFont typeface="Arial" panose="020B0604020202020204" pitchFamily="34" charset="0"/>
+              <a:buChar char="•"/>
             </a:pPr>
             <a:r>
-              <a:rPr lang="en-US" sz="2400" dirty="0" smtClean="0">
-                <a:latin typeface="Arial"/>
-              </a:rPr>
-              <a:t>Barebones navigation</a:t>
-            </a:r>
-            <a:endParaRPr sz="2400" dirty="0"/>
-          </a:p>
-          <a:p>
-            <a:pPr marL="457200" indent="-457200">
-              <a:buSzPct val="65000"/>
-              <a:buFont typeface="Wingdings" panose="05000000000000000000" pitchFamily="2" charset="2"/>
-              <a:buChar char="Ø"/>
-            </a:pPr>
+              <a:rPr lang="en-US" sz="3200" dirty="0" smtClean="0">
+                <a:latin typeface="Arial"/>
+              </a:rPr>
+              <a:t>App </a:t>
+            </a:r>
             <a:r>
               <a:rPr lang="en-US" sz="3200" dirty="0">
                 <a:latin typeface="Arial"/>
               </a:rPr>
-              <a:t>Acceptance Tests (Emulated Testing</a:t>
+              <a:t>can p</a:t>
             </a:r>
             <a:r>
               <a:rPr lang="en-US" sz="3200" dirty="0" smtClean="0">
                 <a:latin typeface="Arial"/>
               </a:rPr>
-              <a:t>)</a:t>
-            </a:r>
-          </a:p>
-          <a:p>
-            <a:pPr marL="914400" lvl="1" indent="-457200">
-              <a:buSzPct val="65000"/>
-              <a:buFont typeface="Wingdings" panose="05000000000000000000" pitchFamily="2" charset="2"/>
-              <a:buChar char="Ø"/>
-            </a:pPr>
-            <a:r>
-              <a:rPr lang="en-US" sz="2400" dirty="0" smtClean="0">
-                <a:latin typeface="Arial"/>
-              </a:rPr>
-              <a:t>Compatibility on Devices (Different android version, devices)</a:t>
-            </a:r>
-            <a:endParaRPr sz="2400" dirty="0"/>
-          </a:p>
-          <a:p>
-            <a:pPr marL="457200" indent="-457200">
-              <a:buSzPct val="65000"/>
-              <a:buFont typeface="Wingdings" panose="05000000000000000000" pitchFamily="2" charset="2"/>
-              <a:buChar char="Ø"/>
-            </a:pPr>
+              <a:t>repare for indoor </a:t>
+            </a:r>
             <a:r>
               <a:rPr lang="en-US" sz="3200" dirty="0">
                 <a:latin typeface="Arial"/>
               </a:rPr>
-              <a:t>GPS Spoof Testing </a:t>
-            </a:r>
-            <a:endParaRPr lang="en-US" sz="3200" dirty="0" smtClean="0">
-              <a:latin typeface="Arial"/>
-            </a:endParaRPr>
-          </a:p>
-          <a:p>
-            <a:pPr marL="914400" lvl="1" indent="-457200">
-              <a:buSzPct val="65000"/>
-              <a:buFont typeface="Wingdings" panose="05000000000000000000" pitchFamily="2" charset="2"/>
-              <a:buChar char="Ø"/>
-            </a:pPr>
-            <a:r>
-              <a:rPr lang="en-US" sz="2400" dirty="0" smtClean="0">
-                <a:latin typeface="Arial"/>
-              </a:rPr>
-              <a:t>Location testing / navigation. </a:t>
-            </a:r>
-            <a:endParaRPr sz="2400" dirty="0"/>
+              <a:t>n</a:t>
+            </a:r>
+            <a:r>
+              <a:rPr lang="en-US" sz="3200" dirty="0" smtClean="0">
+                <a:latin typeface="Arial"/>
+              </a:rPr>
+              <a:t>avigation.</a:t>
+            </a:r>
+            <a:endParaRPr dirty="0"/>
           </a:p>
         </p:txBody>
       </p:sp>
@@ -14305,6 +14674,30 @@
 <file path=ppt/slides/slide17.xml><?xml version="1.0" encoding="utf-8"?>
 <p:sld xmlns:a="http://schemas.openxmlformats.org/drawingml/2006/main" xmlns:r="http://schemas.openxmlformats.org/officeDocument/2006/relationships" xmlns:p="http://schemas.openxmlformats.org/presentationml/2006/main">
   <p:cSld>
+    <p:bg>
+      <p:bgPr>
+        <a:blipFill>
+          <a:blip r:embed="rId2">
+            <a:duotone>
+              <a:schemeClr val="bg2">
+                <a:shade val="88000"/>
+                <a:hueMod val="106000"/>
+                <a:satMod val="140000"/>
+                <a:lumMod val="54000"/>
+              </a:schemeClr>
+              <a:schemeClr val="bg2">
+                <a:tint val="98000"/>
+                <a:hueMod val="90000"/>
+                <a:satMod val="150000"/>
+                <a:lumMod val="160000"/>
+              </a:schemeClr>
+            </a:duotone>
+          </a:blip>
+          <a:stretch/>
+        </a:blipFill>
+        <a:effectLst/>
+      </p:bgPr>
+    </p:bg>
     <p:spTree>
       <p:nvGrpSpPr>
         <p:cNvPr id="1" name=""/>
@@ -14347,264 +14740,28 @@
               <a:rPr lang="en-US" sz="4400" dirty="0">
                 <a:ln>
                   <a:solidFill>
-                    <a:schemeClr val="bg1"/>
+                    <a:schemeClr val="tx1"/>
                   </a:solidFill>
                 </a:ln>
                 <a:latin typeface="Arial"/>
               </a:rPr>
-              <a:t>CPE 495 Project Timeline</a:t>
+              <a:t>CPE </a:t>
+            </a:r>
+            <a:r>
+              <a:rPr lang="en-US" sz="4400" dirty="0" smtClean="0">
+                <a:ln>
+                  <a:solidFill>
+                    <a:schemeClr val="tx1"/>
+                  </a:solidFill>
+                </a:ln>
+                <a:latin typeface="Arial"/>
+              </a:rPr>
+              <a:t>495/496 Timeline</a:t>
             </a:r>
             <a:endParaRPr dirty="0">
               <a:ln>
                 <a:solidFill>
-                  <a:schemeClr val="bg1"/>
-                </a:solidFill>
-              </a:ln>
-            </a:endParaRPr>
-          </a:p>
-        </p:txBody>
-      </p:sp>
-      <p:sp>
-        <p:nvSpPr>
-          <p:cNvPr id="74" name="TextShape 2"/>
-          <p:cNvSpPr txBox="1"/>
-          <p:nvPr/>
-        </p:nvSpPr>
-        <p:spPr>
-          <a:xfrm>
-            <a:off x="504000" y="1769040"/>
-            <a:ext cx="9071640" cy="4384440"/>
-          </a:xfrm>
-          <a:prstGeom prst="rect">
-            <a:avLst/>
-          </a:prstGeom>
-          <a:noFill/>
-          <a:ln>
-            <a:noFill/>
-          </a:ln>
-        </p:spPr>
-        <p:txBody>
-          <a:bodyPr lIns="0" tIns="0" rIns="0" bIns="0"/>
-          <a:lstStyle/>
-          <a:p>
-            <a:pPr marL="457200" indent="-457200">
-              <a:buSzPct val="65000"/>
-              <a:buFont typeface="Wingdings" panose="05000000000000000000" pitchFamily="2" charset="2"/>
-              <a:buChar char="Ø"/>
-            </a:pPr>
-            <a:r>
-              <a:rPr lang="en-US" sz="3200" dirty="0">
-                <a:latin typeface="Arial"/>
-              </a:rPr>
-              <a:t>Deliverable objectives to complete by end of semester</a:t>
-            </a:r>
-            <a:endParaRPr dirty="0"/>
-          </a:p>
-          <a:p>
-            <a:pPr>
-              <a:buSzPct val="45000"/>
-            </a:pPr>
-            <a:r>
-              <a:rPr lang="en-US" sz="3200" dirty="0" smtClean="0">
-                <a:latin typeface="Arial"/>
-              </a:rPr>
-              <a:t>–</a:t>
-            </a:r>
-            <a:r>
-              <a:rPr lang="en-US" sz="3200" dirty="0">
-                <a:latin typeface="Arial"/>
-              </a:rPr>
-              <a:t>Proof of concept that the App can lead a </a:t>
-            </a:r>
-            <a:r>
-              <a:rPr lang="en-US" sz="3200" dirty="0" smtClean="0">
-                <a:latin typeface="Arial"/>
-              </a:rPr>
-              <a:t>		small </a:t>
-            </a:r>
-            <a:r>
-              <a:rPr lang="en-US" sz="3200" dirty="0">
-                <a:latin typeface="Arial"/>
-              </a:rPr>
-              <a:t>subset of classrooms.</a:t>
-            </a:r>
-            <a:endParaRPr dirty="0"/>
-          </a:p>
-          <a:p>
-            <a:pPr>
-              <a:buSzPct val="45000"/>
-            </a:pPr>
-            <a:r>
-              <a:rPr lang="en-US" sz="3200" dirty="0" smtClean="0">
-                <a:latin typeface="Arial"/>
-              </a:rPr>
-              <a:t>–</a:t>
-            </a:r>
-            <a:r>
-              <a:rPr lang="en-US" sz="3200" dirty="0">
-                <a:latin typeface="Arial"/>
-              </a:rPr>
-              <a:t>Build a dummy app that interfaces with </a:t>
-            </a:r>
-            <a:r>
-              <a:rPr lang="en-US" sz="3200" dirty="0" smtClean="0">
-                <a:latin typeface="Arial"/>
-              </a:rPr>
-              <a:t>			Google </a:t>
-            </a:r>
-            <a:r>
-              <a:rPr lang="en-US" sz="3200" dirty="0">
-                <a:latin typeface="Arial"/>
-              </a:rPr>
-              <a:t>Maps' API.</a:t>
-            </a:r>
-            <a:endParaRPr dirty="0"/>
-          </a:p>
-          <a:p>
-            <a:pPr>
-              <a:buSzPct val="45000"/>
-            </a:pPr>
-            <a:r>
-              <a:rPr lang="en-US" sz="3200" dirty="0" smtClean="0">
-                <a:latin typeface="Arial"/>
-              </a:rPr>
-              <a:t>–</a:t>
-            </a:r>
-            <a:r>
-              <a:rPr lang="en-US" sz="3200" dirty="0">
-                <a:latin typeface="Arial"/>
-              </a:rPr>
-              <a:t>Create a program that will execute on a </a:t>
-            </a:r>
-            <a:r>
-              <a:rPr lang="en-US" sz="3200" dirty="0" smtClean="0">
-                <a:latin typeface="Arial"/>
-              </a:rPr>
-              <a:t>		Smartphone</a:t>
-            </a:r>
-            <a:r>
-              <a:rPr lang="en-US" sz="3200" dirty="0">
-                <a:latin typeface="Arial"/>
-              </a:rPr>
-              <a:t>.</a:t>
-            </a:r>
-            <a:endParaRPr dirty="0"/>
-          </a:p>
-        </p:txBody>
-      </p:sp>
-    </p:spTree>
-  </p:cSld>
-  <p:clrMapOvr>
-    <a:masterClrMapping/>
-  </p:clrMapOvr>
-  <p:timing>
-    <p:tnLst>
-      <p:par>
-        <p:cTn id="1" dur="indefinite" restart="never" nodeType="tmRoot">
-          <p:childTnLst>
-            <p:seq>
-              <p:cTn id="2" nodeType="mainSeq"/>
-              <p:prevCondLst>
-                <p:cond evt="onPrev" delay="0">
-                  <p:tgtEl>
-                    <p:sldTgt/>
-                  </p:tgtEl>
-                </p:cond>
-              </p:prevCondLst>
-              <p:nextCondLst>
-                <p:cond evt="onNext" delay="0">
-                  <p:tgtEl>
-                    <p:sldTgt/>
-                  </p:tgtEl>
-                </p:cond>
-              </p:nextCondLst>
-            </p:seq>
-          </p:childTnLst>
-        </p:cTn>
-      </p:par>
-    </p:tnLst>
-  </p:timing>
-</p:sld>
-</file>
-
-<file path=ppt/slides/slide18.xml><?xml version="1.0" encoding="utf-8"?>
-<p:sld xmlns:a="http://schemas.openxmlformats.org/drawingml/2006/main" xmlns:r="http://schemas.openxmlformats.org/officeDocument/2006/relationships" xmlns:p="http://schemas.openxmlformats.org/presentationml/2006/main">
-  <p:cSld>
-    <p:spTree>
-      <p:nvGrpSpPr>
-        <p:cNvPr id="1" name=""/>
-        <p:cNvGrpSpPr/>
-        <p:nvPr/>
-      </p:nvGrpSpPr>
-      <p:grpSpPr>
-        <a:xfrm>
-          <a:off x="0" y="0"/>
-          <a:ext cx="0" cy="0"/>
-          <a:chOff x="0" y="0"/>
-          <a:chExt cx="0" cy="0"/>
-        </a:xfrm>
-      </p:grpSpPr>
-      <p:sp>
-        <p:nvSpPr>
-          <p:cNvPr id="73" name="TextShape 1"/>
-          <p:cNvSpPr txBox="1"/>
-          <p:nvPr/>
-        </p:nvSpPr>
-        <p:spPr>
-          <a:xfrm>
-            <a:off x="504000" y="301320"/>
-            <a:ext cx="9071640" cy="1262160"/>
-          </a:xfrm>
-          <a:prstGeom prst="rect">
-            <a:avLst/>
-          </a:prstGeom>
-          <a:noFill/>
-          <a:ln>
-            <a:noFill/>
-          </a:ln>
-        </p:spPr>
-        <p:txBody>
-          <a:bodyPr lIns="0" tIns="0" rIns="0" bIns="0" anchor="ctr"/>
-          <a:lstStyle/>
-          <a:p>
-            <a:pPr algn="ctr"/>
-            <a:r>
-              <a:rPr lang="en-US" sz="4400" dirty="0">
-                <a:ln>
-                  <a:solidFill>
-                    <a:schemeClr val="bg1"/>
-                  </a:solidFill>
-                </a:ln>
-                <a:latin typeface="Arial"/>
-              </a:rPr>
-              <a:t>CPE </a:t>
-            </a:r>
-            <a:r>
-              <a:rPr lang="en-US" sz="4400" dirty="0" smtClean="0">
-                <a:ln>
-                  <a:solidFill>
-                    <a:schemeClr val="bg1"/>
-                  </a:solidFill>
-                </a:ln>
-                <a:latin typeface="Arial"/>
-              </a:rPr>
-              <a:t>495/496 </a:t>
-            </a:r>
-            <a:r>
-              <a:rPr lang="en-US" sz="4400" dirty="0" smtClean="0">
-                <a:ln>
-                  <a:solidFill>
-                    <a:schemeClr val="bg1"/>
-                  </a:solidFill>
-                </a:ln>
-                <a:latin typeface="Arial"/>
-              </a:rPr>
-              <a:t>Timeline</a:t>
-            </a:r>
-            <a:endParaRPr dirty="0">
-              <a:ln>
-                <a:solidFill>
-                  <a:schemeClr val="bg1"/>
+                  <a:schemeClr val="tx1"/>
                 </a:solidFill>
               </a:ln>
             </a:endParaRPr>
@@ -14620,7 +14777,7 @@
           <p:nvPr/>
         </p:nvPicPr>
         <p:blipFill>
-          <a:blip r:embed="rId2">
+          <a:blip r:embed="rId3">
             <a:extLst>
               <a:ext uri="{28A0092B-C50C-407E-A947-70E740481C1C}">
                 <a14:useLocalDpi xmlns:a14="http://schemas.microsoft.com/office/drawing/2010/main" val="0"/>
@@ -14681,9 +14838,33 @@
 </p:sld>
 </file>
 
-<file path=ppt/slides/slide19.xml><?xml version="1.0" encoding="utf-8"?>
+<file path=ppt/slides/slide18.xml><?xml version="1.0" encoding="utf-8"?>
 <p:sld xmlns:a="http://schemas.openxmlformats.org/drawingml/2006/main" xmlns:r="http://schemas.openxmlformats.org/officeDocument/2006/relationships" xmlns:p="http://schemas.openxmlformats.org/presentationml/2006/main">
   <p:cSld>
+    <p:bg>
+      <p:bgPr>
+        <a:blipFill>
+          <a:blip r:embed="rId2">
+            <a:duotone>
+              <a:schemeClr val="bg2">
+                <a:shade val="88000"/>
+                <a:hueMod val="106000"/>
+                <a:satMod val="140000"/>
+                <a:lumMod val="54000"/>
+              </a:schemeClr>
+              <a:schemeClr val="bg2">
+                <a:tint val="98000"/>
+                <a:hueMod val="90000"/>
+                <a:satMod val="150000"/>
+                <a:lumMod val="160000"/>
+              </a:schemeClr>
+            </a:duotone>
+          </a:blip>
+          <a:stretch/>
+        </a:blipFill>
+        <a:effectLst/>
+      </p:bgPr>
+    </p:bg>
     <p:spTree>
       <p:nvGrpSpPr>
         <p:cNvPr id="1" name=""/>
@@ -14723,20 +14904,20 @@
           <a:p>
             <a:pPr algn="ctr"/>
             <a:r>
-              <a:rPr lang="en-US" sz="4400" dirty="0">
+              <a:rPr lang="en-US" sz="4400" dirty="0" smtClean="0">
                 <a:ln>
                   <a:solidFill>
-                    <a:schemeClr val="bg1"/>
+                    <a:schemeClr val="tx1"/>
                   </a:solidFill>
                 </a:ln>
                 <a:latin typeface="Arial"/>
               </a:rPr>
-              <a:t>Project Timeline</a:t>
+              <a:t>Project Task Manager</a:t>
             </a:r>
             <a:endParaRPr dirty="0">
               <a:ln>
                 <a:solidFill>
-                  <a:schemeClr val="bg1"/>
+                  <a:schemeClr val="tx1"/>
                 </a:solidFill>
               </a:ln>
             </a:endParaRPr>
@@ -14752,7 +14933,7 @@
           <p:nvPr/>
         </p:nvPicPr>
         <p:blipFill>
-          <a:blip r:embed="rId2">
+          <a:blip r:embed="rId3">
             <a:extLst>
               <a:ext uri="{28A0092B-C50C-407E-A947-70E740481C1C}">
                 <a14:useLocalDpi xmlns:a14="http://schemas.microsoft.com/office/drawing/2010/main" val="0"/>
@@ -14821,102 +15002,102 @@
           <a:lstStyle/>
           <a:p>
             <a:endParaRPr lang="en-US" dirty="0" smtClean="0">
-              <a:hlinkClick r:id="rId3"/>
+              <a:hlinkClick r:id="rId4"/>
             </a:endParaRPr>
           </a:p>
           <a:p>
             <a:endParaRPr lang="en-US" dirty="0">
-              <a:hlinkClick r:id="rId3"/>
+              <a:hlinkClick r:id="rId4"/>
             </a:endParaRPr>
           </a:p>
           <a:p>
             <a:endParaRPr lang="en-US" dirty="0" smtClean="0">
-              <a:hlinkClick r:id="rId3"/>
+              <a:hlinkClick r:id="rId4"/>
             </a:endParaRPr>
           </a:p>
           <a:p>
             <a:endParaRPr lang="en-US" dirty="0">
-              <a:hlinkClick r:id="rId3"/>
+              <a:hlinkClick r:id="rId4"/>
             </a:endParaRPr>
           </a:p>
           <a:p>
             <a:endParaRPr lang="en-US" dirty="0" smtClean="0">
-              <a:hlinkClick r:id="rId3"/>
+              <a:hlinkClick r:id="rId4"/>
             </a:endParaRPr>
           </a:p>
           <a:p>
             <a:endParaRPr lang="en-US" dirty="0">
-              <a:hlinkClick r:id="rId3"/>
+              <a:hlinkClick r:id="rId4"/>
             </a:endParaRPr>
           </a:p>
           <a:p>
             <a:endParaRPr lang="en-US" dirty="0" smtClean="0">
-              <a:hlinkClick r:id="rId3"/>
+              <a:hlinkClick r:id="rId4"/>
             </a:endParaRPr>
           </a:p>
           <a:p>
             <a:endParaRPr lang="en-US" dirty="0">
-              <a:hlinkClick r:id="rId3"/>
+              <a:hlinkClick r:id="rId4"/>
             </a:endParaRPr>
           </a:p>
           <a:p>
             <a:endParaRPr lang="en-US" dirty="0" smtClean="0">
-              <a:hlinkClick r:id="rId3"/>
+              <a:hlinkClick r:id="rId4"/>
             </a:endParaRPr>
           </a:p>
           <a:p>
             <a:endParaRPr lang="en-US" dirty="0">
-              <a:hlinkClick r:id="rId3"/>
+              <a:hlinkClick r:id="rId4"/>
             </a:endParaRPr>
           </a:p>
           <a:p>
             <a:endParaRPr lang="en-US" dirty="0" smtClean="0">
-              <a:hlinkClick r:id="rId3"/>
+              <a:hlinkClick r:id="rId4"/>
             </a:endParaRPr>
           </a:p>
           <a:p>
             <a:endParaRPr lang="en-US" dirty="0">
-              <a:hlinkClick r:id="rId3"/>
+              <a:hlinkClick r:id="rId4"/>
             </a:endParaRPr>
           </a:p>
           <a:p>
             <a:endParaRPr lang="en-US" dirty="0" smtClean="0">
-              <a:hlinkClick r:id="rId3"/>
+              <a:hlinkClick r:id="rId4"/>
             </a:endParaRPr>
           </a:p>
           <a:p>
             <a:endParaRPr lang="en-US" dirty="0">
-              <a:hlinkClick r:id="rId3"/>
+              <a:hlinkClick r:id="rId4"/>
             </a:endParaRPr>
           </a:p>
           <a:p>
             <a:endParaRPr lang="en-US" dirty="0" smtClean="0">
-              <a:hlinkClick r:id="rId3"/>
+              <a:hlinkClick r:id="rId4"/>
             </a:endParaRPr>
           </a:p>
           <a:p>
             <a:pPr algn="ctr"/>
             <a:endParaRPr lang="en-US" dirty="0" smtClean="0">
-              <a:hlinkClick r:id="rId3"/>
+              <a:hlinkClick r:id="rId4"/>
             </a:endParaRPr>
           </a:p>
           <a:p>
             <a:pPr algn="ctr"/>
             <a:endParaRPr lang="en-US" dirty="0" smtClean="0">
-              <a:hlinkClick r:id="rId3"/>
+              <a:hlinkClick r:id="rId4"/>
             </a:endParaRPr>
           </a:p>
           <a:p>
             <a:pPr algn="ctr"/>
             <a:endParaRPr lang="en-US" dirty="0">
-              <a:hlinkClick r:id="rId3"/>
+              <a:hlinkClick r:id="rId4"/>
             </a:endParaRPr>
           </a:p>
           <a:p>
             <a:pPr algn="ctr"/>
             <a:r>
               <a:rPr lang="en-US" dirty="0" smtClean="0">
-                <a:hlinkClick r:id="rId3"/>
+                <a:hlinkClick r:id="rId4"/>
               </a:rPr>
               <a:t>https://trello.com/b/iZJ03jLi/app</a:t>
             </a:r>
@@ -14924,6 +15105,291 @@
               <a:rPr lang="en-US" dirty="0" smtClean="0"/>
               <a:t> </a:t>
             </a:r>
+            <a:endParaRPr dirty="0"/>
+          </a:p>
+        </p:txBody>
+      </p:sp>
+    </p:spTree>
+  </p:cSld>
+  <p:clrMapOvr>
+    <a:masterClrMapping/>
+  </p:clrMapOvr>
+  <p:timing>
+    <p:tnLst>
+      <p:par>
+        <p:cTn id="1" dur="indefinite" restart="never" nodeType="tmRoot">
+          <p:childTnLst>
+            <p:seq>
+              <p:cTn id="2" nodeType="mainSeq"/>
+              <p:prevCondLst>
+                <p:cond evt="onPrev" delay="0">
+                  <p:tgtEl>
+                    <p:sldTgt/>
+                  </p:tgtEl>
+                </p:cond>
+              </p:prevCondLst>
+              <p:nextCondLst>
+                <p:cond evt="onNext" delay="0">
+                  <p:tgtEl>
+                    <p:sldTgt/>
+                  </p:tgtEl>
+                </p:cond>
+              </p:nextCondLst>
+            </p:seq>
+          </p:childTnLst>
+        </p:cTn>
+      </p:par>
+    </p:tnLst>
+  </p:timing>
+</p:sld>
+</file>
+
+<file path=ppt/slides/slide19.xml><?xml version="1.0" encoding="utf-8"?>
+<p:sld xmlns:a="http://schemas.openxmlformats.org/drawingml/2006/main" xmlns:r="http://schemas.openxmlformats.org/officeDocument/2006/relationships" xmlns:p="http://schemas.openxmlformats.org/presentationml/2006/main">
+  <p:cSld>
+    <p:bg>
+      <p:bgPr>
+        <a:blipFill>
+          <a:blip r:embed="rId2">
+            <a:duotone>
+              <a:schemeClr val="bg2">
+                <a:shade val="88000"/>
+                <a:hueMod val="106000"/>
+                <a:satMod val="140000"/>
+                <a:lumMod val="54000"/>
+              </a:schemeClr>
+              <a:schemeClr val="bg2">
+                <a:tint val="98000"/>
+                <a:hueMod val="90000"/>
+                <a:satMod val="150000"/>
+                <a:lumMod val="160000"/>
+              </a:schemeClr>
+            </a:duotone>
+          </a:blip>
+          <a:stretch/>
+        </a:blipFill>
+        <a:effectLst/>
+      </p:bgPr>
+    </p:bg>
+    <p:spTree>
+      <p:nvGrpSpPr>
+        <p:cNvPr id="1" name=""/>
+        <p:cNvGrpSpPr/>
+        <p:nvPr/>
+      </p:nvGrpSpPr>
+      <p:grpSpPr>
+        <a:xfrm>
+          <a:off x="0" y="0"/>
+          <a:ext cx="0" cy="0"/>
+          <a:chOff x="0" y="0"/>
+          <a:chExt cx="0" cy="0"/>
+        </a:xfrm>
+      </p:grpSpPr>
+      <p:sp>
+        <p:nvSpPr>
+          <p:cNvPr id="79" name="TextShape 1"/>
+          <p:cNvSpPr txBox="1"/>
+          <p:nvPr/>
+        </p:nvSpPr>
+        <p:spPr>
+          <a:xfrm>
+            <a:off x="504000" y="301320"/>
+            <a:ext cx="9071640" cy="1262160"/>
+          </a:xfrm>
+          <a:prstGeom prst="rect">
+            <a:avLst/>
+          </a:prstGeom>
+          <a:noFill/>
+          <a:ln>
+            <a:noFill/>
+          </a:ln>
+        </p:spPr>
+        <p:txBody>
+          <a:bodyPr lIns="0" tIns="0" rIns="0" bIns="0" anchor="ctr"/>
+          <a:lstStyle/>
+          <a:p>
+            <a:pPr algn="ctr"/>
+            <a:r>
+              <a:rPr lang="en-US" sz="4400" dirty="0">
+                <a:ln>
+                  <a:solidFill>
+                    <a:schemeClr val="tx1"/>
+                  </a:solidFill>
+                </a:ln>
+                <a:latin typeface="Arial"/>
+              </a:rPr>
+              <a:t>Cost Estimation</a:t>
+            </a:r>
+            <a:endParaRPr dirty="0">
+              <a:ln>
+                <a:solidFill>
+                  <a:schemeClr val="tx1"/>
+                </a:solidFill>
+              </a:ln>
+            </a:endParaRPr>
+          </a:p>
+        </p:txBody>
+      </p:sp>
+      <p:sp>
+        <p:nvSpPr>
+          <p:cNvPr id="80" name="TextShape 2"/>
+          <p:cNvSpPr txBox="1"/>
+          <p:nvPr/>
+        </p:nvSpPr>
+        <p:spPr>
+          <a:xfrm>
+            <a:off x="504000" y="2068843"/>
+            <a:ext cx="9071640" cy="4384440"/>
+          </a:xfrm>
+          <a:prstGeom prst="rect">
+            <a:avLst/>
+          </a:prstGeom>
+          <a:noFill/>
+          <a:ln>
+            <a:noFill/>
+          </a:ln>
+        </p:spPr>
+        <p:txBody>
+          <a:bodyPr lIns="0" tIns="0" rIns="0" bIns="0"/>
+          <a:lstStyle/>
+          <a:p>
+            <a:pPr marL="457200" indent="-457200">
+              <a:buSzPct val="100000"/>
+              <a:buFont typeface="Wingdings" panose="05000000000000000000" pitchFamily="2" charset="2"/>
+              <a:buChar char="Ø"/>
+            </a:pPr>
+            <a:r>
+              <a:rPr lang="en-US" sz="3200" dirty="0" smtClean="0">
+                <a:latin typeface="Arial"/>
+              </a:rPr>
+              <a:t>Low </a:t>
+            </a:r>
+            <a:r>
+              <a:rPr lang="en-US" sz="3200" dirty="0">
+                <a:latin typeface="Arial"/>
+              </a:rPr>
+              <a:t>Immediate Cost</a:t>
+            </a:r>
+            <a:r>
+              <a:rPr lang="en-US" sz="3200" dirty="0" smtClean="0">
+                <a:latin typeface="Arial"/>
+              </a:rPr>
+              <a:t>.</a:t>
+            </a:r>
+          </a:p>
+          <a:p>
+            <a:pPr marL="914400" lvl="1" indent="-457200">
+              <a:buSzPct val="100000"/>
+              <a:buFont typeface="Arial" panose="020B0604020202020204" pitchFamily="34" charset="0"/>
+              <a:buChar char="•"/>
+            </a:pPr>
+            <a:r>
+              <a:rPr lang="en-US" sz="3200" dirty="0" smtClean="0">
+                <a:latin typeface="Arial"/>
+              </a:rPr>
+              <a:t>Free </a:t>
+            </a:r>
+            <a:r>
+              <a:rPr lang="en-US" sz="3200" dirty="0">
+                <a:latin typeface="Arial"/>
+              </a:rPr>
+              <a:t>IDE and Development Kit.</a:t>
+            </a:r>
+            <a:endParaRPr dirty="0"/>
+          </a:p>
+          <a:p>
+            <a:pPr marL="914400" lvl="1" indent="-457200">
+              <a:buSzPct val="100000"/>
+              <a:buFont typeface="Arial" panose="020B0604020202020204" pitchFamily="34" charset="0"/>
+              <a:buChar char="•"/>
+            </a:pPr>
+            <a:r>
+              <a:rPr lang="en-US" sz="3200" dirty="0" smtClean="0">
+                <a:latin typeface="Arial"/>
+              </a:rPr>
+              <a:t>Server Hosting(~$50)</a:t>
+            </a:r>
+            <a:endParaRPr dirty="0"/>
+          </a:p>
+          <a:p>
+            <a:pPr marL="914400" lvl="1" indent="-457200">
+              <a:buSzPct val="100000"/>
+              <a:buFont typeface="Arial" panose="020B0604020202020204" pitchFamily="34" charset="0"/>
+              <a:buChar char="•"/>
+            </a:pPr>
+            <a:r>
+              <a:rPr lang="en-US" sz="3200" dirty="0" smtClean="0">
+                <a:latin typeface="Arial"/>
+              </a:rPr>
+              <a:t>App </a:t>
+            </a:r>
+            <a:r>
+              <a:rPr lang="en-US" sz="3200" dirty="0">
+                <a:latin typeface="Arial"/>
+              </a:rPr>
+              <a:t>Store </a:t>
+            </a:r>
+            <a:r>
+              <a:rPr lang="en-US" sz="3200" dirty="0" smtClean="0">
+                <a:latin typeface="Arial"/>
+              </a:rPr>
+              <a:t>fee</a:t>
+            </a:r>
+            <a:r>
+              <a:rPr lang="en-US" sz="3200" dirty="0">
+                <a:latin typeface="Arial"/>
+              </a:rPr>
+              <a:t> </a:t>
+            </a:r>
+            <a:r>
+              <a:rPr lang="en-US" sz="3200" dirty="0" smtClean="0">
+                <a:latin typeface="Arial"/>
+              </a:rPr>
+              <a:t>(~$25)</a:t>
+            </a:r>
+          </a:p>
+          <a:p>
+            <a:pPr marL="514350" indent="-514350">
+              <a:buSzPct val="100000"/>
+              <a:buFont typeface="Wingdings" panose="05000000000000000000" pitchFamily="2" charset="2"/>
+              <a:buChar char="Ø"/>
+            </a:pPr>
+            <a:r>
+              <a:rPr lang="en-US" sz="3200" dirty="0" smtClean="0">
+                <a:latin typeface="Arial"/>
+              </a:rPr>
+              <a:t>Individual Labor Hours = 5 Hours per Week * 23 Weeks * 4 Members = 460 Hours</a:t>
+            </a:r>
+          </a:p>
+          <a:p>
+            <a:pPr marL="457200" indent="-457200">
+              <a:buSzPct val="100000"/>
+              <a:buFont typeface="Wingdings" panose="05000000000000000000" pitchFamily="2" charset="2"/>
+              <a:buChar char="Ø"/>
+            </a:pPr>
+            <a:r>
+              <a:rPr lang="en-US" sz="3200" dirty="0" smtClean="0">
+                <a:latin typeface="Arial"/>
+              </a:rPr>
+              <a:t>Meeting Hours = </a:t>
+            </a:r>
+            <a:r>
+              <a:rPr lang="en-US" sz="3200" dirty="0">
+                <a:latin typeface="Arial"/>
+              </a:rPr>
+              <a:t>2 Hours per </a:t>
+            </a:r>
+            <a:r>
+              <a:rPr lang="en-US" sz="3200" dirty="0" smtClean="0">
+                <a:latin typeface="Arial"/>
+              </a:rPr>
+              <a:t>Day * 2 Days per Week * 23 Weeks = 92 Hours</a:t>
+            </a:r>
+          </a:p>
+          <a:p>
+            <a:pPr>
+              <a:buSzPct val="45000"/>
+            </a:pPr>
             <a:endParaRPr dirty="0"/>
           </a:p>
         </p:txBody>
@@ -14966,6 +15432,30 @@
 <file path=ppt/slides/slide2.xml><?xml version="1.0" encoding="utf-8"?>
 <p:sld xmlns:a="http://schemas.openxmlformats.org/drawingml/2006/main" xmlns:r="http://schemas.openxmlformats.org/officeDocument/2006/relationships" xmlns:p="http://schemas.openxmlformats.org/presentationml/2006/main">
   <p:cSld>
+    <p:bg>
+      <p:bgPr>
+        <a:blipFill>
+          <a:blip r:embed="rId2">
+            <a:duotone>
+              <a:schemeClr val="bg2">
+                <a:shade val="88000"/>
+                <a:hueMod val="106000"/>
+                <a:satMod val="140000"/>
+                <a:lumMod val="54000"/>
+              </a:schemeClr>
+              <a:schemeClr val="bg2">
+                <a:tint val="98000"/>
+                <a:hueMod val="90000"/>
+                <a:satMod val="150000"/>
+                <a:lumMod val="160000"/>
+              </a:schemeClr>
+            </a:duotone>
+          </a:blip>
+          <a:stretch/>
+        </a:blipFill>
+        <a:effectLst/>
+      </p:bgPr>
+    </p:bg>
     <p:spTree>
       <p:nvGrpSpPr>
         <p:cNvPr id="1" name=""/>
@@ -14982,7 +15472,135 @@
       </p:grpSpPr>
       <p:sp>
         <p:nvSpPr>
-          <p:cNvPr id="65" name="TextShape 1"/>
+          <p:cNvPr id="2" name="Title 1"/>
+          <p:cNvSpPr>
+            <a:spLocks noGrp="1"/>
+          </p:cNvSpPr>
+          <p:nvPr>
+            <p:ph type="title"/>
+          </p:nvPr>
+        </p:nvSpPr>
+        <p:spPr/>
+        <p:txBody>
+          <a:bodyPr/>
+          <a:lstStyle/>
+          <a:p>
+            <a:pPr algn="ctr"/>
+            <a:r>
+              <a:rPr lang="en-US" sz="4000" dirty="0">
+                <a:ln>
+                  <a:solidFill>
+                    <a:schemeClr val="tx1"/>
+                  </a:solidFill>
+                </a:ln>
+                <a:latin typeface="Arial"/>
+              </a:rPr>
+              <a:t>Project </a:t>
+            </a:r>
+            <a:r>
+              <a:rPr lang="en-US" sz="4000" dirty="0" smtClean="0">
+                <a:ln>
+                  <a:solidFill>
+                    <a:schemeClr val="tx1"/>
+                  </a:solidFill>
+                </a:ln>
+                <a:latin typeface="Arial"/>
+              </a:rPr>
+              <a:t>Summary</a:t>
+            </a:r>
+            <a:endParaRPr lang="en-US" dirty="0">
+              <a:ln>
+                <a:solidFill>
+                  <a:schemeClr val="tx1"/>
+                </a:solidFill>
+              </a:ln>
+            </a:endParaRPr>
+          </a:p>
+        </p:txBody>
+      </p:sp>
+      <p:sp>
+        <p:nvSpPr>
+          <p:cNvPr id="3" name="Content Placeholder 2"/>
+          <p:cNvSpPr>
+            <a:spLocks noGrp="1"/>
+          </p:cNvSpPr>
+          <p:nvPr>
+            <p:ph idx="1"/>
+          </p:nvPr>
+        </p:nvSpPr>
+        <p:spPr/>
+        <p:txBody>
+          <a:bodyPr/>
+          <a:lstStyle/>
+          <a:p>
+            <a:pPr marL="0" indent="0">
+              <a:buNone/>
+            </a:pPr>
+            <a:r>
+              <a:rPr lang="en-US" dirty="0" smtClean="0"/>
+              <a:t>Develop an Android App that allows for quick navigation around the UAH Campus. </a:t>
+            </a:r>
+            <a:endParaRPr lang="en-US" dirty="0"/>
+          </a:p>
+        </p:txBody>
+      </p:sp>
+    </p:spTree>
+    <p:extLst>
+      <p:ext uri="{BB962C8B-B14F-4D97-AF65-F5344CB8AC3E}">
+        <p14:creationId xmlns:p14="http://schemas.microsoft.com/office/powerpoint/2010/main" val="2551089618"/>
+      </p:ext>
+    </p:extLst>
+  </p:cSld>
+  <p:clrMapOvr>
+    <a:masterClrMapping/>
+  </p:clrMapOvr>
+</p:sld>
+</file>
+
+<file path=ppt/slides/slide20.xml><?xml version="1.0" encoding="utf-8"?>
+<p:sld xmlns:a="http://schemas.openxmlformats.org/drawingml/2006/main" xmlns:r="http://schemas.openxmlformats.org/officeDocument/2006/relationships" xmlns:p="http://schemas.openxmlformats.org/presentationml/2006/main">
+  <p:cSld>
+    <p:bg>
+      <p:bgPr>
+        <a:blipFill>
+          <a:blip r:embed="rId2">
+            <a:duotone>
+              <a:schemeClr val="bg2">
+                <a:shade val="88000"/>
+                <a:hueMod val="106000"/>
+                <a:satMod val="140000"/>
+                <a:lumMod val="54000"/>
+              </a:schemeClr>
+              <a:schemeClr val="bg2">
+                <a:tint val="98000"/>
+                <a:hueMod val="90000"/>
+                <a:satMod val="150000"/>
+                <a:lumMod val="160000"/>
+              </a:schemeClr>
+            </a:duotone>
+          </a:blip>
+          <a:stretch/>
+        </a:blipFill>
+        <a:effectLst/>
+      </p:bgPr>
+    </p:bg>
+    <p:spTree>
+      <p:nvGrpSpPr>
+        <p:cNvPr id="1" name=""/>
+        <p:cNvGrpSpPr/>
+        <p:nvPr/>
+      </p:nvGrpSpPr>
+      <p:grpSpPr>
+        <a:xfrm>
+          <a:off x="0" y="0"/>
+          <a:ext cx="0" cy="0"/>
+          <a:chOff x="0" y="0"/>
+          <a:chExt cx="0" cy="0"/>
+        </a:xfrm>
+      </p:grpSpPr>
+      <p:sp>
+        <p:nvSpPr>
+          <p:cNvPr id="81" name="TextShape 1"/>
           <p:cNvSpPr txBox="1"/>
           <p:nvPr/>
         </p:nvSpPr>
@@ -15005,20 +15623,20 @@
           <a:p>
             <a:pPr algn="ctr"/>
             <a:r>
-              <a:rPr lang="en-US" sz="4400" dirty="0">
+              <a:rPr lang="en-US" sz="4400" dirty="0" smtClean="0">
                 <a:ln>
                   <a:solidFill>
-                    <a:schemeClr val="bg1"/>
+                    <a:schemeClr val="tx1"/>
                   </a:solidFill>
                 </a:ln>
                 <a:latin typeface="Arial"/>
               </a:rPr>
-              <a:t>Project Summary</a:t>
+              <a:t>Final Project Deliverables</a:t>
             </a:r>
             <a:endParaRPr dirty="0">
               <a:ln>
                 <a:solidFill>
-                  <a:schemeClr val="bg1"/>
+                  <a:schemeClr val="tx1"/>
                 </a:solidFill>
               </a:ln>
             </a:endParaRPr>
@@ -15027,13 +15645,13 @@
       </p:sp>
       <p:sp>
         <p:nvSpPr>
-          <p:cNvPr id="66" name="TextShape 2"/>
+          <p:cNvPr id="82" name="TextShape 2"/>
           <p:cNvSpPr txBox="1"/>
           <p:nvPr/>
         </p:nvSpPr>
         <p:spPr>
           <a:xfrm>
-            <a:off x="504000" y="1769040"/>
+            <a:off x="504000" y="2173775"/>
             <a:ext cx="9071640" cy="4384440"/>
           </a:xfrm>
           <a:prstGeom prst="rect">
@@ -15049,263 +15667,96 @@
           <a:lstStyle/>
           <a:p>
             <a:pPr marL="457200" indent="-457200">
-              <a:buSzPct val="65000"/>
+              <a:buSzPct val="100000"/>
               <a:buFont typeface="Wingdings" panose="05000000000000000000" pitchFamily="2" charset="2"/>
               <a:buChar char="Ø"/>
             </a:pPr>
             <a:r>
-              <a:rPr lang="en-US" sz="2000" dirty="0"/>
-              <a:t>The UAH Navigational Application will give users the luxury of having a refinement of the Google Maps API that will lead users to their desired location within the UAH Campus. This concept can be expanded to work with additional buildings that are not inside of the UAH Campus. This project is also an opportunity for new students and visitors to get quickly used to UAH campus map, or even current students or alumni in case of new buildings or changes in campus map. The Application will allow users to search for their destination by typing in the Class ID, Room Number, or Building ID, and will lead the user to the room. The navigation will be primarily GPS-based. If the GPS loses signal while inside a building, the App will offer an alternative turn-by-turn text-based solution.  This Application will focus on development for Android-compatible devices. If the user types in a Class ID, the application will also display information about the class like the time and day it is offered, information about the instructor pulled from the UAH website, and the Room Number associated with the class.</a:t>
-            </a:r>
-            <a:endParaRPr sz="2000" dirty="0"/>
-          </a:p>
-        </p:txBody>
-      </p:sp>
-    </p:spTree>
-  </p:cSld>
-  <p:clrMapOvr>
-    <a:masterClrMapping/>
-  </p:clrMapOvr>
-  <p:timing>
-    <p:tnLst>
-      <p:par>
-        <p:cTn id="1" dur="indefinite" restart="never" nodeType="tmRoot">
-          <p:childTnLst>
-            <p:seq>
-              <p:cTn id="2" nodeType="mainSeq"/>
-              <p:prevCondLst>
-                <p:cond evt="onPrev" delay="0">
-                  <p:tgtEl>
-                    <p:sldTgt/>
-                  </p:tgtEl>
-                </p:cond>
-              </p:prevCondLst>
-              <p:nextCondLst>
-                <p:cond evt="onNext" delay="0">
-                  <p:tgtEl>
-                    <p:sldTgt/>
-                  </p:tgtEl>
-                </p:cond>
-              </p:nextCondLst>
-            </p:seq>
-          </p:childTnLst>
-        </p:cTn>
-      </p:par>
-    </p:tnLst>
-  </p:timing>
-</p:sld>
-</file>
-
-<file path=ppt/slides/slide20.xml><?xml version="1.0" encoding="utf-8"?>
-<p:sld xmlns:a="http://schemas.openxmlformats.org/drawingml/2006/main" xmlns:r="http://schemas.openxmlformats.org/officeDocument/2006/relationships" xmlns:p="http://schemas.openxmlformats.org/presentationml/2006/main">
-  <p:cSld>
-    <p:spTree>
-      <p:nvGrpSpPr>
-        <p:cNvPr id="1" name=""/>
-        <p:cNvGrpSpPr/>
-        <p:nvPr/>
-      </p:nvGrpSpPr>
-      <p:grpSpPr>
-        <a:xfrm>
-          <a:off x="0" y="0"/>
-          <a:ext cx="0" cy="0"/>
-          <a:chOff x="0" y="0"/>
-          <a:chExt cx="0" cy="0"/>
-        </a:xfrm>
-      </p:grpSpPr>
-      <p:sp>
-        <p:nvSpPr>
-          <p:cNvPr id="79" name="TextShape 1"/>
-          <p:cNvSpPr txBox="1"/>
-          <p:nvPr/>
-        </p:nvSpPr>
-        <p:spPr>
-          <a:xfrm>
-            <a:off x="504000" y="301320"/>
-            <a:ext cx="9071640" cy="1262160"/>
-          </a:xfrm>
-          <a:prstGeom prst="rect">
-            <a:avLst/>
-          </a:prstGeom>
-          <a:noFill/>
-          <a:ln>
-            <a:noFill/>
-          </a:ln>
-        </p:spPr>
-        <p:txBody>
-          <a:bodyPr lIns="0" tIns="0" rIns="0" bIns="0" anchor="ctr"/>
-          <a:lstStyle/>
-          <a:p>
-            <a:pPr algn="ctr"/>
-            <a:r>
-              <a:rPr lang="en-US" sz="4400" dirty="0">
-                <a:ln>
-                  <a:solidFill>
-                    <a:schemeClr val="bg1"/>
-                  </a:solidFill>
-                </a:ln>
-                <a:latin typeface="Arial"/>
-              </a:rPr>
-              <a:t>Cost Estimation</a:t>
-            </a:r>
-            <a:endParaRPr dirty="0">
-              <a:ln>
-                <a:solidFill>
-                  <a:schemeClr val="bg1"/>
-                </a:solidFill>
-              </a:ln>
-            </a:endParaRPr>
-          </a:p>
-        </p:txBody>
-      </p:sp>
-      <p:sp>
-        <p:nvSpPr>
-          <p:cNvPr id="80" name="TextShape 2"/>
-          <p:cNvSpPr txBox="1"/>
-          <p:nvPr/>
-        </p:nvSpPr>
-        <p:spPr>
-          <a:xfrm>
-            <a:off x="504000" y="1769040"/>
-            <a:ext cx="9071640" cy="4384440"/>
-          </a:xfrm>
-          <a:prstGeom prst="rect">
-            <a:avLst/>
-          </a:prstGeom>
-          <a:noFill/>
-          <a:ln>
-            <a:noFill/>
-          </a:ln>
-        </p:spPr>
-        <p:txBody>
-          <a:bodyPr lIns="0" tIns="0" rIns="0" bIns="0"/>
-          <a:lstStyle/>
+              <a:rPr lang="en-US" sz="3200" dirty="0">
+                <a:latin typeface="Arial"/>
+              </a:rPr>
+              <a:t>Fully </a:t>
+            </a:r>
+            <a:r>
+              <a:rPr lang="en-US" sz="3200" dirty="0" smtClean="0">
+                <a:latin typeface="Arial"/>
+              </a:rPr>
+              <a:t>functional </a:t>
+            </a:r>
+            <a:r>
+              <a:rPr lang="en-US" sz="3200" dirty="0">
+                <a:latin typeface="Arial"/>
+              </a:rPr>
+              <a:t>i</a:t>
+            </a:r>
+            <a:r>
+              <a:rPr lang="en-US" sz="3200" dirty="0" smtClean="0">
+                <a:latin typeface="Arial"/>
+              </a:rPr>
+              <a:t>ndoor </a:t>
+            </a:r>
+            <a:r>
+              <a:rPr lang="en-US" sz="3200" dirty="0">
+                <a:latin typeface="Arial"/>
+              </a:rPr>
+              <a:t>UAH Navigational App for Android </a:t>
+            </a:r>
+            <a:r>
+              <a:rPr lang="en-US" sz="3200" dirty="0" smtClean="0">
+                <a:latin typeface="Arial"/>
+              </a:rPr>
+              <a:t>Devices.</a:t>
+            </a:r>
+            <a:endParaRPr dirty="0"/>
+          </a:p>
           <a:p>
             <a:pPr marL="457200" indent="-457200">
-              <a:buSzPct val="65000"/>
+              <a:buSzPct val="100000"/>
               <a:buFont typeface="Wingdings" panose="05000000000000000000" pitchFamily="2" charset="2"/>
               <a:buChar char="Ø"/>
             </a:pPr>
             <a:r>
+              <a:rPr lang="en-US" sz="3200" dirty="0" smtClean="0">
+                <a:latin typeface="Arial"/>
+              </a:rPr>
+              <a:t>Ready </a:t>
+            </a:r>
+            <a:r>
               <a:rPr lang="en-US" sz="3200" dirty="0">
                 <a:latin typeface="Arial"/>
               </a:rPr>
-              <a:t>Little to No Immediate Cost</a:t>
+              <a:t>to </a:t>
             </a:r>
             <a:r>
               <a:rPr lang="en-US" sz="3200" dirty="0" smtClean="0">
                 <a:latin typeface="Arial"/>
               </a:rPr>
-              <a:t>.</a:t>
-            </a:r>
-          </a:p>
-          <a:p>
-            <a:pPr>
-              <a:buSzPct val="45000"/>
-            </a:pPr>
+              <a:t>download </a:t>
+            </a:r>
             <a:r>
               <a:rPr lang="en-US" sz="3200" dirty="0">
                 <a:latin typeface="Arial"/>
               </a:rPr>
-              <a:t> </a:t>
+              <a:t>to m</a:t>
             </a:r>
             <a:r>
               <a:rPr lang="en-US" sz="3200" dirty="0" smtClean="0">
                 <a:latin typeface="Arial"/>
               </a:rPr>
-              <a:t>  –</a:t>
+              <a:t>ost </a:t>
             </a:r>
             <a:r>
               <a:rPr lang="en-US" sz="3200" dirty="0">
                 <a:latin typeface="Arial"/>
               </a:rPr>
-              <a:t>Free IDE and Development Kit.</a:t>
-            </a:r>
-            <a:endParaRPr dirty="0"/>
-          </a:p>
-          <a:p>
-            <a:pPr>
-              <a:buSzPct val="45000"/>
-            </a:pPr>
+              <a:t>A</a:t>
+            </a:r>
             <a:r>
               <a:rPr lang="en-US" sz="3200" dirty="0" smtClean="0">
                 <a:latin typeface="Arial"/>
               </a:rPr>
-              <a:t>   –</a:t>
-            </a:r>
-            <a:r>
-              <a:rPr lang="en-US" sz="3200" dirty="0">
-                <a:latin typeface="Arial"/>
-              </a:rPr>
-              <a:t>Localized Server for Initial Roll-Out.</a:t>
-            </a:r>
-            <a:endParaRPr dirty="0"/>
-          </a:p>
-          <a:p>
-            <a:pPr>
-              <a:buSzPct val="45000"/>
-            </a:pPr>
-            <a:r>
-              <a:rPr lang="en-US" sz="3200" dirty="0" smtClean="0">
-                <a:latin typeface="Arial"/>
-              </a:rPr>
-              <a:t>   –</a:t>
-            </a:r>
-            <a:r>
-              <a:rPr lang="en-US" sz="3200" dirty="0">
-                <a:latin typeface="Arial"/>
-              </a:rPr>
-              <a:t>Small Initial App Store fee. (Google Play, etc</a:t>
-            </a:r>
-            <a:r>
-              <a:rPr lang="en-US" sz="3200" dirty="0" smtClean="0">
-                <a:latin typeface="Arial"/>
-              </a:rPr>
-              <a:t>.)</a:t>
-            </a:r>
-          </a:p>
-          <a:p>
-            <a:pPr marL="514350" indent="-514350">
-              <a:buSzPct val="65000"/>
-              <a:buFont typeface="Wingdings" panose="05000000000000000000" pitchFamily="2" charset="2"/>
-              <a:buChar char="Ø"/>
-            </a:pPr>
-            <a:r>
-              <a:rPr lang="en-US" sz="3200" dirty="0" smtClean="0">
-                <a:latin typeface="Arial"/>
-              </a:rPr>
-              <a:t>Individual Labor Hours = 5 Hours per Week * 23 Weeks * 4 Members = 460 Hours</a:t>
-            </a:r>
-          </a:p>
-          <a:p>
-            <a:pPr marL="457200" indent="-457200">
-              <a:buSzPct val="65000"/>
-              <a:buFont typeface="Wingdings" panose="05000000000000000000" pitchFamily="2" charset="2"/>
-              <a:buChar char="Ø"/>
-            </a:pPr>
-            <a:r>
-              <a:rPr lang="en-US" sz="3200" dirty="0" smtClean="0">
-                <a:latin typeface="Arial"/>
-              </a:rPr>
-              <a:t>Meeting Hours = </a:t>
-            </a:r>
-            <a:r>
-              <a:rPr lang="en-US" sz="3200" dirty="0">
-                <a:latin typeface="Arial"/>
-              </a:rPr>
-              <a:t>2 Hours per </a:t>
-            </a:r>
-            <a:r>
-              <a:rPr lang="en-US" sz="3200" dirty="0" smtClean="0">
-                <a:latin typeface="Arial"/>
-              </a:rPr>
-              <a:t>Day * 2 Days per Week * 23 Weeks = 92 Hours</a:t>
-            </a:r>
-          </a:p>
-          <a:p>
-            <a:pPr>
-              <a:buSzPct val="45000"/>
-            </a:pPr>
+              <a:t>ndroid Devices.</a:t>
+            </a:r>
             <a:endParaRPr dirty="0"/>
           </a:p>
         </p:txBody>
@@ -15348,6 +15799,30 @@
 <file path=ppt/slides/slide21.xml><?xml version="1.0" encoding="utf-8"?>
 <p:sld xmlns:a="http://schemas.openxmlformats.org/drawingml/2006/main" xmlns:r="http://schemas.openxmlformats.org/officeDocument/2006/relationships" xmlns:p="http://schemas.openxmlformats.org/presentationml/2006/main">
   <p:cSld>
+    <p:bg>
+      <p:bgPr>
+        <a:blipFill>
+          <a:blip r:embed="rId2">
+            <a:duotone>
+              <a:schemeClr val="bg2">
+                <a:shade val="88000"/>
+                <a:hueMod val="106000"/>
+                <a:satMod val="140000"/>
+                <a:lumMod val="54000"/>
+              </a:schemeClr>
+              <a:schemeClr val="bg2">
+                <a:tint val="98000"/>
+                <a:hueMod val="90000"/>
+                <a:satMod val="150000"/>
+                <a:lumMod val="160000"/>
+              </a:schemeClr>
+            </a:duotone>
+          </a:blip>
+          <a:stretch/>
+        </a:blipFill>
+        <a:effectLst/>
+      </p:bgPr>
+    </p:bg>
     <p:spTree>
       <p:nvGrpSpPr>
         <p:cNvPr id="1" name=""/>
@@ -15364,7 +15839,7 @@
       </p:grpSpPr>
       <p:sp>
         <p:nvSpPr>
-          <p:cNvPr id="81" name="TextShape 1"/>
+          <p:cNvPr id="83" name="TextShape 1"/>
           <p:cNvSpPr txBox="1"/>
           <p:nvPr/>
         </p:nvSpPr>
@@ -15390,17 +15865,17 @@
               <a:rPr lang="en-US" sz="4400" dirty="0">
                 <a:ln>
                   <a:solidFill>
-                    <a:schemeClr val="bg1"/>
+                    <a:schemeClr val="tx1"/>
                   </a:solidFill>
                 </a:ln>
                 <a:latin typeface="Arial"/>
               </a:rPr>
-              <a:t>Current 496 Deliverables</a:t>
+              <a:t>Stretch Goals</a:t>
             </a:r>
             <a:endParaRPr dirty="0">
               <a:ln>
                 <a:solidFill>
-                  <a:schemeClr val="bg1"/>
+                  <a:schemeClr val="tx1"/>
                 </a:solidFill>
               </a:ln>
             </a:endParaRPr>
@@ -15409,13 +15884,13 @@
       </p:sp>
       <p:sp>
         <p:nvSpPr>
-          <p:cNvPr id="82" name="TextShape 2"/>
+          <p:cNvPr id="84" name="TextShape 2"/>
           <p:cNvSpPr txBox="1"/>
           <p:nvPr/>
         </p:nvSpPr>
         <p:spPr>
           <a:xfrm>
-            <a:off x="504000" y="1769040"/>
+            <a:off x="504000" y="2173774"/>
             <a:ext cx="9071640" cy="4384440"/>
           </a:xfrm>
           <a:prstGeom prst="rect">
@@ -15431,7 +15906,7 @@
           <a:lstStyle/>
           <a:p>
             <a:pPr marL="457200" indent="-457200">
-              <a:buSzPct val="65000"/>
+              <a:buSzPct val="100000"/>
               <a:buFont typeface="Wingdings" panose="05000000000000000000" pitchFamily="2" charset="2"/>
               <a:buChar char="Ø"/>
             </a:pPr>
@@ -15439,39 +15914,150 @@
               <a:rPr lang="en-US" sz="3200" dirty="0">
                 <a:latin typeface="Arial"/>
               </a:rPr>
-              <a:t>Fully Functional Indoor UAH Navigational App for Android </a:t>
+              <a:t>iOS </a:t>
             </a:r>
             <a:r>
               <a:rPr lang="en-US" sz="3200" dirty="0" smtClean="0">
                 <a:latin typeface="Arial"/>
               </a:rPr>
-              <a:t>Devices.</a:t>
-            </a:r>
-            <a:endParaRPr dirty="0"/>
-          </a:p>
-          <a:p>
-            <a:pPr marL="457200" indent="-457200">
-              <a:buSzPct val="65000"/>
+              <a:t>implementation </a:t>
+            </a:r>
+            <a:r>
+              <a:rPr lang="en-US" sz="3200" dirty="0">
+                <a:latin typeface="Arial"/>
+              </a:rPr>
+              <a:t>of App</a:t>
+            </a:r>
+            <a:r>
+              <a:rPr lang="en-US" sz="3200" dirty="0" smtClean="0">
+                <a:latin typeface="Arial"/>
+              </a:rPr>
+              <a:t>.</a:t>
+            </a:r>
+          </a:p>
+          <a:p>
+            <a:pPr marL="285750" indent="-285750">
+              <a:buSzPct val="100000"/>
               <a:buFont typeface="Wingdings" panose="05000000000000000000" pitchFamily="2" charset="2"/>
               <a:buChar char="Ø"/>
             </a:pPr>
             <a:r>
+              <a:rPr lang="en-US" sz="3200" dirty="0">
+                <a:latin typeface="Arial"/>
+              </a:rPr>
+              <a:t> </a:t>
+            </a:r>
+            <a:r>
               <a:rPr lang="en-US" sz="3200" dirty="0" smtClean="0">
                 <a:latin typeface="Arial"/>
               </a:rPr>
-              <a:t>Ready </a:t>
+              <a:t>Implementation of 3D interior </a:t>
             </a:r>
             <a:r>
               <a:rPr lang="en-US" sz="3200" dirty="0">
                 <a:latin typeface="Arial"/>
               </a:rPr>
-              <a:t>to Download to Most Android </a:t>
+              <a:t>m</a:t>
             </a:r>
             <a:r>
               <a:rPr lang="en-US" sz="3200" dirty="0" smtClean="0">
                 <a:latin typeface="Arial"/>
               </a:rPr>
-              <a:t>Devices.</a:t>
+              <a:t>aps.</a:t>
+            </a:r>
+            <a:endParaRPr dirty="0"/>
+          </a:p>
+          <a:p>
+            <a:pPr marL="457200" indent="-457200">
+              <a:buSzPct val="100000"/>
+              <a:buFont typeface="Wingdings" panose="05000000000000000000" pitchFamily="2" charset="2"/>
+              <a:buChar char="Ø"/>
+            </a:pPr>
+            <a:r>
+              <a:rPr lang="en-US" sz="3200" dirty="0" smtClean="0">
+                <a:latin typeface="Arial"/>
+              </a:rPr>
+              <a:t>Experiment with </a:t>
+            </a:r>
+            <a:r>
+              <a:rPr lang="en-US" sz="3200" dirty="0">
+                <a:latin typeface="Arial"/>
+              </a:rPr>
+              <a:t>GPS </a:t>
+            </a:r>
+            <a:r>
+              <a:rPr lang="en-US" sz="3200" dirty="0" smtClean="0">
+                <a:latin typeface="Arial"/>
+              </a:rPr>
+              <a:t>Repeater for indoor </a:t>
+            </a:r>
+            <a:r>
+              <a:rPr lang="en-US" sz="3200" dirty="0">
+                <a:latin typeface="Arial"/>
+              </a:rPr>
+              <a:t>n</a:t>
+            </a:r>
+            <a:r>
+              <a:rPr lang="en-US" sz="3200" dirty="0" smtClean="0">
+                <a:latin typeface="Arial"/>
+              </a:rPr>
+              <a:t>avigation. (~$200 each)</a:t>
+            </a:r>
+            <a:endParaRPr dirty="0"/>
+          </a:p>
+          <a:p>
+            <a:pPr marL="457200" indent="-457200">
+              <a:buSzPct val="100000"/>
+              <a:buFont typeface="Wingdings" panose="05000000000000000000" pitchFamily="2" charset="2"/>
+              <a:buChar char="Ø"/>
+            </a:pPr>
+            <a:r>
+              <a:rPr lang="en-US" sz="3200" dirty="0">
+                <a:latin typeface="Arial"/>
+              </a:rPr>
+              <a:t>Implement </a:t>
+            </a:r>
+            <a:r>
+              <a:rPr lang="en-US" sz="3200" dirty="0" smtClean="0">
+                <a:latin typeface="Arial"/>
+              </a:rPr>
+              <a:t>additional </a:t>
+            </a:r>
+            <a:r>
+              <a:rPr lang="en-US" sz="3200" dirty="0">
+                <a:latin typeface="Arial"/>
+              </a:rPr>
+              <a:t>f</a:t>
+            </a:r>
+            <a:r>
+              <a:rPr lang="en-US" sz="3200" dirty="0" smtClean="0">
+                <a:latin typeface="Arial"/>
+              </a:rPr>
+              <a:t>eatures, </a:t>
+            </a:r>
+            <a:r>
+              <a:rPr lang="en-US" sz="3200" dirty="0">
+                <a:latin typeface="Arial"/>
+              </a:rPr>
+              <a:t>i.e. </a:t>
+            </a:r>
+            <a:r>
+              <a:rPr lang="en-US" sz="3200" dirty="0" smtClean="0">
+                <a:latin typeface="Arial"/>
+              </a:rPr>
+              <a:t>Scheduler</a:t>
+            </a:r>
+            <a:r>
+              <a:rPr lang="en-US" sz="3200" dirty="0">
+                <a:latin typeface="Arial"/>
+              </a:rPr>
+              <a:t>, </a:t>
+            </a:r>
+            <a:r>
+              <a:rPr lang="en-US" sz="3200" dirty="0" smtClean="0">
+                <a:latin typeface="Arial"/>
+              </a:rPr>
+              <a:t>Textbook, Roommate, and Class information.</a:t>
             </a:r>
             <a:endParaRPr dirty="0"/>
           </a:p>
@@ -15515,169 +16101,30 @@
 <file path=ppt/slides/slide22.xml><?xml version="1.0" encoding="utf-8"?>
 <p:sld xmlns:a="http://schemas.openxmlformats.org/drawingml/2006/main" xmlns:r="http://schemas.openxmlformats.org/officeDocument/2006/relationships" xmlns:p="http://schemas.openxmlformats.org/presentationml/2006/main">
   <p:cSld>
-    <p:spTree>
-      <p:nvGrpSpPr>
-        <p:cNvPr id="1" name=""/>
-        <p:cNvGrpSpPr/>
-        <p:nvPr/>
-      </p:nvGrpSpPr>
-      <p:grpSpPr>
-        <a:xfrm>
-          <a:off x="0" y="0"/>
-          <a:ext cx="0" cy="0"/>
-          <a:chOff x="0" y="0"/>
-          <a:chExt cx="0" cy="0"/>
-        </a:xfrm>
-      </p:grpSpPr>
-      <p:sp>
-        <p:nvSpPr>
-          <p:cNvPr id="83" name="TextShape 1"/>
-          <p:cNvSpPr txBox="1"/>
-          <p:nvPr/>
-        </p:nvSpPr>
-        <p:spPr>
-          <a:xfrm>
-            <a:off x="504000" y="301320"/>
-            <a:ext cx="9071640" cy="1262160"/>
-          </a:xfrm>
-          <a:prstGeom prst="rect">
-            <a:avLst/>
-          </a:prstGeom>
-          <a:noFill/>
-          <a:ln>
-            <a:noFill/>
-          </a:ln>
-        </p:spPr>
-        <p:txBody>
-          <a:bodyPr lIns="0" tIns="0" rIns="0" bIns="0" anchor="ctr"/>
-          <a:lstStyle/>
-          <a:p>
-            <a:pPr algn="ctr"/>
-            <a:r>
-              <a:rPr lang="en-US" sz="4400" dirty="0">
-                <a:ln>
-                  <a:solidFill>
-                    <a:schemeClr val="bg1"/>
-                  </a:solidFill>
-                </a:ln>
-                <a:latin typeface="Arial"/>
-              </a:rPr>
-              <a:t>Stretch Goals</a:t>
-            </a:r>
-            <a:endParaRPr dirty="0">
-              <a:ln>
-                <a:solidFill>
-                  <a:schemeClr val="bg1"/>
-                </a:solidFill>
-              </a:ln>
-            </a:endParaRPr>
-          </a:p>
-        </p:txBody>
-      </p:sp>
-      <p:sp>
-        <p:nvSpPr>
-          <p:cNvPr id="84" name="TextShape 2"/>
-          <p:cNvSpPr txBox="1"/>
-          <p:nvPr/>
-        </p:nvSpPr>
-        <p:spPr>
-          <a:xfrm>
-            <a:off x="504000" y="1769040"/>
-            <a:ext cx="9071640" cy="4384440"/>
-          </a:xfrm>
-          <a:prstGeom prst="rect">
-            <a:avLst/>
-          </a:prstGeom>
-          <a:noFill/>
-          <a:ln>
-            <a:noFill/>
-          </a:ln>
-        </p:spPr>
-        <p:txBody>
-          <a:bodyPr lIns="0" tIns="0" rIns="0" bIns="0"/>
-          <a:lstStyle/>
-          <a:p>
-            <a:pPr marL="457200" indent="-457200">
-              <a:buSzPct val="65000"/>
-              <a:buFont typeface="Wingdings" panose="05000000000000000000" pitchFamily="2" charset="2"/>
-              <a:buChar char="Ø"/>
-            </a:pPr>
-            <a:r>
-              <a:rPr lang="en-US" sz="3200" dirty="0">
-                <a:latin typeface="Arial"/>
-              </a:rPr>
-              <a:t>iOS Implementation of App.</a:t>
-            </a:r>
-            <a:endParaRPr dirty="0"/>
-          </a:p>
-          <a:p>
-            <a:pPr marL="457200" indent="-457200">
-              <a:buSzPct val="65000"/>
-              <a:buFont typeface="Wingdings" panose="05000000000000000000" pitchFamily="2" charset="2"/>
-              <a:buChar char="Ø"/>
-            </a:pPr>
-            <a:r>
-              <a:rPr lang="en-US" sz="3200" dirty="0">
-                <a:latin typeface="Arial"/>
-              </a:rPr>
-              <a:t>Implement GPS Chips into UAH Buildings to Boost GPS Signal to allow for Non-Text-Based Indoor Navigational Tracking.</a:t>
-            </a:r>
-            <a:endParaRPr dirty="0"/>
-          </a:p>
-          <a:p>
-            <a:pPr marL="457200" indent="-457200">
-              <a:buSzPct val="65000"/>
-              <a:buFont typeface="Wingdings" panose="05000000000000000000" pitchFamily="2" charset="2"/>
-              <a:buChar char="Ø"/>
-            </a:pPr>
-            <a:r>
-              <a:rPr lang="en-US" sz="3200" dirty="0">
-                <a:latin typeface="Arial"/>
-              </a:rPr>
-              <a:t>Implement Additional Features to create more of an All-in-One UAH App, i.e. Scheduler, Forums (for information about textbooks, roommates, class info.) and interface with Events App.</a:t>
-            </a:r>
-            <a:endParaRPr dirty="0"/>
-          </a:p>
-        </p:txBody>
-      </p:sp>
-    </p:spTree>
-  </p:cSld>
-  <p:clrMapOvr>
-    <a:masterClrMapping/>
-  </p:clrMapOvr>
-  <p:timing>
-    <p:tnLst>
-      <p:par>
-        <p:cTn id="1" dur="indefinite" restart="never" nodeType="tmRoot">
-          <p:childTnLst>
-            <p:seq>
-              <p:cTn id="2" nodeType="mainSeq"/>
-              <p:prevCondLst>
-                <p:cond evt="onPrev" delay="0">
-                  <p:tgtEl>
-                    <p:sldTgt/>
-                  </p:tgtEl>
-                </p:cond>
-              </p:prevCondLst>
-              <p:nextCondLst>
-                <p:cond evt="onNext" delay="0">
-                  <p:tgtEl>
-                    <p:sldTgt/>
-                  </p:tgtEl>
-                </p:cond>
-              </p:nextCondLst>
-            </p:seq>
-          </p:childTnLst>
-        </p:cTn>
-      </p:par>
-    </p:tnLst>
-  </p:timing>
-</p:sld>
-</file>
-
-<file path=ppt/slides/slide23.xml><?xml version="1.0" encoding="utf-8"?>
-<p:sld xmlns:a="http://schemas.openxmlformats.org/drawingml/2006/main" xmlns:r="http://schemas.openxmlformats.org/officeDocument/2006/relationships" xmlns:p="http://schemas.openxmlformats.org/presentationml/2006/main">
-  <p:cSld>
+    <p:bg>
+      <p:bgPr>
+        <a:blipFill>
+          <a:blip r:embed="rId2">
+            <a:duotone>
+              <a:schemeClr val="bg2">
+                <a:shade val="88000"/>
+                <a:hueMod val="106000"/>
+                <a:satMod val="140000"/>
+                <a:lumMod val="54000"/>
+              </a:schemeClr>
+              <a:schemeClr val="bg2">
+                <a:tint val="98000"/>
+                <a:hueMod val="90000"/>
+                <a:satMod val="150000"/>
+                <a:lumMod val="160000"/>
+              </a:schemeClr>
+            </a:duotone>
+          </a:blip>
+          <a:stretch/>
+        </a:blipFill>
+        <a:effectLst/>
+      </p:bgPr>
+    </p:bg>
     <p:spTree>
       <p:nvGrpSpPr>
         <p:cNvPr id="1" name=""/>
@@ -15702,37 +16149,19 @@
             <p:ph type="title"/>
           </p:nvPr>
         </p:nvSpPr>
-        <p:spPr/>
+        <p:spPr>
+          <a:xfrm>
+            <a:off x="3162291" y="2810404"/>
+            <a:ext cx="8190507" cy="1629850"/>
+          </a:xfrm>
+        </p:spPr>
         <p:txBody>
           <a:bodyPr/>
           <a:lstStyle/>
           <a:p>
             <a:r>
               <a:rPr lang="en-US" dirty="0" smtClean="0"/>
-              <a:t>Questions?!?1/1/1/!?!?!?</a:t>
-            </a:r>
-            <a:endParaRPr lang="en-US" dirty="0"/>
-          </a:p>
-        </p:txBody>
-      </p:sp>
-      <p:sp>
-        <p:nvSpPr>
-          <p:cNvPr id="3" name="Content Placeholder 2"/>
-          <p:cNvSpPr>
-            <a:spLocks noGrp="1"/>
-          </p:cNvSpPr>
-          <p:nvPr>
-            <p:ph idx="1"/>
-          </p:nvPr>
-        </p:nvSpPr>
-        <p:spPr/>
-        <p:txBody>
-          <a:bodyPr/>
-          <a:lstStyle/>
-          <a:p>
-            <a:r>
-              <a:rPr lang="en-US" dirty="0" smtClean="0"/>
-              <a:t>DO NOT EDIT#</a:t>
+              <a:t>Questions?</a:t>
             </a:r>
             <a:endParaRPr lang="en-US" dirty="0"/>
           </a:p>
@@ -15761,6 +16190,30 @@
 <file path=ppt/slides/slide3.xml><?xml version="1.0" encoding="utf-8"?>
 <p:sld xmlns:a="http://schemas.openxmlformats.org/drawingml/2006/main" xmlns:r="http://schemas.openxmlformats.org/officeDocument/2006/relationships" xmlns:p="http://schemas.openxmlformats.org/presentationml/2006/main">
   <p:cSld>
+    <p:bg>
+      <p:bgPr>
+        <a:blipFill>
+          <a:blip r:embed="rId2">
+            <a:duotone>
+              <a:schemeClr val="bg2">
+                <a:shade val="88000"/>
+                <a:hueMod val="106000"/>
+                <a:satMod val="140000"/>
+                <a:lumMod val="54000"/>
+              </a:schemeClr>
+              <a:schemeClr val="bg2">
+                <a:tint val="98000"/>
+                <a:hueMod val="90000"/>
+                <a:satMod val="150000"/>
+                <a:lumMod val="160000"/>
+              </a:schemeClr>
+            </a:duotone>
+          </a:blip>
+          <a:stretch/>
+        </a:blipFill>
+        <a:effectLst/>
+      </p:bgPr>
+    </p:bg>
     <p:spTree>
       <p:nvGrpSpPr>
         <p:cNvPr id="1" name=""/>
@@ -15803,7 +16256,7 @@
               <a:rPr lang="en-US" sz="4400" dirty="0" smtClean="0">
                 <a:ln>
                   <a:solidFill>
-                    <a:schemeClr val="bg1"/>
+                    <a:schemeClr val="tx1"/>
                   </a:solidFill>
                 </a:ln>
                 <a:latin typeface="Arial"/>
@@ -15813,7 +16266,7 @@
             <a:endParaRPr dirty="0">
               <a:ln>
                 <a:solidFill>
-                  <a:schemeClr val="bg1"/>
+                  <a:schemeClr val="tx1"/>
                 </a:solidFill>
               </a:ln>
             </a:endParaRPr>
@@ -15827,12 +16280,12 @@
           <p:nvPr/>
         </p:nvPicPr>
         <p:blipFill>
-          <a:blip r:embed="rId2"/>
+          <a:blip r:embed="rId3"/>
           <a:stretch/>
         </p:blipFill>
         <p:spPr>
           <a:xfrm>
-            <a:off x="1958580" y="4480560"/>
+            <a:off x="1958580" y="2352335"/>
             <a:ext cx="6162480" cy="2600280"/>
           </a:xfrm>
           <a:prstGeom prst="rect">
@@ -15852,7 +16305,7 @@
           <p:nvPr/>
         </p:nvPicPr>
         <p:blipFill>
-          <a:blip r:embed="rId3">
+          <a:blip r:embed="rId4">
             <a:extLst>
               <a:ext uri="{28A0092B-C50C-407E-A947-70E740481C1C}">
                 <a14:useLocalDpi xmlns:a14="http://schemas.microsoft.com/office/drawing/2010/main" val="0"/>
@@ -15971,7 +16424,7 @@
           <p:nvPr/>
         </p:nvPicPr>
         <p:blipFill>
-          <a:blip r:embed="rId4">
+          <a:blip r:embed="rId5">
             <a:extLst>
               <a:ext uri="{28A0092B-C50C-407E-A947-70E740481C1C}">
                 <a14:useLocalDpi xmlns:a14="http://schemas.microsoft.com/office/drawing/2010/main" val="0"/>
@@ -16360,6 +16813,30 @@
 <file path=ppt/slides/slide4.xml><?xml version="1.0" encoding="utf-8"?>
 <p:sld xmlns:a="http://schemas.openxmlformats.org/drawingml/2006/main" xmlns:r="http://schemas.openxmlformats.org/officeDocument/2006/relationships" xmlns:p="http://schemas.openxmlformats.org/presentationml/2006/main">
   <p:cSld>
+    <p:bg>
+      <p:bgPr>
+        <a:blipFill>
+          <a:blip r:embed="rId2">
+            <a:duotone>
+              <a:schemeClr val="bg2">
+                <a:shade val="88000"/>
+                <a:hueMod val="106000"/>
+                <a:satMod val="140000"/>
+                <a:lumMod val="54000"/>
+              </a:schemeClr>
+              <a:schemeClr val="bg2">
+                <a:tint val="98000"/>
+                <a:hueMod val="90000"/>
+                <a:satMod val="150000"/>
+                <a:lumMod val="160000"/>
+              </a:schemeClr>
+            </a:duotone>
+          </a:blip>
+          <a:stretch/>
+        </a:blipFill>
+        <a:effectLst/>
+      </p:bgPr>
+    </p:bg>
     <p:spTree>
       <p:nvGrpSpPr>
         <p:cNvPr id="1" name=""/>
@@ -16376,7 +16853,7 @@
       </p:grpSpPr>
       <p:sp>
         <p:nvSpPr>
-          <p:cNvPr id="41" name="TextShape 1"/>
+          <p:cNvPr id="77" name="TextShape 1"/>
           <p:cNvSpPr txBox="1"/>
           <p:nvPr/>
         </p:nvSpPr>
@@ -16402,17 +16879,17 @@
               <a:rPr lang="en-US" sz="4400" dirty="0" smtClean="0">
                 <a:ln>
                   <a:solidFill>
-                    <a:schemeClr val="bg1"/>
+                    <a:schemeClr val="tx1"/>
                   </a:solidFill>
                 </a:ln>
                 <a:latin typeface="Arial"/>
               </a:rPr>
-              <a:t>Executive Board</a:t>
+              <a:t>The Team</a:t>
             </a:r>
             <a:endParaRPr dirty="0">
               <a:ln>
                 <a:solidFill>
-                  <a:schemeClr val="bg1"/>
+                  <a:schemeClr val="tx1"/>
                 </a:solidFill>
               </a:ln>
             </a:endParaRPr>
@@ -16421,13 +16898,13 @@
       </p:sp>
       <p:sp>
         <p:nvSpPr>
-          <p:cNvPr id="42" name="TextShape 2"/>
+          <p:cNvPr id="78" name="TextShape 2"/>
           <p:cNvSpPr txBox="1"/>
           <p:nvPr/>
         </p:nvSpPr>
         <p:spPr>
           <a:xfrm>
-            <a:off x="504000" y="1769040"/>
+            <a:off x="514224" y="2207952"/>
             <a:ext cx="9071640" cy="4384440"/>
           </a:xfrm>
           <a:prstGeom prst="rect">
@@ -16443,47 +16920,47 @@
           <a:lstStyle/>
           <a:p>
             <a:pPr marL="457200" indent="-457200">
-              <a:buSzPct val="65000"/>
+              <a:buSzPct val="100000"/>
               <a:buFont typeface="Wingdings" panose="05000000000000000000" pitchFamily="2" charset="2"/>
               <a:buChar char="Ø"/>
             </a:pPr>
             <a:r>
-              <a:rPr lang="en-US" sz="3200" dirty="0">
-                <a:latin typeface="Arial"/>
-              </a:rPr>
-              <a:t>Adam Walters—Project </a:t>
-            </a:r>
-            <a:r>
               <a:rPr lang="en-US" sz="3200" dirty="0" smtClean="0">
                 <a:latin typeface="Arial"/>
               </a:rPr>
-              <a:t>Lead, CEO</a:t>
+              <a:t>Adam Walters - Project Lead. Navigation Lead.</a:t>
             </a:r>
             <a:endParaRPr dirty="0"/>
           </a:p>
           <a:p>
             <a:pPr marL="457200" indent="-457200">
-              <a:buSzPct val="65000"/>
+              <a:buSzPct val="100000"/>
               <a:buFont typeface="Wingdings" panose="05000000000000000000" pitchFamily="2" charset="2"/>
               <a:buChar char="Ø"/>
             </a:pPr>
             <a:r>
+              <a:rPr lang="en-US" sz="3200" dirty="0" smtClean="0">
+                <a:latin typeface="Arial"/>
+              </a:rPr>
+              <a:t>Jairo Arreola</a:t>
+            </a:r>
+            <a:r>
               <a:rPr lang="en-US" sz="3200" dirty="0">
                 <a:latin typeface="Arial"/>
               </a:rPr>
-              <a:t>Jairo Arreola—Server </a:t>
+              <a:t> </a:t>
             </a:r>
             <a:r>
               <a:rPr lang="en-US" sz="3200" dirty="0" smtClean="0">
                 <a:latin typeface="Arial"/>
               </a:rPr>
-              <a:t>Administrator, Fall Intern</a:t>
+              <a:t>- Server Administrator. Utility Programmer. </a:t>
             </a:r>
             <a:endParaRPr dirty="0"/>
           </a:p>
           <a:p>
             <a:pPr marL="457200" indent="-457200">
-              <a:buSzPct val="65000"/>
+              <a:buSzPct val="100000"/>
               <a:buFont typeface="Wingdings" panose="05000000000000000000" pitchFamily="2" charset="2"/>
               <a:buChar char="Ø"/>
             </a:pPr>
@@ -16491,27 +16968,26 @@
               <a:rPr lang="en-US" sz="3200" dirty="0">
                 <a:latin typeface="Arial"/>
               </a:rPr>
-              <a:t>Daniel Burris—Database </a:t>
+              <a:t>Daniel </a:t>
             </a:r>
             <a:r>
               <a:rPr lang="en-US" sz="3200" dirty="0" smtClean="0">
                 <a:latin typeface="Arial"/>
               </a:rPr>
-              <a:t>Manager, GM</a:t>
-            </a:r>
-            <a:endParaRPr dirty="0"/>
+              <a:t>Burris - Database Manager. Co-Navigational Assistant.</a:t>
+            </a:r>
           </a:p>
           <a:p>
             <a:pPr marL="457200" indent="-457200">
-              <a:buSzPct val="65000"/>
+              <a:buSzPct val="100000"/>
               <a:buFont typeface="Wingdings" panose="05000000000000000000" pitchFamily="2" charset="2"/>
               <a:buChar char="Ø"/>
             </a:pPr>
             <a:r>
-              <a:rPr lang="en-US" sz="3200" dirty="0" err="1">
-                <a:latin typeface="Arial"/>
-              </a:rPr>
-              <a:t>Komlan</a:t>
+              <a:rPr lang="en-US" sz="3200" dirty="0" smtClean="0">
+                <a:latin typeface="Arial"/>
+              </a:rPr>
+              <a:t>Komlan Maglo</a:t>
             </a:r>
             <a:r>
               <a:rPr lang="en-US" sz="3200" dirty="0">
@@ -16520,22 +16996,10 @@
               <a:t> </a:t>
             </a:r>
             <a:r>
-              <a:rPr lang="en-US" sz="3200" dirty="0" err="1">
-                <a:latin typeface="Arial"/>
-              </a:rPr>
-              <a:t>Maglo</a:t>
-            </a:r>
-            <a:r>
-              <a:rPr lang="en-US" sz="3200" dirty="0">
-                <a:latin typeface="Arial"/>
-              </a:rPr>
-              <a:t>—Interface </a:t>
-            </a:r>
-            <a:r>
               <a:rPr lang="en-US" sz="3200" dirty="0" smtClean="0">
                 <a:latin typeface="Arial"/>
               </a:rPr>
-              <a:t>Programmer, President</a:t>
+              <a:t>- Graphical Interface Designer.  </a:t>
             </a:r>
             <a:endParaRPr dirty="0"/>
           </a:p>
@@ -16579,183 +17043,30 @@
 <file path=ppt/slides/slide5.xml><?xml version="1.0" encoding="utf-8"?>
 <p:sld xmlns:a="http://schemas.openxmlformats.org/drawingml/2006/main" xmlns:r="http://schemas.openxmlformats.org/officeDocument/2006/relationships" xmlns:p="http://schemas.openxmlformats.org/presentationml/2006/main">
   <p:cSld>
-    <p:spTree>
-      <p:nvGrpSpPr>
-        <p:cNvPr id="1" name=""/>
-        <p:cNvGrpSpPr/>
-        <p:nvPr/>
-      </p:nvGrpSpPr>
-      <p:grpSpPr>
-        <a:xfrm>
-          <a:off x="0" y="0"/>
-          <a:ext cx="0" cy="0"/>
-          <a:chOff x="0" y="0"/>
-          <a:chExt cx="0" cy="0"/>
-        </a:xfrm>
-      </p:grpSpPr>
-      <p:sp>
-        <p:nvSpPr>
-          <p:cNvPr id="77" name="TextShape 1"/>
-          <p:cNvSpPr txBox="1"/>
-          <p:nvPr/>
-        </p:nvSpPr>
-        <p:spPr>
-          <a:xfrm>
-            <a:off x="504000" y="301320"/>
-            <a:ext cx="9071640" cy="1262160"/>
-          </a:xfrm>
-          <a:prstGeom prst="rect">
-            <a:avLst/>
-          </a:prstGeom>
-          <a:noFill/>
-          <a:ln>
-            <a:noFill/>
-          </a:ln>
-        </p:spPr>
-        <p:txBody>
-          <a:bodyPr lIns="0" tIns="0" rIns="0" bIns="0" anchor="ctr"/>
-          <a:lstStyle/>
-          <a:p>
-            <a:pPr algn="ctr"/>
-            <a:r>
-              <a:rPr lang="en-US" sz="4400" dirty="0">
-                <a:ln>
-                  <a:solidFill>
-                    <a:schemeClr val="bg1"/>
-                  </a:solidFill>
-                </a:ln>
-                <a:latin typeface="Arial"/>
-              </a:rPr>
-              <a:t>Individual Responsibility</a:t>
-            </a:r>
-            <a:endParaRPr dirty="0">
-              <a:ln>
-                <a:solidFill>
-                  <a:schemeClr val="bg1"/>
-                </a:solidFill>
-              </a:ln>
-            </a:endParaRPr>
-          </a:p>
-        </p:txBody>
-      </p:sp>
-      <p:sp>
-        <p:nvSpPr>
-          <p:cNvPr id="78" name="TextShape 2"/>
-          <p:cNvSpPr txBox="1"/>
-          <p:nvPr/>
-        </p:nvSpPr>
-        <p:spPr>
-          <a:xfrm>
-            <a:off x="504000" y="1769040"/>
-            <a:ext cx="9071640" cy="4384440"/>
-          </a:xfrm>
-          <a:prstGeom prst="rect">
-            <a:avLst/>
-          </a:prstGeom>
-          <a:noFill/>
-          <a:ln>
-            <a:noFill/>
-          </a:ln>
-        </p:spPr>
-        <p:txBody>
-          <a:bodyPr lIns="0" tIns="0" rIns="0" bIns="0"/>
-          <a:lstStyle/>
-          <a:p>
-            <a:pPr marL="457200" indent="-457200">
-              <a:buSzPct val="65000"/>
-              <a:buFont typeface="Wingdings" panose="05000000000000000000" pitchFamily="2" charset="2"/>
-              <a:buChar char="Ø"/>
-            </a:pPr>
-            <a:r>
-              <a:rPr lang="en-US" sz="3200" dirty="0">
-                <a:latin typeface="Arial"/>
-              </a:rPr>
-              <a:t>Project Lead—Ability to observe the overall scope of the project, including scheduling, development, and testing management.</a:t>
-            </a:r>
-            <a:endParaRPr dirty="0"/>
-          </a:p>
-          <a:p>
-            <a:pPr marL="457200" indent="-457200">
-              <a:buSzPct val="65000"/>
-              <a:buFont typeface="Wingdings" panose="05000000000000000000" pitchFamily="2" charset="2"/>
-              <a:buChar char="Ø"/>
-            </a:pPr>
-            <a:r>
-              <a:rPr lang="en-US" sz="3200" dirty="0">
-                <a:latin typeface="Arial"/>
-              </a:rPr>
-              <a:t>Server Admin—Develops server and designs code to handle location requests.</a:t>
-            </a:r>
-            <a:endParaRPr dirty="0"/>
-          </a:p>
-          <a:p>
-            <a:pPr marL="457200" indent="-457200">
-              <a:buSzPct val="65000"/>
-              <a:buFont typeface="Wingdings" panose="05000000000000000000" pitchFamily="2" charset="2"/>
-              <a:buChar char="Ø"/>
-            </a:pPr>
-            <a:r>
-              <a:rPr lang="en-US" sz="3200" dirty="0">
-                <a:latin typeface="Arial"/>
-              </a:rPr>
-              <a:t>Database Manager—Creates entries for each Classroom, Building, and Class for the Navigation App to use.</a:t>
-            </a:r>
-            <a:endParaRPr dirty="0"/>
-          </a:p>
-          <a:p>
-            <a:pPr marL="457200" indent="-457200">
-              <a:buSzPct val="65000"/>
-              <a:buFont typeface="Wingdings" panose="05000000000000000000" pitchFamily="2" charset="2"/>
-              <a:buChar char="Ø"/>
-            </a:pPr>
-            <a:r>
-              <a:rPr lang="en-US" sz="3200" dirty="0">
-                <a:latin typeface="Arial"/>
-              </a:rPr>
-              <a:t>Interface Programmer—Designs the GUI for the App. </a:t>
-            </a:r>
-            <a:endParaRPr dirty="0"/>
-          </a:p>
-        </p:txBody>
-      </p:sp>
-    </p:spTree>
-  </p:cSld>
-  <p:clrMapOvr>
-    <a:masterClrMapping/>
-  </p:clrMapOvr>
-  <p:timing>
-    <p:tnLst>
-      <p:par>
-        <p:cTn id="1" dur="indefinite" restart="never" nodeType="tmRoot">
-          <p:childTnLst>
-            <p:seq>
-              <p:cTn id="2" nodeType="mainSeq"/>
-              <p:prevCondLst>
-                <p:cond evt="onPrev" delay="0">
-                  <p:tgtEl>
-                    <p:sldTgt/>
-                  </p:tgtEl>
-                </p:cond>
-              </p:prevCondLst>
-              <p:nextCondLst>
-                <p:cond evt="onNext" delay="0">
-                  <p:tgtEl>
-                    <p:sldTgt/>
-                  </p:tgtEl>
-                </p:cond>
-              </p:nextCondLst>
-            </p:seq>
-          </p:childTnLst>
-        </p:cTn>
-      </p:par>
-    </p:tnLst>
-  </p:timing>
-</p:sld>
-</file>
-
-<file path=ppt/slides/slide6.xml><?xml version="1.0" encoding="utf-8"?>
-<p:sld xmlns:a="http://schemas.openxmlformats.org/drawingml/2006/main" xmlns:r="http://schemas.openxmlformats.org/officeDocument/2006/relationships" xmlns:p="http://schemas.openxmlformats.org/presentationml/2006/main">
-  <p:cSld>
+    <p:bg>
+      <p:bgPr>
+        <a:blipFill>
+          <a:blip r:embed="rId2">
+            <a:duotone>
+              <a:schemeClr val="bg2">
+                <a:shade val="88000"/>
+                <a:hueMod val="106000"/>
+                <a:satMod val="140000"/>
+                <a:lumMod val="54000"/>
+              </a:schemeClr>
+              <a:schemeClr val="bg2">
+                <a:tint val="98000"/>
+                <a:hueMod val="90000"/>
+                <a:satMod val="150000"/>
+                <a:lumMod val="160000"/>
+              </a:schemeClr>
+            </a:duotone>
+          </a:blip>
+          <a:stretch/>
+        </a:blipFill>
+        <a:effectLst/>
+      </p:bgPr>
+    </p:bg>
     <p:spTree>
       <p:nvGrpSpPr>
         <p:cNvPr id="1" name=""/>
@@ -16778,7 +17089,7 @@
         </p:nvSpPr>
         <p:spPr>
           <a:xfrm>
-            <a:off x="504000" y="301320"/>
+            <a:off x="442951" y="142102"/>
             <a:ext cx="9071640" cy="1262160"/>
           </a:xfrm>
           <a:prstGeom prst="rect">
@@ -16798,39 +17109,28 @@
               <a:rPr lang="en-US" sz="4400" dirty="0">
                 <a:ln>
                   <a:solidFill>
-                    <a:schemeClr val="bg1"/>
+                    <a:schemeClr val="tx1"/>
                   </a:solidFill>
                 </a:ln>
                 <a:latin typeface="Arial"/>
               </a:rPr>
-              <a:t>The “</a:t>
-            </a:r>
-            <a:r>
-              <a:rPr lang="en-US" sz="4400" dirty="0" err="1">
+              <a:t>The </a:t>
+            </a:r>
+            <a:r>
+              <a:rPr lang="en-US" sz="4400" dirty="0" smtClean="0">
                 <a:ln>
                   <a:solidFill>
-                    <a:schemeClr val="bg1"/>
+                    <a:schemeClr val="tx1"/>
                   </a:solidFill>
                 </a:ln>
                 <a:latin typeface="Arial"/>
               </a:rPr>
-              <a:t>PokemonGo</a:t>
-            </a:r>
-            <a:r>
-              <a:rPr lang="en-US" sz="4400" dirty="0">
-                <a:ln>
-                  <a:solidFill>
-                    <a:schemeClr val="bg1"/>
-                  </a:solidFill>
-                </a:ln>
-                <a:latin typeface="Arial"/>
-              </a:rPr>
-              <a:t>” of UAH Navigation</a:t>
+              <a:t>UAH Navigation App</a:t>
             </a:r>
             <a:endParaRPr dirty="0">
               <a:ln>
                 <a:solidFill>
-                  <a:schemeClr val="bg1"/>
+                  <a:schemeClr val="tx1"/>
                 </a:solidFill>
               </a:ln>
             </a:endParaRPr>
@@ -16959,31 +17259,6 @@
       </p:sp>
       <p:pic>
         <p:nvPicPr>
-          <p:cNvPr id="50" name="Picture 49"/>
-          <p:cNvPicPr/>
-          <p:nvPr/>
-        </p:nvPicPr>
-        <p:blipFill>
-          <a:blip r:embed="rId2"/>
-          <a:stretch/>
-        </p:blipFill>
-        <p:spPr>
-          <a:xfrm>
-            <a:off x="3200400" y="3504600"/>
-            <a:ext cx="2651760" cy="3627720"/>
-          </a:xfrm>
-          <a:prstGeom prst="rect">
-            <a:avLst/>
-          </a:prstGeom>
-          <a:ln>
-            <a:solidFill>
-              <a:srgbClr val="000000"/>
-            </a:solidFill>
-          </a:ln>
-        </p:spPr>
-      </p:pic>
-      <p:pic>
-        <p:nvPicPr>
           <p:cNvPr id="2" name="Picture 1"/>
           <p:cNvPicPr>
             <a:picLocks noChangeAspect="1"/>
@@ -17042,6 +17317,407 @@
           </a:prstGeom>
         </p:spPr>
       </p:pic>
+      <p:pic>
+        <p:nvPicPr>
+          <p:cNvPr id="9" name="Picture 8"/>
+          <p:cNvPicPr>
+            <a:picLocks noChangeAspect="1"/>
+          </p:cNvPicPr>
+          <p:nvPr/>
+        </p:nvPicPr>
+        <p:blipFill>
+          <a:blip r:embed="rId4">
+            <a:extLst>
+              <a:ext uri="{28A0092B-C50C-407E-A947-70E740481C1C}">
+                <a14:useLocalDpi xmlns:a14="http://schemas.microsoft.com/office/drawing/2010/main" val="0"/>
+              </a:ext>
+            </a:extLst>
+          </a:blip>
+          <a:stretch>
+            <a:fillRect/>
+          </a:stretch>
+        </p:blipFill>
+        <p:spPr>
+          <a:xfrm>
+            <a:off x="3481766" y="2959790"/>
+            <a:ext cx="2155735" cy="4381183"/>
+          </a:xfrm>
+          <a:prstGeom prst="rect">
+            <a:avLst/>
+          </a:prstGeom>
+        </p:spPr>
+      </p:pic>
+      <p:pic>
+        <p:nvPicPr>
+          <p:cNvPr id="50" name="Picture 49"/>
+          <p:cNvPicPr/>
+          <p:nvPr/>
+        </p:nvPicPr>
+        <p:blipFill>
+          <a:blip r:embed="rId5"/>
+          <a:stretch/>
+        </p:blipFill>
+        <p:spPr>
+          <a:xfrm>
+            <a:off x="3594387" y="3434851"/>
+            <a:ext cx="1938528" cy="3237876"/>
+          </a:xfrm>
+          <a:prstGeom prst="rect">
+            <a:avLst/>
+          </a:prstGeom>
+          <a:ln>
+            <a:solidFill>
+              <a:srgbClr val="000000"/>
+            </a:solidFill>
+          </a:ln>
+        </p:spPr>
+      </p:pic>
+      <p:sp>
+        <p:nvSpPr>
+          <p:cNvPr id="4" name="TextBox 3"/>
+          <p:cNvSpPr txBox="1"/>
+          <p:nvPr/>
+        </p:nvSpPr>
+        <p:spPr>
+          <a:xfrm>
+            <a:off x="8209983" y="3322477"/>
+            <a:ext cx="872565" cy="184666"/>
+          </a:xfrm>
+          <a:prstGeom prst="rect">
+            <a:avLst/>
+          </a:prstGeom>
+          <a:noFill/>
+        </p:spPr>
+        <p:txBody>
+          <a:bodyPr wrap="square" rtlCol="0">
+            <a:spAutoFit/>
+          </a:bodyPr>
+          <a:lstStyle/>
+          <a:p>
+            <a:r>
+              <a:rPr lang="en-US" sz="600" dirty="0" smtClean="0">
+                <a:solidFill>
+                  <a:schemeClr val="bg1"/>
+                </a:solidFill>
+              </a:rPr>
+              <a:t>Time</a:t>
+            </a:r>
+            <a:endParaRPr lang="en-US" sz="600" dirty="0">
+              <a:solidFill>
+                <a:schemeClr val="bg1"/>
+              </a:solidFill>
+            </a:endParaRPr>
+          </a:p>
+        </p:txBody>
+      </p:sp>
+      <p:sp>
+        <p:nvSpPr>
+          <p:cNvPr id="5" name="TextBox 4"/>
+          <p:cNvSpPr txBox="1"/>
+          <p:nvPr/>
+        </p:nvSpPr>
+        <p:spPr>
+          <a:xfrm>
+            <a:off x="8097089" y="3489766"/>
+            <a:ext cx="658439" cy="184666"/>
+          </a:xfrm>
+          <a:prstGeom prst="rect">
+            <a:avLst/>
+          </a:prstGeom>
+          <a:solidFill>
+            <a:schemeClr val="tx1">
+              <a:lumMod val="85000"/>
+            </a:schemeClr>
+          </a:solidFill>
+        </p:spPr>
+        <p:txBody>
+          <a:bodyPr wrap="square" rtlCol="0">
+            <a:spAutoFit/>
+          </a:bodyPr>
+          <a:lstStyle/>
+          <a:p>
+            <a:r>
+              <a:rPr lang="en-US" sz="600" dirty="0" smtClean="0">
+                <a:solidFill>
+                  <a:schemeClr val="bg1"/>
+                </a:solidFill>
+              </a:rPr>
+              <a:t>02:20 pm   </a:t>
+            </a:r>
+            <a:r>
+              <a:rPr lang="en-US" sz="300" dirty="0" smtClean="0">
+                <a:solidFill>
+                  <a:schemeClr val="tx1">
+                    <a:lumMod val="50000"/>
+                  </a:schemeClr>
+                </a:solidFill>
+                <a:latin typeface="Times New Roman" panose="02020603050405020304" pitchFamily="18" charset="0"/>
+                <a:cs typeface="Times New Roman" panose="02020603050405020304" pitchFamily="18" charset="0"/>
+              </a:rPr>
+              <a:t>▼</a:t>
+            </a:r>
+            <a:endParaRPr lang="en-US" sz="300" dirty="0">
+              <a:solidFill>
+                <a:schemeClr val="tx1">
+                  <a:lumMod val="50000"/>
+                </a:schemeClr>
+              </a:solidFill>
+            </a:endParaRPr>
+          </a:p>
+        </p:txBody>
+      </p:sp>
+    </p:spTree>
+  </p:cSld>
+  <p:clrMapOvr>
+    <a:masterClrMapping/>
+  </p:clrMapOvr>
+  <p:timing>
+    <p:tnLst>
+      <p:par>
+        <p:cTn id="1" dur="indefinite" restart="never" nodeType="tmRoot">
+          <p:childTnLst>
+            <p:seq>
+              <p:cTn id="2" nodeType="mainSeq"/>
+              <p:prevCondLst>
+                <p:cond evt="onPrev" delay="0">
+                  <p:tgtEl>
+                    <p:sldTgt/>
+                  </p:tgtEl>
+                </p:cond>
+              </p:prevCondLst>
+              <p:nextCondLst>
+                <p:cond evt="onNext" delay="0">
+                  <p:tgtEl>
+                    <p:sldTgt/>
+                  </p:tgtEl>
+                </p:cond>
+              </p:nextCondLst>
+            </p:seq>
+          </p:childTnLst>
+        </p:cTn>
+      </p:par>
+    </p:tnLst>
+  </p:timing>
+</p:sld>
+</file>
+
+<file path=ppt/slides/slide6.xml><?xml version="1.0" encoding="utf-8"?>
+<p:sld xmlns:a="http://schemas.openxmlformats.org/drawingml/2006/main" xmlns:r="http://schemas.openxmlformats.org/officeDocument/2006/relationships" xmlns:p="http://schemas.openxmlformats.org/presentationml/2006/main">
+  <p:cSld>
+    <p:bg>
+      <p:bgPr>
+        <a:blipFill>
+          <a:blip r:embed="rId2">
+            <a:duotone>
+              <a:schemeClr val="bg2">
+                <a:shade val="88000"/>
+                <a:hueMod val="106000"/>
+                <a:satMod val="140000"/>
+                <a:lumMod val="54000"/>
+              </a:schemeClr>
+              <a:schemeClr val="bg2">
+                <a:tint val="98000"/>
+                <a:hueMod val="90000"/>
+                <a:satMod val="150000"/>
+                <a:lumMod val="160000"/>
+              </a:schemeClr>
+            </a:duotone>
+          </a:blip>
+          <a:stretch/>
+        </a:blipFill>
+        <a:effectLst/>
+      </p:bgPr>
+    </p:bg>
+    <p:spTree>
+      <p:nvGrpSpPr>
+        <p:cNvPr id="1" name=""/>
+        <p:cNvGrpSpPr/>
+        <p:nvPr/>
+      </p:nvGrpSpPr>
+      <p:grpSpPr>
+        <a:xfrm>
+          <a:off x="0" y="0"/>
+          <a:ext cx="0" cy="0"/>
+          <a:chOff x="0" y="0"/>
+          <a:chExt cx="0" cy="0"/>
+        </a:xfrm>
+      </p:grpSpPr>
+      <p:sp>
+        <p:nvSpPr>
+          <p:cNvPr id="53" name="TextShape 1"/>
+          <p:cNvSpPr txBox="1"/>
+          <p:nvPr/>
+        </p:nvSpPr>
+        <p:spPr>
+          <a:xfrm>
+            <a:off x="504000" y="301320"/>
+            <a:ext cx="9071640" cy="1262160"/>
+          </a:xfrm>
+          <a:prstGeom prst="rect">
+            <a:avLst/>
+          </a:prstGeom>
+          <a:noFill/>
+          <a:ln>
+            <a:noFill/>
+          </a:ln>
+        </p:spPr>
+        <p:txBody>
+          <a:bodyPr lIns="0" tIns="0" rIns="0" bIns="0" anchor="ctr"/>
+          <a:lstStyle/>
+          <a:p>
+            <a:pPr algn="ctr"/>
+            <a:r>
+              <a:rPr lang="en-US" sz="4400" dirty="0">
+                <a:ln>
+                  <a:solidFill>
+                    <a:schemeClr val="tx1"/>
+                  </a:solidFill>
+                </a:ln>
+                <a:latin typeface="Arial"/>
+              </a:rPr>
+              <a:t>Marketing Requirements</a:t>
+            </a:r>
+            <a:endParaRPr dirty="0">
+              <a:ln>
+                <a:solidFill>
+                  <a:schemeClr val="tx1"/>
+                </a:solidFill>
+              </a:ln>
+            </a:endParaRPr>
+          </a:p>
+        </p:txBody>
+      </p:sp>
+      <p:sp>
+        <p:nvSpPr>
+          <p:cNvPr id="54" name="TextShape 2"/>
+          <p:cNvSpPr txBox="1"/>
+          <p:nvPr/>
+        </p:nvSpPr>
+        <p:spPr>
+          <a:xfrm>
+            <a:off x="504000" y="2111716"/>
+            <a:ext cx="9071640" cy="4384440"/>
+          </a:xfrm>
+          <a:prstGeom prst="rect">
+            <a:avLst/>
+          </a:prstGeom>
+          <a:noFill/>
+          <a:ln>
+            <a:noFill/>
+          </a:ln>
+        </p:spPr>
+        <p:txBody>
+          <a:bodyPr lIns="0" tIns="0" rIns="0" bIns="0"/>
+          <a:lstStyle/>
+          <a:p>
+            <a:pPr marL="457200" indent="-457200">
+              <a:buSzPct val="100000"/>
+              <a:buFont typeface="Wingdings" panose="05000000000000000000" pitchFamily="2" charset="2"/>
+              <a:buChar char="Ø"/>
+            </a:pPr>
+            <a:r>
+              <a:rPr lang="en-US" sz="3200" dirty="0" smtClean="0">
+                <a:latin typeface="Arial" panose="020B0604020202020204" pitchFamily="34" charset="0"/>
+                <a:cs typeface="Arial" panose="020B0604020202020204" pitchFamily="34" charset="0"/>
+              </a:rPr>
+              <a:t>Quick </a:t>
+            </a:r>
+            <a:r>
+              <a:rPr lang="en-US" sz="3200" dirty="0">
+                <a:latin typeface="Arial" panose="020B0604020202020204" pitchFamily="34" charset="0"/>
+                <a:cs typeface="Arial" panose="020B0604020202020204" pitchFamily="34" charset="0"/>
+              </a:rPr>
+              <a:t>Navigation of App’s GUI. (3-Tap Design</a:t>
+            </a:r>
+            <a:r>
+              <a:rPr lang="en-US" sz="3200" dirty="0" smtClean="0">
+                <a:latin typeface="Arial" panose="020B0604020202020204" pitchFamily="34" charset="0"/>
+                <a:cs typeface="Arial" panose="020B0604020202020204" pitchFamily="34" charset="0"/>
+              </a:rPr>
+              <a:t>)</a:t>
+            </a:r>
+            <a:endParaRPr lang="en-US" sz="3200" dirty="0" smtClean="0">
+              <a:latin typeface="Arial"/>
+            </a:endParaRPr>
+          </a:p>
+          <a:p>
+            <a:pPr marL="457200" indent="-457200">
+              <a:buSzPct val="100000"/>
+              <a:buFont typeface="Wingdings" panose="05000000000000000000" pitchFamily="2" charset="2"/>
+              <a:buChar char="Ø"/>
+            </a:pPr>
+            <a:r>
+              <a:rPr lang="en-US" sz="3200" dirty="0" smtClean="0">
+                <a:latin typeface="Arial"/>
+              </a:rPr>
+              <a:t>Customers </a:t>
+            </a:r>
+            <a:r>
+              <a:rPr lang="en-US" sz="3200" dirty="0">
+                <a:latin typeface="Arial"/>
+              </a:rPr>
+              <a:t>can type in room </a:t>
+            </a:r>
+            <a:r>
+              <a:rPr lang="en-US" sz="3200" dirty="0" smtClean="0">
+                <a:latin typeface="Arial"/>
+              </a:rPr>
+              <a:t>#, </a:t>
+            </a:r>
+            <a:r>
+              <a:rPr lang="en-US" sz="3200" dirty="0">
+                <a:latin typeface="Arial"/>
+              </a:rPr>
+              <a:t>Class </a:t>
+            </a:r>
+            <a:r>
+              <a:rPr lang="en-US" sz="3200" dirty="0" smtClean="0">
+                <a:latin typeface="Arial"/>
+              </a:rPr>
+              <a:t>#, </a:t>
+            </a:r>
+            <a:r>
+              <a:rPr lang="en-US" sz="3200" dirty="0">
+                <a:latin typeface="Arial"/>
+              </a:rPr>
+              <a:t>Building </a:t>
+            </a:r>
+            <a:r>
+              <a:rPr lang="en-US" sz="3200" dirty="0" smtClean="0">
+                <a:latin typeface="Arial"/>
+              </a:rPr>
+              <a:t>ID, </a:t>
+            </a:r>
+            <a:r>
+              <a:rPr lang="en-US" sz="3200" dirty="0">
+                <a:latin typeface="Arial"/>
+              </a:rPr>
+              <a:t>and instantly get </a:t>
+            </a:r>
+            <a:r>
+              <a:rPr lang="en-US" sz="3200" dirty="0" smtClean="0">
+                <a:latin typeface="Arial"/>
+              </a:rPr>
+              <a:t>directions.</a:t>
+            </a:r>
+            <a:endParaRPr dirty="0" smtClean="0"/>
+          </a:p>
+          <a:p>
+            <a:pPr marL="457200" indent="-457200">
+              <a:buSzPct val="100000"/>
+              <a:buFont typeface="Wingdings" panose="05000000000000000000" pitchFamily="2" charset="2"/>
+              <a:buChar char="Ø"/>
+            </a:pPr>
+            <a:r>
+              <a:rPr lang="en-US" sz="3200" dirty="0" smtClean="0">
+                <a:latin typeface="Arial"/>
+              </a:rPr>
+              <a:t>Provides Map of Campus.</a:t>
+            </a:r>
+            <a:endParaRPr dirty="0"/>
+          </a:p>
+        </p:txBody>
+      </p:sp>
     </p:spTree>
   </p:cSld>
   <p:clrMapOvr>
@@ -17080,6 +17756,30 @@
 <file path=ppt/slides/slide7.xml><?xml version="1.0" encoding="utf-8"?>
 <p:sld xmlns:a="http://schemas.openxmlformats.org/drawingml/2006/main" xmlns:r="http://schemas.openxmlformats.org/officeDocument/2006/relationships" xmlns:p="http://schemas.openxmlformats.org/presentationml/2006/main">
   <p:cSld>
+    <p:bg>
+      <p:bgPr>
+        <a:blipFill>
+          <a:blip r:embed="rId2">
+            <a:duotone>
+              <a:schemeClr val="bg2">
+                <a:shade val="88000"/>
+                <a:hueMod val="106000"/>
+                <a:satMod val="140000"/>
+                <a:lumMod val="54000"/>
+              </a:schemeClr>
+              <a:schemeClr val="bg2">
+                <a:tint val="98000"/>
+                <a:hueMod val="90000"/>
+                <a:satMod val="150000"/>
+                <a:lumMod val="160000"/>
+              </a:schemeClr>
+            </a:duotone>
+          </a:blip>
+          <a:stretch/>
+        </a:blipFill>
+        <a:effectLst/>
+      </p:bgPr>
+    </p:bg>
     <p:spTree>
       <p:nvGrpSpPr>
         <p:cNvPr id="1" name=""/>
@@ -17096,7 +17796,7 @@
       </p:grpSpPr>
       <p:sp>
         <p:nvSpPr>
-          <p:cNvPr id="53" name="TextShape 1"/>
+          <p:cNvPr id="55" name="TextShape 1"/>
           <p:cNvSpPr txBox="1"/>
           <p:nvPr/>
         </p:nvSpPr>
@@ -17122,17 +17822,17 @@
               <a:rPr lang="en-US" sz="4400" dirty="0">
                 <a:ln>
                   <a:solidFill>
-                    <a:schemeClr val="bg1"/>
+                    <a:schemeClr val="tx1"/>
                   </a:solidFill>
                 </a:ln>
                 <a:latin typeface="Arial"/>
               </a:rPr>
-              <a:t>Marketing Requirements</a:t>
+              <a:t>Engineering Requirements</a:t>
             </a:r>
             <a:endParaRPr dirty="0">
               <a:ln>
                 <a:solidFill>
-                  <a:schemeClr val="bg1"/>
+                  <a:schemeClr val="tx1"/>
                 </a:solidFill>
               </a:ln>
             </a:endParaRPr>
@@ -17141,13 +17841,13 @@
       </p:sp>
       <p:sp>
         <p:nvSpPr>
-          <p:cNvPr id="54" name="TextShape 2"/>
+          <p:cNvPr id="56" name="TextShape 2"/>
           <p:cNvSpPr txBox="1"/>
           <p:nvPr/>
         </p:nvSpPr>
         <p:spPr>
           <a:xfrm>
-            <a:off x="504000" y="1769040"/>
+            <a:off x="504000" y="2144104"/>
             <a:ext cx="9071640" cy="4384440"/>
           </a:xfrm>
           <a:prstGeom prst="rect">
@@ -17163,41 +17863,67 @@
           <a:lstStyle/>
           <a:p>
             <a:pPr marL="457200" indent="-457200">
-              <a:buSzPct val="65000"/>
+              <a:buSzPct val="100000"/>
               <a:buFont typeface="Wingdings" panose="05000000000000000000" pitchFamily="2" charset="2"/>
               <a:buChar char="Ø"/>
             </a:pPr>
-            <a:endParaRPr lang="en-US" sz="3200" dirty="0">
-              <a:latin typeface="Arial"/>
-            </a:endParaRPr>
+            <a:r>
+              <a:rPr lang="en-US" sz="3200" dirty="0" smtClean="0">
+                <a:latin typeface="Arial"/>
+              </a:rPr>
+              <a:t>GPS</a:t>
+            </a:r>
+            <a:r>
+              <a:rPr lang="en-US" sz="3200" dirty="0" smtClean="0"/>
+              <a:t> </a:t>
+            </a:r>
+            <a:r>
+              <a:rPr lang="en-US" sz="3200" dirty="0" smtClean="0">
+                <a:latin typeface="Arial"/>
+              </a:rPr>
+              <a:t>Implementation </a:t>
+            </a:r>
           </a:p>
           <a:p>
             <a:pPr marL="457200" indent="-457200">
-              <a:buSzPct val="65000"/>
+              <a:buSzPct val="100000"/>
               <a:buFont typeface="Wingdings" panose="05000000000000000000" pitchFamily="2" charset="2"/>
               <a:buChar char="Ø"/>
             </a:pPr>
             <a:r>
+              <a:rPr lang="en-US" sz="3200" dirty="0" smtClean="0">
+                <a:latin typeface="Arial"/>
+              </a:rPr>
+              <a:t>Database </a:t>
+            </a:r>
+            <a:r>
               <a:rPr lang="en-US" sz="3200" dirty="0">
-                <a:latin typeface="Arial" panose="020B0604020202020204" pitchFamily="34" charset="0"/>
-                <a:cs typeface="Arial" panose="020B0604020202020204" pitchFamily="34" charset="0"/>
-              </a:rPr>
-              <a:t>Quick Navigation of App’s GUI. (3-Tap Design</a:t>
+                <a:latin typeface="Arial"/>
+              </a:rPr>
+              <a:t>capable </a:t>
             </a:r>
             <a:r>
               <a:rPr lang="en-US" sz="3200" dirty="0" smtClean="0">
-                <a:latin typeface="Arial" panose="020B0604020202020204" pitchFamily="34" charset="0"/>
-                <a:cs typeface="Arial" panose="020B0604020202020204" pitchFamily="34" charset="0"/>
-              </a:rPr>
-              <a:t>)</a:t>
-            </a:r>
-            <a:endParaRPr lang="en-US" sz="3200" dirty="0" smtClean="0">
-              <a:latin typeface="Arial"/>
-            </a:endParaRPr>
+                <a:latin typeface="Arial"/>
+              </a:rPr>
+              <a:t>of a </a:t>
+            </a:r>
+            <a:r>
+              <a:rPr lang="en-US" sz="3200" dirty="0">
+                <a:latin typeface="Arial"/>
+              </a:rPr>
+              <a:t>holding large number of entries</a:t>
+            </a:r>
+            <a:r>
+              <a:rPr lang="en-US" sz="3200" dirty="0" smtClean="0">
+                <a:latin typeface="Arial"/>
+              </a:rPr>
+              <a:t>.</a:t>
+            </a:r>
           </a:p>
           <a:p>
             <a:pPr marL="457200" indent="-457200">
-              <a:buSzPct val="65000"/>
+              <a:buSzPct val="100000"/>
               <a:buFont typeface="Wingdings" panose="05000000000000000000" pitchFamily="2" charset="2"/>
               <a:buChar char="Ø"/>
             </a:pPr>
@@ -17205,64 +17931,47 @@
               <a:rPr lang="en-US" sz="3200" dirty="0" smtClean="0">
                 <a:latin typeface="Arial"/>
               </a:rPr>
-              <a:t>Customers </a:t>
+              <a:t>Easily </a:t>
             </a:r>
             <a:r>
               <a:rPr lang="en-US" sz="3200" dirty="0">
                 <a:latin typeface="Arial"/>
               </a:rPr>
-              <a:t>can type in room # (EB207), Class # (CPE 495), Building ID(</a:t>
-            </a:r>
-            <a:r>
-              <a:rPr lang="en-US" sz="3200" dirty="0" err="1">
-                <a:latin typeface="Arial"/>
-              </a:rPr>
-              <a:t>MSB,CU,etc</a:t>
-            </a:r>
-            <a:r>
-              <a:rPr lang="en-US" sz="3200" dirty="0">
-                <a:latin typeface="Arial"/>
-              </a:rPr>
-              <a:t>.), and instantly get directions to the desired destination.</a:t>
-            </a:r>
-            <a:endParaRPr dirty="0"/>
+              <a:t>u</a:t>
+            </a:r>
+            <a:r>
+              <a:rPr lang="en-US" sz="3200" dirty="0" smtClean="0">
+                <a:latin typeface="Arial"/>
+              </a:rPr>
+              <a:t>pdatable.</a:t>
+            </a:r>
+            <a:endParaRPr sz="3200" dirty="0"/>
           </a:p>
           <a:p>
             <a:pPr marL="457200" indent="-457200">
-              <a:buSzPct val="65000"/>
+              <a:buSzPct val="100000"/>
               <a:buFont typeface="Wingdings" panose="05000000000000000000" pitchFamily="2" charset="2"/>
               <a:buChar char="Ø"/>
             </a:pPr>
             <a:r>
+              <a:rPr lang="en-US" sz="3200" dirty="0" smtClean="0">
+                <a:latin typeface="Arial"/>
+              </a:rPr>
+              <a:t>Auto-Fill </a:t>
+            </a:r>
+            <a:r>
               <a:rPr lang="en-US" sz="3200" dirty="0">
                 <a:latin typeface="Arial"/>
               </a:rPr>
-              <a:t>Provides Map of Campus/Maps of Buildings.</a:t>
+              <a:t>of Search </a:t>
+            </a:r>
+            <a:r>
+              <a:rPr lang="en-US" sz="3200" dirty="0" smtClean="0">
+                <a:latin typeface="Arial"/>
+              </a:rPr>
+              <a:t>Query + interactions with drop down menus. </a:t>
             </a:r>
             <a:endParaRPr dirty="0"/>
-          </a:p>
-          <a:p>
-            <a:pPr marL="457200" indent="-457200">
-              <a:buSzPct val="65000"/>
-              <a:buFont typeface="Wingdings" panose="05000000000000000000" pitchFamily="2" charset="2"/>
-              <a:buChar char="Ø"/>
-            </a:pPr>
-            <a:r>
-              <a:rPr lang="en-US" sz="3200" dirty="0">
-                <a:latin typeface="Arial"/>
-              </a:rPr>
-              <a:t>Supports </a:t>
-            </a:r>
-            <a:r>
-              <a:rPr lang="en-US" sz="3200" dirty="0" smtClean="0">
-                <a:latin typeface="Arial"/>
-              </a:rPr>
-              <a:t>GPS</a:t>
-            </a:r>
-            <a:endParaRPr sz="3200" dirty="0">
-              <a:latin typeface="Arial" panose="020B0604020202020204" pitchFamily="34" charset="0"/>
-              <a:cs typeface="Arial" panose="020B0604020202020204" pitchFamily="34" charset="0"/>
-            </a:endParaRPr>
           </a:p>
         </p:txBody>
       </p:sp>
@@ -17304,6 +18013,30 @@
 <file path=ppt/slides/slide8.xml><?xml version="1.0" encoding="utf-8"?>
 <p:sld xmlns:a="http://schemas.openxmlformats.org/drawingml/2006/main" xmlns:r="http://schemas.openxmlformats.org/officeDocument/2006/relationships" xmlns:p="http://schemas.openxmlformats.org/presentationml/2006/main">
   <p:cSld>
+    <p:bg>
+      <p:bgPr>
+        <a:blipFill>
+          <a:blip r:embed="rId2">
+            <a:duotone>
+              <a:schemeClr val="bg2">
+                <a:shade val="88000"/>
+                <a:hueMod val="106000"/>
+                <a:satMod val="140000"/>
+                <a:lumMod val="54000"/>
+              </a:schemeClr>
+              <a:schemeClr val="bg2">
+                <a:tint val="98000"/>
+                <a:hueMod val="90000"/>
+                <a:satMod val="150000"/>
+                <a:lumMod val="160000"/>
+              </a:schemeClr>
+            </a:duotone>
+          </a:blip>
+          <a:stretch/>
+        </a:blipFill>
+        <a:effectLst/>
+      </p:bgPr>
+    </p:bg>
     <p:spTree>
       <p:nvGrpSpPr>
         <p:cNvPr id="1" name=""/>
@@ -17320,7 +18053,7 @@
       </p:grpSpPr>
       <p:sp>
         <p:nvSpPr>
-          <p:cNvPr id="55" name="TextShape 1"/>
+          <p:cNvPr id="57" name="TextShape 1"/>
           <p:cNvSpPr txBox="1"/>
           <p:nvPr/>
         </p:nvSpPr>
@@ -17346,17 +18079,17 @@
               <a:rPr lang="en-US" sz="4400" dirty="0">
                 <a:ln>
                   <a:solidFill>
-                    <a:schemeClr val="bg1"/>
+                    <a:schemeClr val="tx1"/>
                   </a:solidFill>
                 </a:ln>
                 <a:latin typeface="Arial"/>
               </a:rPr>
-              <a:t>Engineering Requirements</a:t>
+              <a:t>Market &amp; Competition</a:t>
             </a:r>
             <a:endParaRPr dirty="0">
               <a:ln>
                 <a:solidFill>
-                  <a:schemeClr val="bg1"/>
+                  <a:schemeClr val="tx1"/>
                 </a:solidFill>
               </a:ln>
             </a:endParaRPr>
@@ -17365,13 +18098,13 @@
       </p:sp>
       <p:sp>
         <p:nvSpPr>
-          <p:cNvPr id="56" name="TextShape 2"/>
+          <p:cNvPr id="58" name="TextShape 2"/>
           <p:cNvSpPr txBox="1"/>
           <p:nvPr/>
         </p:nvSpPr>
         <p:spPr>
           <a:xfrm>
-            <a:off x="504000" y="1769040"/>
+            <a:off x="504000" y="2158784"/>
             <a:ext cx="9071640" cy="4384440"/>
           </a:xfrm>
           <a:prstGeom prst="rect">
@@ -17387,7 +18120,7 @@
           <a:lstStyle/>
           <a:p>
             <a:pPr marL="457200" indent="-457200">
-              <a:buSzPct val="65000"/>
+              <a:buSzPct val="100000"/>
               <a:buFont typeface="Wingdings" panose="05000000000000000000" pitchFamily="2" charset="2"/>
               <a:buChar char="Ø"/>
             </a:pPr>
@@ -17395,74 +18128,53 @@
               <a:rPr lang="en-US" sz="3200" dirty="0">
                 <a:latin typeface="Arial"/>
               </a:rPr>
-              <a:t>Implementation of GPS</a:t>
+              <a:t>No direct competition.</a:t>
             </a:r>
             <a:endParaRPr dirty="0"/>
           </a:p>
           <a:p>
-            <a:pPr marL="457200" indent="-457200">
-              <a:buSzPct val="65000"/>
-              <a:buFont typeface="Wingdings" panose="05000000000000000000" pitchFamily="2" charset="2"/>
-              <a:buChar char="Ø"/>
+            <a:pPr marL="914400" lvl="1" indent="-457200">
+              <a:buSzPct val="100000"/>
+              <a:buFont typeface="Arial" panose="020B0604020202020204" pitchFamily="34" charset="0"/>
+              <a:buChar char="•"/>
             </a:pPr>
             <a:r>
               <a:rPr lang="en-US" sz="3200" dirty="0">
                 <a:latin typeface="Arial"/>
               </a:rPr>
-              <a:t>Implementation of Database capable of holding large number of entries</a:t>
+              <a:t>Other N</a:t>
             </a:r>
             <a:r>
               <a:rPr lang="en-US" sz="3200" dirty="0" smtClean="0">
                 <a:latin typeface="Arial"/>
               </a:rPr>
-              <a:t>.</a:t>
-            </a:r>
-          </a:p>
-          <a:p>
-            <a:pPr marL="457200" indent="-457200">
-              <a:buSzPct val="65000"/>
-              <a:buFont typeface="Wingdings" panose="05000000000000000000" pitchFamily="2" charset="2"/>
-              <a:buChar char="Ø"/>
+              <a:t>avigational Apps do not </a:t>
+            </a:r>
+            <a:r>
+              <a:rPr lang="en-US" sz="3200" dirty="0">
+                <a:latin typeface="Arial"/>
+              </a:rPr>
+              <a:t>direct users to specific rooms.</a:t>
+            </a:r>
+            <a:endParaRPr dirty="0"/>
+          </a:p>
+          <a:p>
+            <a:pPr marL="914400" lvl="1" indent="-457200">
+              <a:buSzPct val="100000"/>
+              <a:buFont typeface="Arial" panose="020B0604020202020204" pitchFamily="34" charset="0"/>
+              <a:buChar char="•"/>
             </a:pPr>
             <a:r>
               <a:rPr lang="en-US" sz="3200" dirty="0" smtClean="0">
                 <a:latin typeface="Arial"/>
               </a:rPr>
-              <a:t>Easily Updatable Database Entries.</a:t>
-            </a:r>
-            <a:endParaRPr sz="3200" dirty="0"/>
-          </a:p>
-          <a:p>
-            <a:pPr marL="457200" indent="-457200">
-              <a:buSzPct val="65000"/>
-              <a:buFont typeface="Wingdings" panose="05000000000000000000" pitchFamily="2" charset="2"/>
-              <a:buChar char="Ø"/>
-            </a:pPr>
+              <a:t>None are </a:t>
+            </a:r>
             <a:r>
               <a:rPr lang="en-US" sz="3200" dirty="0">
                 <a:latin typeface="Arial"/>
               </a:rPr>
-              <a:t>Capable of saving User Data such as class schedule, and recent locations.</a:t>
-            </a:r>
-            <a:endParaRPr dirty="0"/>
-          </a:p>
-          <a:p>
-            <a:pPr marL="457200" indent="-457200">
-              <a:buSzPct val="65000"/>
-              <a:buFont typeface="Wingdings" panose="05000000000000000000" pitchFamily="2" charset="2"/>
-              <a:buChar char="Ø"/>
-            </a:pPr>
-            <a:r>
-              <a:rPr lang="en-US" sz="3200" dirty="0">
-                <a:latin typeface="Arial"/>
-              </a:rPr>
-              <a:t>Auto-completion of Search </a:t>
-            </a:r>
-            <a:r>
-              <a:rPr lang="en-US" sz="3200" dirty="0" smtClean="0">
-                <a:latin typeface="Arial"/>
-              </a:rPr>
-              <a:t>Query + interactions with drop down menus. </a:t>
+              <a:t>specific to the UAH Campus.</a:t>
             </a:r>
             <a:endParaRPr dirty="0"/>
           </a:p>
@@ -17506,6 +18218,30 @@
 <file path=ppt/slides/slide9.xml><?xml version="1.0" encoding="utf-8"?>
 <p:sld xmlns:a="http://schemas.openxmlformats.org/drawingml/2006/main" xmlns:r="http://schemas.openxmlformats.org/officeDocument/2006/relationships" xmlns:p="http://schemas.openxmlformats.org/presentationml/2006/main">
   <p:cSld>
+    <p:bg>
+      <p:bgPr>
+        <a:blipFill>
+          <a:blip r:embed="rId2">
+            <a:duotone>
+              <a:schemeClr val="bg2">
+                <a:shade val="88000"/>
+                <a:hueMod val="106000"/>
+                <a:satMod val="140000"/>
+                <a:lumMod val="54000"/>
+              </a:schemeClr>
+              <a:schemeClr val="bg2">
+                <a:tint val="98000"/>
+                <a:hueMod val="90000"/>
+                <a:satMod val="150000"/>
+                <a:lumMod val="160000"/>
+              </a:schemeClr>
+            </a:duotone>
+          </a:blip>
+          <a:stretch/>
+        </a:blipFill>
+        <a:effectLst/>
+      </p:bgPr>
+    </p:bg>
     <p:spTree>
       <p:nvGrpSpPr>
         <p:cNvPr id="1" name=""/>
@@ -17522,7 +18258,7 @@
       </p:grpSpPr>
       <p:sp>
         <p:nvSpPr>
-          <p:cNvPr id="57" name="TextShape 1"/>
+          <p:cNvPr id="59" name="TextShape 1"/>
           <p:cNvSpPr txBox="1"/>
           <p:nvPr/>
         </p:nvSpPr>
@@ -17548,17 +18284,17 @@
               <a:rPr lang="en-US" sz="4400" dirty="0">
                 <a:ln>
                   <a:solidFill>
-                    <a:schemeClr val="bg1"/>
+                    <a:schemeClr val="tx1"/>
                   </a:solidFill>
                 </a:ln>
                 <a:latin typeface="Arial"/>
               </a:rPr>
-              <a:t>Market &amp; Competition</a:t>
+              <a:t>Existing Projects</a:t>
             </a:r>
             <a:endParaRPr dirty="0">
               <a:ln>
                 <a:solidFill>
-                  <a:schemeClr val="bg1"/>
+                  <a:schemeClr val="tx1"/>
                 </a:solidFill>
               </a:ln>
             </a:endParaRPr>
@@ -17567,13 +18303,13 @@
       </p:sp>
       <p:sp>
         <p:nvSpPr>
-          <p:cNvPr id="58" name="TextShape 2"/>
+          <p:cNvPr id="60" name="TextShape 2"/>
           <p:cNvSpPr txBox="1"/>
           <p:nvPr/>
         </p:nvSpPr>
         <p:spPr>
           <a:xfrm>
-            <a:off x="504000" y="1769040"/>
+            <a:off x="504000" y="2113814"/>
             <a:ext cx="9071640" cy="4384440"/>
           </a:xfrm>
           <a:prstGeom prst="rect">
@@ -17589,48 +18325,94 @@
           <a:lstStyle/>
           <a:p>
             <a:pPr marL="457200" indent="-457200">
-              <a:buSzPct val="65000"/>
+              <a:buSzPct val="100000"/>
               <a:buFont typeface="Wingdings" panose="05000000000000000000" pitchFamily="2" charset="2"/>
               <a:buChar char="Ø"/>
             </a:pPr>
             <a:r>
-              <a:rPr lang="en-US" sz="3200" dirty="0">
-                <a:latin typeface="Arial"/>
-              </a:rPr>
-              <a:t>No direct competition.</a:t>
-            </a:r>
-            <a:endParaRPr dirty="0"/>
+              <a:rPr lang="en-US" sz="3200" dirty="0" smtClean="0">
+                <a:latin typeface="Arial"/>
+              </a:rPr>
+              <a:t>Inactive UAH Building History App.</a:t>
+            </a:r>
           </a:p>
           <a:p>
             <a:pPr marL="457200" indent="-457200">
-              <a:buSzPct val="65000"/>
+              <a:buSzPct val="100000"/>
               <a:buFont typeface="Wingdings" panose="05000000000000000000" pitchFamily="2" charset="2"/>
               <a:buChar char="Ø"/>
             </a:pPr>
-            <a:r>
-              <a:rPr lang="en-US" sz="3200" dirty="0">
-                <a:latin typeface="Arial"/>
-              </a:rPr>
-              <a:t>Other navigational apps only direct the user to the building, but do not direct users to specific rooms.</a:t>
-            </a:r>
-            <a:endParaRPr dirty="0"/>
+            <a:endParaRPr lang="en-US" sz="3200" dirty="0">
+              <a:latin typeface="Arial"/>
+            </a:endParaRPr>
           </a:p>
           <a:p>
             <a:pPr marL="457200" indent="-457200">
-              <a:buSzPct val="65000"/>
+              <a:buSzPct val="100000"/>
               <a:buFont typeface="Wingdings" panose="05000000000000000000" pitchFamily="2" charset="2"/>
               <a:buChar char="Ø"/>
             </a:pPr>
-            <a:r>
-              <a:rPr lang="en-US" sz="3200" dirty="0">
-                <a:latin typeface="Arial"/>
-              </a:rPr>
-              <a:t>The proposed app will work at a much lower level than other Map Apps. It will also be more specific to the UAH Campus.</a:t>
-            </a:r>
-            <a:endParaRPr dirty="0"/>
+            <a:endParaRPr lang="en-US" sz="3200" dirty="0" smtClean="0">
+              <a:latin typeface="Arial"/>
+            </a:endParaRPr>
+          </a:p>
+          <a:p>
+            <a:pPr marL="457200" indent="-457200">
+              <a:buSzPct val="100000"/>
+              <a:buFont typeface="Wingdings" panose="05000000000000000000" pitchFamily="2" charset="2"/>
+              <a:buChar char="Ø"/>
+            </a:pPr>
+            <a:r>
+              <a:rPr lang="en-US" sz="3200" dirty="0" smtClean="0">
+                <a:latin typeface="Arial"/>
+              </a:rPr>
+              <a:t>UAH Events App</a:t>
+            </a:r>
+            <a:endParaRPr lang="en-US" dirty="0"/>
           </a:p>
         </p:txBody>
       </p:sp>
+      <p:pic>
+        <p:nvPicPr>
+          <p:cNvPr id="1026" name="Picture 2" descr="https://i.groupme.com/170x192.png.6c59beb1879047eb81577892cbe83216.large"/>
+          <p:cNvPicPr>
+            <a:picLocks noChangeAspect="1" noChangeArrowheads="1"/>
+          </p:cNvPicPr>
+          <p:nvPr/>
+        </p:nvPicPr>
+        <p:blipFill>
+          <a:blip r:embed="rId3">
+            <a:extLst>
+              <a:ext uri="{28A0092B-C50C-407E-A947-70E740481C1C}">
+                <a14:useLocalDpi xmlns:a14="http://schemas.microsoft.com/office/drawing/2010/main" val="0"/>
+              </a:ext>
+            </a:extLst>
+          </a:blip>
+          <a:srcRect/>
+          <a:stretch>
+            <a:fillRect/>
+          </a:stretch>
+        </p:blipFill>
+        <p:spPr bwMode="auto">
+          <a:xfrm>
+            <a:off x="1516974" y="4306034"/>
+            <a:ext cx="1619250" cy="1828800"/>
+          </a:xfrm>
+          <a:prstGeom prst="rect">
+            <a:avLst/>
+          </a:prstGeom>
+          <a:noFill/>
+          <a:extLst>
+            <a:ext uri="{909E8E84-426E-40DD-AFC4-6F175D3DCCD1}">
+              <a14:hiddenFill xmlns:a14="http://schemas.microsoft.com/office/drawing/2010/main">
+                <a:solidFill>
+                  <a:srgbClr val="FFFFFF"/>
+                </a:solidFill>
+              </a14:hiddenFill>
+            </a:ext>
+          </a:extLst>
+        </p:spPr>
+      </p:pic>
     </p:spTree>
   </p:cSld>
   <p:clrMapOvr>

--- a/CPE495 Slides.pptx
+++ b/CPE495 Slides.pptx
@@ -4427,7 +4427,7 @@
           <a:p>
             <a:fld id="{48A87A34-81AB-432B-8DAE-1953F412C126}" type="datetimeFigureOut">
               <a:rPr lang="en-US" dirty="0"/>
-              <a:t>11/4/2016</a:t>
+              <a:t>11/6/2016</a:t>
             </a:fld>
             <a:endParaRPr lang="en-US" dirty="0"/>
           </a:p>
@@ -8527,7 +8527,7 @@
           <a:p>
             <a:fld id="{48A87A34-81AB-432B-8DAE-1953F412C126}" type="datetimeFigureOut">
               <a:rPr lang="en-US" dirty="0"/>
-              <a:t>11/4/2016</a:t>
+              <a:t>11/6/2016</a:t>
             </a:fld>
             <a:endParaRPr lang="en-US" dirty="0"/>
           </a:p>
@@ -13161,22 +13161,10 @@
               <a:buChar char="Ø"/>
             </a:pPr>
             <a:r>
-              <a:rPr lang="en-US" sz="3200" dirty="0">
-                <a:latin typeface="Arial"/>
-              </a:rPr>
-              <a:t>Search bar will suggest auto-completion of popular </a:t>
-            </a:r>
-            <a:r>
               <a:rPr lang="en-US" sz="3200" dirty="0" smtClean="0">
                 <a:latin typeface="Arial"/>
               </a:rPr>
-              <a:t>search </a:t>
-            </a:r>
-            <a:r>
-              <a:rPr lang="en-US" sz="3200" dirty="0">
-                <a:latin typeface="Arial"/>
-              </a:rPr>
-              <a:t>terms. </a:t>
+              <a:t>Store class information in Database for ease of access.</a:t>
             </a:r>
             <a:endParaRPr dirty="0"/>
           </a:p>
@@ -14042,17 +14030,8 @@
               <a:rPr lang="en-US" sz="3200" dirty="0" smtClean="0">
                 <a:latin typeface="Arial"/>
               </a:rPr>
-              <a:t>MySQL hosted on </a:t>
-            </a:r>
-            <a:r>
-              <a:rPr lang="en-US" sz="3200" dirty="0" err="1" smtClean="0">
-                <a:latin typeface="Arial"/>
-              </a:rPr>
-              <a:t>RasPi</a:t>
-            </a:r>
-            <a:endParaRPr lang="en-US" sz="3200" dirty="0" smtClean="0">
-              <a:latin typeface="Arial"/>
-            </a:endParaRPr>
+              <a:t>MySQL hosted on RasPi</a:t>
+            </a:r>
           </a:p>
         </p:txBody>
       </p:sp>
@@ -15554,6 +15533,13 @@
   <p:clrMapOvr>
     <a:masterClrMapping/>
   </p:clrMapOvr>
+  <p:timing>
+    <p:tnLst>
+      <p:par>
+        <p:cTn id="1" dur="indefinite" restart="never" nodeType="tmRoot"/>
+      </p:par>
+    </p:tnLst>
+  </p:timing>
 </p:sld>
 </file>
 

--- a/CPE495 Slides.pptx
+++ b/CPE495 Slides.pptx
@@ -16137,7 +16137,7 @@
         </p:nvSpPr>
         <p:spPr>
           <a:xfrm>
-            <a:off x="3162291" y="2810404"/>
+            <a:off x="3492075" y="142154"/>
             <a:ext cx="8190507" cy="1629850"/>
           </a:xfrm>
         </p:spPr>
@@ -16153,6 +16153,36 @@
           </a:p>
         </p:txBody>
       </p:sp>
+      <p:pic>
+        <p:nvPicPr>
+          <p:cNvPr id="3" name="Picture 2"/>
+          <p:cNvPicPr>
+            <a:picLocks noChangeAspect="1"/>
+          </p:cNvPicPr>
+          <p:nvPr/>
+        </p:nvPicPr>
+        <p:blipFill>
+          <a:blip r:embed="rId3">
+            <a:extLst>
+              <a:ext uri="{28A0092B-C50C-407E-A947-70E740481C1C}">
+                <a14:useLocalDpi xmlns:a14="http://schemas.microsoft.com/office/drawing/2010/main" val="0"/>
+              </a:ext>
+            </a:extLst>
+          </a:blip>
+          <a:stretch>
+            <a:fillRect/>
+          </a:stretch>
+        </p:blipFill>
+        <p:spPr>
+          <a:xfrm>
+            <a:off x="812809" y="1517172"/>
+            <a:ext cx="8586024" cy="4831730"/>
+          </a:xfrm>
+          <a:prstGeom prst="rect">
+            <a:avLst/>
+          </a:prstGeom>
+        </p:spPr>
+      </p:pic>
     </p:spTree>
     <p:extLst>
       <p:ext uri="{BB962C8B-B14F-4D97-AF65-F5344CB8AC3E}">
